--- a/project-overview.pptx
+++ b/project-overview.pptx
@@ -19,16 +19,17 @@
     <p:sldId id="264" r:id="rId14"/>
     <p:sldId id="265" r:id="rId15"/>
     <p:sldId id="266" r:id="rId16"/>
+    <p:sldId id="267" r:id="rId17"/>
   </p:sldIdLst>
   <p:sldSz cy="5143500" cx="9144000"/>
   <p:notesSz cx="6858000" cy="9144000"/>
   <p:embeddedFontLst>
     <p:embeddedFont>
       <p:font typeface="Roboto"/>
-      <p:regular r:id="rId17"/>
-      <p:bold r:id="rId18"/>
-      <p:italic r:id="rId19"/>
-      <p:boldItalic r:id="rId20"/>
+      <p:regular r:id="rId18"/>
+      <p:bold r:id="rId19"/>
+      <p:italic r:id="rId20"/>
+      <p:boldItalic r:id="rId21"/>
     </p:embeddedFont>
   </p:embeddedFontLst>
   <p:defaultTextStyle>
@@ -809,7 +810,7 @@
   <p:cSld>
     <p:spTree>
       <p:nvGrpSpPr>
-        <p:cNvPr id="133" name="Shape 133"/>
+        <p:cNvPr id="125" name="Shape 125"/>
         <p:cNvGrpSpPr/>
         <p:nvPr/>
       </p:nvGrpSpPr>
@@ -823,7 +824,7 @@
       </p:grpSpPr>
       <p:sp>
         <p:nvSpPr>
-          <p:cNvPr id="134" name="Google Shape;134;gc6f73a04f_0_42:notes"/>
+          <p:cNvPr id="126" name="Google Shape;126;g26e6dacca91_1_30:notes"/>
           <p:cNvSpPr/>
           <p:nvPr>
             <p:ph idx="2" type="sldImg"/>
@@ -858,7 +859,7 @@
       </p:sp>
       <p:sp>
         <p:nvSpPr>
-          <p:cNvPr id="135" name="Google Shape;135;gc6f73a04f_0_42:notes"/>
+          <p:cNvPr id="127" name="Google Shape;127;g26e6dacca91_1_30:notes"/>
           <p:cNvSpPr txBox="1"/>
           <p:nvPr>
             <p:ph idx="1" type="body"/>
@@ -908,7 +909,7 @@
   <p:cSld>
     <p:spTree>
       <p:nvGrpSpPr>
-        <p:cNvPr id="139" name="Shape 139"/>
+        <p:cNvPr id="131" name="Shape 131"/>
         <p:cNvGrpSpPr/>
         <p:nvPr/>
       </p:nvGrpSpPr>
@@ -922,7 +923,7 @@
       </p:grpSpPr>
       <p:sp>
         <p:nvSpPr>
-          <p:cNvPr id="140" name="Google Shape;140;gc6f73a04f_0_46:notes"/>
+          <p:cNvPr id="132" name="Google Shape;132;gc6f73a04f_0_42:notes"/>
           <p:cNvSpPr/>
           <p:nvPr>
             <p:ph idx="2" type="sldImg"/>
@@ -957,7 +958,106 @@
       </p:sp>
       <p:sp>
         <p:nvSpPr>
-          <p:cNvPr id="141" name="Google Shape;141;gc6f73a04f_0_46:notes"/>
+          <p:cNvPr id="133" name="Google Shape;133;gc6f73a04f_0_42:notes"/>
+          <p:cNvSpPr txBox="1"/>
+          <p:nvPr>
+            <p:ph idx="1" type="body"/>
+          </p:nvPr>
+        </p:nvSpPr>
+        <p:spPr>
+          <a:xfrm>
+            <a:off x="685800" y="4343400"/>
+            <a:ext cx="5486400" cy="4114800"/>
+          </a:xfrm>
+          <a:prstGeom prst="rect">
+            <a:avLst/>
+          </a:prstGeom>
+        </p:spPr>
+        <p:txBody>
+          <a:bodyPr anchorCtr="0" anchor="t" bIns="91425" lIns="91425" spcFirstLastPara="1" rIns="91425" wrap="square" tIns="91425">
+            <a:noAutofit/>
+          </a:bodyPr>
+          <a:lstStyle/>
+          <a:p>
+            <a:pPr indent="0" lvl="0" marL="0" rtl="0" algn="l">
+              <a:spcBef>
+                <a:spcPts val="0"/>
+              </a:spcBef>
+              <a:spcAft>
+                <a:spcPts val="0"/>
+              </a:spcAft>
+              <a:buNone/>
+            </a:pPr>
+            <a:r>
+              <a:t/>
+            </a:r>
+            <a:endParaRPr/>
+          </a:p>
+        </p:txBody>
+      </p:sp>
+    </p:spTree>
+  </p:cSld>
+  <p:clrMapOvr>
+    <a:masterClrMapping/>
+  </p:clrMapOvr>
+</p:notes>
+</file>
+
+<file path=ppt/notesSlides/notesSlide12.xml><?xml version="1.0" encoding="utf-8"?>
+<p:notes xmlns:a="http://schemas.openxmlformats.org/drawingml/2006/main" xmlns:r="http://schemas.openxmlformats.org/officeDocument/2006/relationships" xmlns:mc="http://schemas.openxmlformats.org/markup-compatibility/2006" xmlns:mv="urn:schemas-microsoft-com:mac:vml" xmlns:p="http://schemas.openxmlformats.org/presentationml/2006/main" xmlns:c="http://schemas.openxmlformats.org/drawingml/2006/chart" xmlns:dgm="http://schemas.openxmlformats.org/drawingml/2006/diagram" xmlns:o="urn:schemas-microsoft-com:office:office" xmlns:v="urn:schemas-microsoft-com:vml" xmlns:pvml="urn:schemas-microsoft-com:office:powerpoint" xmlns:com="http://schemas.openxmlformats.org/drawingml/2006/compatibility" xmlns:p14="http://schemas.microsoft.com/office/powerpoint/2010/main" xmlns:p15="http://schemas.microsoft.com/office/powerpoint/2012/main" xmlns:ahyp="http://schemas.microsoft.com/office/drawing/2018/hyperlinkcolor" showMasterPhAnim="0" showMasterSp="0">
+  <p:cSld>
+    <p:spTree>
+      <p:nvGrpSpPr>
+        <p:cNvPr id="137" name="Shape 137"/>
+        <p:cNvGrpSpPr/>
+        <p:nvPr/>
+      </p:nvGrpSpPr>
+      <p:grpSpPr>
+        <a:xfrm>
+          <a:off x="0" y="0"/>
+          <a:ext cx="0" cy="0"/>
+          <a:chOff x="0" y="0"/>
+          <a:chExt cx="0" cy="0"/>
+        </a:xfrm>
+      </p:grpSpPr>
+      <p:sp>
+        <p:nvSpPr>
+          <p:cNvPr id="138" name="Google Shape;138;gc6f73a04f_0_46:notes"/>
+          <p:cNvSpPr/>
+          <p:nvPr>
+            <p:ph idx="2" type="sldImg"/>
+          </p:nvPr>
+        </p:nvSpPr>
+        <p:spPr>
+          <a:xfrm>
+            <a:off x="381188" y="685800"/>
+            <a:ext cx="6096300" cy="3429000"/>
+          </a:xfrm>
+          <a:custGeom>
+            <a:rect b="b" l="l" r="r" t="t"/>
+            <a:pathLst>
+              <a:path extrusionOk="0" h="120000" w="120000">
+                <a:moveTo>
+                  <a:pt x="0" y="0"/>
+                </a:moveTo>
+                <a:lnTo>
+                  <a:pt x="120000" y="0"/>
+                </a:lnTo>
+                <a:lnTo>
+                  <a:pt x="120000" y="120000"/>
+                </a:lnTo>
+                <a:lnTo>
+                  <a:pt x="0" y="120000"/>
+                </a:lnTo>
+                <a:close/>
+              </a:path>
+            </a:pathLst>
+          </a:custGeom>
+        </p:spPr>
+      </p:sp>
+      <p:sp>
+        <p:nvSpPr>
+          <p:cNvPr id="139" name="Google Shape;139;gc6f73a04f_0_46:notes"/>
           <p:cNvSpPr txBox="1"/>
           <p:nvPr>
             <p:ph idx="1" type="body"/>
@@ -1318,7 +1418,7 @@
       </p:grpSpPr>
       <p:sp>
         <p:nvSpPr>
-          <p:cNvPr id="91" name="Google Shape;91;gc6f73a04f_0_20:notes"/>
+          <p:cNvPr id="91" name="Google Shape;91;g26e6dacca91_0_5:notes"/>
           <p:cNvSpPr/>
           <p:nvPr>
             <p:ph idx="2" type="sldImg"/>
@@ -1353,7 +1453,7 @@
       </p:sp>
       <p:sp>
         <p:nvSpPr>
-          <p:cNvPr id="92" name="Google Shape;92;gc6f73a04f_0_20:notes"/>
+          <p:cNvPr id="92" name="Google Shape;92;g26e6dacca91_0_5:notes"/>
           <p:cNvSpPr txBox="1"/>
           <p:nvPr>
             <p:ph idx="1" type="body"/>
@@ -1403,7 +1503,7 @@
   <p:cSld>
     <p:spTree>
       <p:nvGrpSpPr>
-        <p:cNvPr id="105" name="Shape 105"/>
+        <p:cNvPr id="96" name="Shape 96"/>
         <p:cNvGrpSpPr/>
         <p:nvPr/>
       </p:nvGrpSpPr>
@@ -1417,7 +1517,7 @@
       </p:grpSpPr>
       <p:sp>
         <p:nvSpPr>
-          <p:cNvPr id="106" name="Google Shape;106;gc6f73a04f_0_25:notes"/>
+          <p:cNvPr id="97" name="Google Shape;97;gc6f73a04f_0_20:notes"/>
           <p:cNvSpPr/>
           <p:nvPr>
             <p:ph idx="2" type="sldImg"/>
@@ -1452,7 +1552,7 @@
       </p:sp>
       <p:sp>
         <p:nvSpPr>
-          <p:cNvPr id="107" name="Google Shape;107;gc6f73a04f_0_25:notes"/>
+          <p:cNvPr id="98" name="Google Shape;98;gc6f73a04f_0_20:notes"/>
           <p:cNvSpPr txBox="1"/>
           <p:nvPr>
             <p:ph idx="1" type="body"/>
@@ -1502,7 +1602,7 @@
   <p:cSld>
     <p:spTree>
       <p:nvGrpSpPr>
-        <p:cNvPr id="111" name="Shape 111"/>
+        <p:cNvPr id="103" name="Shape 103"/>
         <p:cNvGrpSpPr/>
         <p:nvPr/>
       </p:nvGrpSpPr>
@@ -1516,7 +1616,7 @@
       </p:grpSpPr>
       <p:sp>
         <p:nvSpPr>
-          <p:cNvPr id="112" name="Google Shape;112;g26e6dacca91_1_23:notes"/>
+          <p:cNvPr id="104" name="Google Shape;104;gc6f73a04f_0_25:notes"/>
           <p:cNvSpPr/>
           <p:nvPr>
             <p:ph idx="2" type="sldImg"/>
@@ -1551,7 +1651,7 @@
       </p:sp>
       <p:sp>
         <p:nvSpPr>
-          <p:cNvPr id="113" name="Google Shape;113;g26e6dacca91_1_23:notes"/>
+          <p:cNvPr id="105" name="Google Shape;105;gc6f73a04f_0_25:notes"/>
           <p:cNvSpPr txBox="1"/>
           <p:nvPr>
             <p:ph idx="1" type="body"/>
@@ -1601,7 +1701,7 @@
   <p:cSld>
     <p:spTree>
       <p:nvGrpSpPr>
-        <p:cNvPr id="117" name="Shape 117"/>
+        <p:cNvPr id="109" name="Shape 109"/>
         <p:cNvGrpSpPr/>
         <p:nvPr/>
       </p:nvGrpSpPr>
@@ -1615,7 +1715,7 @@
       </p:grpSpPr>
       <p:sp>
         <p:nvSpPr>
-          <p:cNvPr id="118" name="Google Shape;118;gc6f73a04f_0_30:notes"/>
+          <p:cNvPr id="110" name="Google Shape;110;g26e6dacca91_1_23:notes"/>
           <p:cNvSpPr/>
           <p:nvPr>
             <p:ph idx="2" type="sldImg"/>
@@ -1650,7 +1750,7 @@
       </p:sp>
       <p:sp>
         <p:nvSpPr>
-          <p:cNvPr id="119" name="Google Shape;119;gc6f73a04f_0_30:notes"/>
+          <p:cNvPr id="111" name="Google Shape;111;g26e6dacca91_1_23:notes"/>
           <p:cNvSpPr txBox="1"/>
           <p:nvPr>
             <p:ph idx="1" type="body"/>
@@ -1700,7 +1800,7 @@
   <p:cSld>
     <p:spTree>
       <p:nvGrpSpPr>
-        <p:cNvPr id="127" name="Shape 127"/>
+        <p:cNvPr id="115" name="Shape 115"/>
         <p:cNvGrpSpPr/>
         <p:nvPr/>
       </p:nvGrpSpPr>
@@ -1714,7 +1814,7 @@
       </p:grpSpPr>
       <p:sp>
         <p:nvSpPr>
-          <p:cNvPr id="128" name="Google Shape;128;g26e6dacca91_1_30:notes"/>
+          <p:cNvPr id="116" name="Google Shape;116;gc6f73a04f_0_30:notes"/>
           <p:cNvSpPr/>
           <p:nvPr>
             <p:ph idx="2" type="sldImg"/>
@@ -1749,7 +1849,7 @@
       </p:sp>
       <p:sp>
         <p:nvSpPr>
-          <p:cNvPr id="129" name="Google Shape;129;g26e6dacca91_1_30:notes"/>
+          <p:cNvPr id="117" name="Google Shape;117;gc6f73a04f_0_30:notes"/>
           <p:cNvSpPr txBox="1"/>
           <p:nvPr>
             <p:ph idx="1" type="body"/>
@@ -7702,7 +7802,7 @@
     <p:bg>
       <p:bgPr>
         <a:solidFill>
-          <a:srgbClr val="6739B7"/>
+          <a:srgbClr val="FF0000"/>
         </a:solidFill>
       </p:bgPr>
     </p:bg>
@@ -7754,23 +7854,7 @@
             </a:pPr>
             <a:r>
               <a:rPr lang="en"/>
-              <a:t>Phonepe Pulse Data Visualization and Exploration:</a:t>
-            </a:r>
-            <a:endParaRPr/>
-          </a:p>
-          <a:p>
-            <a:pPr indent="0" lvl="0" marL="0" rtl="0" algn="ctr">
-              <a:spcBef>
-                <a:spcPts val="0"/>
-              </a:spcBef>
-              <a:spcAft>
-                <a:spcPts val="0"/>
-              </a:spcAft>
-              <a:buNone/>
-            </a:pPr>
-            <a:r>
-              <a:rPr lang="en"/>
-              <a:t>A User-Friendly Tool Using Streamlit and Plotly</a:t>
+              <a:t>YouTube Data Harvesting and Warehousing using SQL and Streamlit</a:t>
             </a:r>
             <a:endParaRPr/>
           </a:p>
@@ -7857,13 +7941,13 @@
     <p:bg>
       <p:bgPr>
         <a:solidFill>
-          <a:srgbClr val="6739B7"/>
+          <a:srgbClr val="FF0000"/>
         </a:solidFill>
       </p:bgPr>
     </p:bg>
     <p:spTree>
       <p:nvGrpSpPr>
-        <p:cNvPr id="136" name="Shape 136"/>
+        <p:cNvPr id="128" name="Shape 128"/>
         <p:cNvGrpSpPr/>
         <p:nvPr/>
       </p:nvGrpSpPr>
@@ -7877,7 +7961,159 @@
       </p:grpSpPr>
       <p:sp>
         <p:nvSpPr>
-          <p:cNvPr id="137" name="Google Shape;137;p22"/>
+          <p:cNvPr id="129" name="Google Shape;129;p22"/>
+          <p:cNvSpPr txBox="1"/>
+          <p:nvPr>
+            <p:ph type="title"/>
+          </p:nvPr>
+        </p:nvSpPr>
+        <p:spPr>
+          <a:xfrm>
+            <a:off x="311700" y="1249225"/>
+            <a:ext cx="8520600" cy="1890600"/>
+          </a:xfrm>
+          <a:prstGeom prst="rect">
+            <a:avLst/>
+          </a:prstGeom>
+        </p:spPr>
+        <p:txBody>
+          <a:bodyPr anchorCtr="0" anchor="b" bIns="91425" lIns="91425" spcFirstLastPara="1" rIns="91425" wrap="square" tIns="91425">
+            <a:normAutofit fontScale="90000"/>
+          </a:bodyPr>
+          <a:lstStyle/>
+          <a:p>
+            <a:pPr indent="0" lvl="0" marL="0" rtl="0" algn="ctr">
+              <a:spcBef>
+                <a:spcPts val="0"/>
+              </a:spcBef>
+              <a:spcAft>
+                <a:spcPts val="0"/>
+              </a:spcAft>
+              <a:buNone/>
+            </a:pPr>
+            <a:r>
+              <a:rPr lang="en">
+                <a:solidFill>
+                  <a:schemeClr val="lt1"/>
+                </a:solidFill>
+              </a:rPr>
+              <a:t>50-70</a:t>
+            </a:r>
+            <a:r>
+              <a:rPr lang="en">
+                <a:solidFill>
+                  <a:schemeClr val="lt1"/>
+                </a:solidFill>
+              </a:rPr>
+              <a:t>%</a:t>
+            </a:r>
+            <a:endParaRPr>
+              <a:solidFill>
+                <a:schemeClr val="lt1"/>
+              </a:solidFill>
+            </a:endParaRPr>
+          </a:p>
+        </p:txBody>
+      </p:sp>
+      <p:sp>
+        <p:nvSpPr>
+          <p:cNvPr id="130" name="Google Shape;130;p22"/>
+          <p:cNvSpPr txBox="1"/>
+          <p:nvPr>
+            <p:ph idx="1" type="body"/>
+          </p:nvPr>
+        </p:nvSpPr>
+        <p:spPr>
+          <a:xfrm>
+            <a:off x="475500" y="3304625"/>
+            <a:ext cx="8222100" cy="1300800"/>
+          </a:xfrm>
+          <a:prstGeom prst="rect">
+            <a:avLst/>
+          </a:prstGeom>
+        </p:spPr>
+        <p:txBody>
+          <a:bodyPr anchorCtr="0" anchor="t" bIns="91425" lIns="91425" spcFirstLastPara="1" rIns="91425" wrap="square" tIns="91425">
+            <a:normAutofit/>
+          </a:bodyPr>
+          <a:lstStyle/>
+          <a:p>
+            <a:pPr indent="0" lvl="0" marL="0" rtl="0" algn="ctr">
+              <a:spcBef>
+                <a:spcPts val="0"/>
+              </a:spcBef>
+              <a:spcAft>
+                <a:spcPts val="1200"/>
+              </a:spcAft>
+              <a:buNone/>
+            </a:pPr>
+            <a:r>
+              <a:rPr lang="en">
+                <a:solidFill>
+                  <a:schemeClr val="accent5"/>
+                </a:solidFill>
+              </a:rPr>
+              <a:t>This is by how much a person can increase </a:t>
+            </a:r>
+            <a:r>
+              <a:rPr lang="en">
+                <a:solidFill>
+                  <a:schemeClr val="accent5"/>
+                </a:solidFill>
+              </a:rPr>
+              <a:t>their</a:t>
+            </a:r>
+            <a:r>
+              <a:rPr lang="en">
+                <a:solidFill>
+                  <a:schemeClr val="accent5"/>
+                </a:solidFill>
+              </a:rPr>
+              <a:t> reach by using this app.</a:t>
+            </a:r>
+            <a:endParaRPr>
+              <a:solidFill>
+                <a:schemeClr val="accent5"/>
+              </a:solidFill>
+            </a:endParaRPr>
+          </a:p>
+        </p:txBody>
+      </p:sp>
+    </p:spTree>
+  </p:cSld>
+  <p:clrMapOvr>
+    <a:masterClrMapping/>
+  </p:clrMapOvr>
+</p:sld>
+</file>
+
+<file path=ppt/slides/slide11.xml><?xml version="1.0" encoding="utf-8"?>
+<p:sld xmlns:a="http://schemas.openxmlformats.org/drawingml/2006/main" xmlns:r="http://schemas.openxmlformats.org/officeDocument/2006/relationships" xmlns:mc="http://schemas.openxmlformats.org/markup-compatibility/2006" xmlns:mv="urn:schemas-microsoft-com:mac:vml" xmlns:p="http://schemas.openxmlformats.org/presentationml/2006/main" xmlns:c="http://schemas.openxmlformats.org/drawingml/2006/chart" xmlns:dgm="http://schemas.openxmlformats.org/drawingml/2006/diagram" xmlns:o="urn:schemas-microsoft-com:office:office" xmlns:v="urn:schemas-microsoft-com:vml" xmlns:pvml="urn:schemas-microsoft-com:office:powerpoint" xmlns:com="http://schemas.openxmlformats.org/drawingml/2006/compatibility" xmlns:p14="http://schemas.microsoft.com/office/powerpoint/2010/main" xmlns:p15="http://schemas.microsoft.com/office/powerpoint/2012/main" xmlns:ahyp="http://schemas.microsoft.com/office/drawing/2018/hyperlinkcolor">
+  <p:cSld>
+    <p:bg>
+      <p:bgPr>
+        <a:solidFill>
+          <a:srgbClr val="FF0000"/>
+        </a:solidFill>
+      </p:bgPr>
+    </p:bg>
+    <p:spTree>
+      <p:nvGrpSpPr>
+        <p:cNvPr id="134" name="Shape 134"/>
+        <p:cNvGrpSpPr/>
+        <p:nvPr/>
+      </p:nvGrpSpPr>
+      <p:grpSpPr>
+        <a:xfrm>
+          <a:off x="0" y="0"/>
+          <a:ext cx="0" cy="0"/>
+          <a:chOff x="0" y="0"/>
+          <a:chExt cx="0" cy="0"/>
+        </a:xfrm>
+      </p:grpSpPr>
+      <p:sp>
+        <p:nvSpPr>
+          <p:cNvPr id="135" name="Google Shape;135;p23"/>
           <p:cNvSpPr txBox="1"/>
           <p:nvPr>
             <p:ph type="title"/>
@@ -7909,7 +8145,7 @@
             </a:pPr>
             <a:r>
               <a:rPr lang="en" sz="4800"/>
-              <a:t>Unlocking actionable insights from financial data can drive strategic decision-making and enhance user engagement in fintech apps.</a:t>
+              <a:t>Data-driven insights from YouTube channels drive content optimization and business growth in a rapidly evolving digital landscape.</a:t>
             </a:r>
             <a:endParaRPr sz="4800"/>
           </a:p>
@@ -7917,7 +8153,7 @@
       </p:sp>
       <p:sp>
         <p:nvSpPr>
-          <p:cNvPr id="138" name="Google Shape;138;p22"/>
+          <p:cNvPr id="136" name="Google Shape;136;p23"/>
           <p:cNvSpPr txBox="1"/>
           <p:nvPr/>
         </p:nvSpPr>
@@ -7981,19 +8217,19 @@
 </p:sld>
 </file>
 
-<file path=ppt/slides/slide11.xml><?xml version="1.0" encoding="utf-8"?>
+<file path=ppt/slides/slide12.xml><?xml version="1.0" encoding="utf-8"?>
 <p:sld xmlns:a="http://schemas.openxmlformats.org/drawingml/2006/main" xmlns:r="http://schemas.openxmlformats.org/officeDocument/2006/relationships" xmlns:mc="http://schemas.openxmlformats.org/markup-compatibility/2006" xmlns:mv="urn:schemas-microsoft-com:mac:vml" xmlns:p="http://schemas.openxmlformats.org/presentationml/2006/main" xmlns:c="http://schemas.openxmlformats.org/drawingml/2006/chart" xmlns:dgm="http://schemas.openxmlformats.org/drawingml/2006/diagram" xmlns:o="urn:schemas-microsoft-com:office:office" xmlns:v="urn:schemas-microsoft-com:vml" xmlns:pvml="urn:schemas-microsoft-com:office:powerpoint" xmlns:com="http://schemas.openxmlformats.org/drawingml/2006/compatibility" xmlns:p14="http://schemas.microsoft.com/office/powerpoint/2010/main" xmlns:p15="http://schemas.microsoft.com/office/powerpoint/2012/main" xmlns:ahyp="http://schemas.microsoft.com/office/drawing/2018/hyperlinkcolor">
   <p:cSld>
     <p:bg>
       <p:bgPr>
         <a:solidFill>
-          <a:srgbClr val="6739B7"/>
+          <a:srgbClr val="FF0000"/>
         </a:solidFill>
       </p:bgPr>
     </p:bg>
     <p:spTree>
       <p:nvGrpSpPr>
-        <p:cNvPr id="142" name="Shape 142"/>
+        <p:cNvPr id="140" name="Shape 140"/>
         <p:cNvGrpSpPr/>
         <p:nvPr/>
       </p:nvGrpSpPr>
@@ -8007,7 +8243,7 @@
       </p:grpSpPr>
       <p:sp>
         <p:nvSpPr>
-          <p:cNvPr id="143" name="Google Shape;143;p23"/>
+          <p:cNvPr id="141" name="Google Shape;141;p24"/>
           <p:cNvSpPr txBox="1"/>
           <p:nvPr>
             <p:ph type="title"/>
@@ -8047,7 +8283,7 @@
       </p:sp>
       <p:sp>
         <p:nvSpPr>
-          <p:cNvPr id="144" name="Google Shape;144;p23"/>
+          <p:cNvPr id="142" name="Google Shape;142;p24"/>
           <p:cNvSpPr txBox="1"/>
           <p:nvPr>
             <p:ph idx="1" type="body"/>
@@ -8127,24 +8363,11 @@
             </a:pPr>
             <a:r>
               <a:rPr lang="en" sz="1400" u="sng">
-                <a:solidFill>
-                  <a:schemeClr val="accent4"/>
-                </a:solidFill>
-                <a:hlinkClick r:id="rId3">
-                  <a:extLst>
-                    <a:ext uri="{A12FA001-AC4F-418D-AE19-62706E023703}">
-                      <ahyp:hlinkClr val="tx"/>
-                    </a:ext>
-                  </a:extLst>
-                </a:hlinkClick>
+                <a:hlinkClick r:id="rId3"/>
               </a:rPr>
               <a:t>https://github.com/surabhi0901</a:t>
             </a:r>
-            <a:endParaRPr sz="1400">
-              <a:solidFill>
-                <a:schemeClr val="accent4"/>
-              </a:solidFill>
-            </a:endParaRPr>
+            <a:endParaRPr sz="1400"/>
           </a:p>
           <a:p>
             <a:pPr indent="0" lvl="0" marL="0" rtl="0" algn="l">
@@ -8168,7 +8391,7 @@
       </p:sp>
       <p:pic>
         <p:nvPicPr>
-          <p:cNvPr id="145" name="Google Shape;145;p23"/>
+          <p:cNvPr id="143" name="Google Shape;143;p24"/>
           <p:cNvPicPr preferRelativeResize="0"/>
           <p:nvPr/>
         </p:nvPicPr>
@@ -8176,13 +8399,13 @@
           <a:blip r:embed="rId5">
             <a:alphaModFix/>
           </a:blip>
-          <a:srcRect b="0" l="0" r="69262" t="0"/>
+          <a:srcRect b="0" l="7242" r="7250" t="0"/>
           <a:stretch/>
         </p:blipFill>
         <p:spPr>
           <a:xfrm>
-            <a:off x="3639375" y="0"/>
-            <a:ext cx="5197025" cy="5143500"/>
+            <a:off x="3294050" y="0"/>
+            <a:ext cx="5864126" cy="5143500"/>
           </a:xfrm>
           <a:prstGeom prst="rect">
             <a:avLst/>
@@ -8207,7 +8430,7 @@
     <p:bg>
       <p:bgPr>
         <a:solidFill>
-          <a:srgbClr val="6739B7"/>
+          <a:srgbClr val="FF0000"/>
         </a:solidFill>
       </p:bgPr>
     </p:bg>
@@ -8258,14 +8481,14 @@
               <a:buNone/>
             </a:pPr>
             <a:r>
-              <a:rPr b="1" lang="en">
+              <a:rPr lang="en">
                 <a:solidFill>
                   <a:srgbClr val="000000"/>
                 </a:solidFill>
               </a:rPr>
-              <a:t>"Data analysis is a powerful tool in the world of finance, unlocking insights that drive informed decision-making and pave the way for financial success."</a:t>
+              <a:t>“Data is the new oil. It's valuable, but if unrefined, it cannot really be used.”</a:t>
             </a:r>
-            <a:endParaRPr b="1">
+            <a:endParaRPr>
               <a:solidFill>
                 <a:srgbClr val="000000"/>
               </a:solidFill>
@@ -8281,7 +8504,7 @@
         </p:nvCxnSpPr>
         <p:spPr>
           <a:xfrm>
-            <a:off x="4295550" y="3074400"/>
+            <a:off x="4295550" y="2693400"/>
             <a:ext cx="552900" cy="0"/>
           </a:xfrm>
           <a:prstGeom prst="straightConnector1">
@@ -8309,7 +8532,7 @@
         </p:nvSpPr>
         <p:spPr>
           <a:xfrm>
-            <a:off x="773700" y="3114050"/>
+            <a:off x="773700" y="2961650"/>
             <a:ext cx="7596600" cy="518400"/>
           </a:xfrm>
           <a:prstGeom prst="rect">
@@ -8335,14 +8558,14 @@
               <a:buNone/>
             </a:pPr>
             <a:r>
-              <a:rPr b="1" lang="en">
+              <a:rPr lang="en">
                 <a:solidFill>
                   <a:srgbClr val="000000"/>
                 </a:solidFill>
               </a:rPr>
-              <a:t>- Warren Buffett</a:t>
+              <a:t>- Clive Humby</a:t>
             </a:r>
-            <a:endParaRPr b="1">
+            <a:endParaRPr>
               <a:solidFill>
                 <a:srgbClr val="000000"/>
               </a:solidFill>
@@ -8364,7 +8587,7 @@
     <p:bg>
       <p:bgPr>
         <a:solidFill>
-          <a:srgbClr val="6739B7"/>
+          <a:srgbClr val="FF0000"/>
         </a:solidFill>
       </p:bgPr>
     </p:bg>
@@ -8465,7 +8688,7 @@
                   <a:srgbClr val="000000"/>
                 </a:solidFill>
               </a:rPr>
-              <a:t>Objective: Develop an interactive dashboard for visualizing and exploring Phonepe Pulse data using Streamlit and Plotly.</a:t>
+              <a:t>YouTube's Data Universe: Explore the vast array of data generated daily on YouTube, from views and likes to comments and user demographics.</a:t>
             </a:r>
             <a:endParaRPr sz="1200">
               <a:solidFill>
@@ -8493,91 +8716,7 @@
                   <a:srgbClr val="000000"/>
                 </a:solidFill>
               </a:rPr>
-              <a:t>Key Features:</a:t>
-            </a:r>
-            <a:endParaRPr sz="1200">
-              <a:solidFill>
-                <a:srgbClr val="000000"/>
-              </a:solidFill>
-            </a:endParaRPr>
-          </a:p>
-          <a:p>
-            <a:pPr indent="-304800" lvl="1" marL="914400" rtl="0" algn="l">
-              <a:spcBef>
-                <a:spcPts val="0"/>
-              </a:spcBef>
-              <a:spcAft>
-                <a:spcPts val="0"/>
-              </a:spcAft>
-              <a:buClr>
-                <a:srgbClr val="000000"/>
-              </a:buClr>
-              <a:buSzPts val="1200"/>
-              <a:buChar char="○"/>
-            </a:pPr>
-            <a:r>
-              <a:rPr lang="en" sz="1200">
-                <a:solidFill>
-                  <a:srgbClr val="000000"/>
-                </a:solidFill>
-              </a:rPr>
-              <a:t>User-Friendly Interface: Intuitive controls for selecting criteria such as year, quarter, and type.</a:t>
-            </a:r>
-            <a:endParaRPr sz="1200">
-              <a:solidFill>
-                <a:srgbClr val="000000"/>
-              </a:solidFill>
-            </a:endParaRPr>
-          </a:p>
-          <a:p>
-            <a:pPr indent="-304800" lvl="1" marL="914400" rtl="0" algn="l">
-              <a:spcBef>
-                <a:spcPts val="0"/>
-              </a:spcBef>
-              <a:spcAft>
-                <a:spcPts val="0"/>
-              </a:spcAft>
-              <a:buClr>
-                <a:srgbClr val="000000"/>
-              </a:buClr>
-              <a:buSzPts val="1200"/>
-              <a:buChar char="○"/>
-            </a:pPr>
-            <a:r>
-              <a:rPr lang="en" sz="1200">
-                <a:solidFill>
-                  <a:srgbClr val="000000"/>
-                </a:solidFill>
-              </a:rPr>
-              <a:t>Interactive Visualizations: Pie charts, bar graphs, and sliders for dynamic data exploration.</a:t>
-            </a:r>
-            <a:endParaRPr sz="1200">
-              <a:solidFill>
-                <a:srgbClr val="000000"/>
-              </a:solidFill>
-            </a:endParaRPr>
-          </a:p>
-          <a:p>
-            <a:pPr indent="-304800" lvl="1" marL="914400" rtl="0" algn="l">
-              <a:spcBef>
-                <a:spcPts val="0"/>
-              </a:spcBef>
-              <a:spcAft>
-                <a:spcPts val="0"/>
-              </a:spcAft>
-              <a:buClr>
-                <a:srgbClr val="000000"/>
-              </a:buClr>
-              <a:buSzPts val="1200"/>
-              <a:buChar char="○"/>
-            </a:pPr>
-            <a:r>
-              <a:rPr lang="en" sz="1200">
-                <a:solidFill>
-                  <a:srgbClr val="000000"/>
-                </a:solidFill>
-              </a:rPr>
-              <a:t>Insightful Analysis: Top 10 rankings based on transaction amount, count, and user statistics.</a:t>
+              <a:t>Strategic Imperative: Emphasize the critical importance of harvesting YouTube data for informed decision-making, content optimization, and staying ahead in the digital landscape.</a:t>
             </a:r>
             <a:endParaRPr sz="1200">
               <a:solidFill>
@@ -8605,7 +8744,7 @@
                   <a:srgbClr val="000000"/>
                 </a:solidFill>
               </a:rPr>
-              <a:t>Benefits: Efficient data exploration, customizable viewing, and enhanced decision-making.</a:t>
+              <a:t>Navigating Complexity: Acknowledge challenges like data volume and quality while highlighting the need for efficient processing and storage solutions.</a:t>
             </a:r>
             <a:endParaRPr sz="1200">
               <a:solidFill>
@@ -8633,7 +8772,7 @@
                   <a:srgbClr val="000000"/>
                 </a:solidFill>
               </a:rPr>
-              <a:t>Conclusion: Empowers users to uncover meaningful insights from Phonepe Pulse data, driving informed decisions and strategies. Continued development for further enhancements and user feedback integration.</a:t>
+              <a:t>Insights at Scale: Discuss the potential for extracting valuable insights from YouTube data, such as trend identification and audience behavior analysis.</a:t>
             </a:r>
             <a:endParaRPr sz="1200">
               <a:solidFill>
@@ -8661,7 +8800,91 @@
                   <a:srgbClr val="000000"/>
                 </a:solidFill>
               </a:rPr>
-              <a:t>Next Steps: Live demonstration, feedback collection, and deployment planning.</a:t>
+              <a:t>Centralizing Data: Introduce data warehousing as a key strategy for organizing and analyzing YouTube data comprehensively.</a:t>
+            </a:r>
+            <a:endParaRPr sz="1200">
+              <a:solidFill>
+                <a:srgbClr val="000000"/>
+              </a:solidFill>
+            </a:endParaRPr>
+          </a:p>
+          <a:p>
+            <a:pPr indent="-304800" lvl="0" marL="457200" rtl="0" algn="l">
+              <a:spcBef>
+                <a:spcPts val="0"/>
+              </a:spcBef>
+              <a:spcAft>
+                <a:spcPts val="0"/>
+              </a:spcAft>
+              <a:buClr>
+                <a:srgbClr val="000000"/>
+              </a:buClr>
+              <a:buSzPts val="1200"/>
+              <a:buChar char="●"/>
+            </a:pPr>
+            <a:r>
+              <a:rPr lang="en" sz="1200">
+                <a:solidFill>
+                  <a:srgbClr val="000000"/>
+                </a:solidFill>
+              </a:rPr>
+              <a:t>Empowering Growth: Highlight how effective data strategies can drive growth and optimize performance on the YouTube platform.</a:t>
+            </a:r>
+            <a:endParaRPr sz="1200">
+              <a:solidFill>
+                <a:srgbClr val="000000"/>
+              </a:solidFill>
+            </a:endParaRPr>
+          </a:p>
+          <a:p>
+            <a:pPr indent="-304800" lvl="0" marL="457200" rtl="0" algn="l">
+              <a:spcBef>
+                <a:spcPts val="0"/>
+              </a:spcBef>
+              <a:spcAft>
+                <a:spcPts val="0"/>
+              </a:spcAft>
+              <a:buClr>
+                <a:srgbClr val="000000"/>
+              </a:buClr>
+              <a:buSzPts val="1200"/>
+              <a:buChar char="●"/>
+            </a:pPr>
+            <a:r>
+              <a:rPr lang="en" sz="1200">
+                <a:solidFill>
+                  <a:srgbClr val="000000"/>
+                </a:solidFill>
+              </a:rPr>
+              <a:t>Presentation Goals: Outline objectives, including exploring data harvesting techniques, discussing warehousing strategies, and highlighting business impact.</a:t>
+            </a:r>
+            <a:endParaRPr sz="1200">
+              <a:solidFill>
+                <a:srgbClr val="000000"/>
+              </a:solidFill>
+            </a:endParaRPr>
+          </a:p>
+          <a:p>
+            <a:pPr indent="-304800" lvl="0" marL="457200" rtl="0" algn="l">
+              <a:spcBef>
+                <a:spcPts val="0"/>
+              </a:spcBef>
+              <a:spcAft>
+                <a:spcPts val="0"/>
+              </a:spcAft>
+              <a:buClr>
+                <a:srgbClr val="000000"/>
+              </a:buClr>
+              <a:buSzPts val="1200"/>
+              <a:buChar char="●"/>
+            </a:pPr>
+            <a:r>
+              <a:rPr lang="en" sz="1200">
+                <a:solidFill>
+                  <a:srgbClr val="000000"/>
+                </a:solidFill>
+              </a:rPr>
+              <a:t>Interactive Learning: Encourage audience participation to foster engagement and collaboration throughout the presentation.</a:t>
             </a:r>
             <a:endParaRPr sz="1200">
               <a:solidFill>
@@ -8725,7 +8948,7 @@
     <p:bg>
       <p:bgPr>
         <a:solidFill>
-          <a:srgbClr val="6739B7"/>
+          <a:srgbClr val="FF0000"/>
         </a:solidFill>
       </p:bgPr>
     </p:bg>
@@ -8793,13 +9016,13 @@
           <a:blip r:embed="rId3">
             <a:alphaModFix/>
           </a:blip>
-          <a:srcRect b="6387" l="4379" r="4196" t="4022"/>
+          <a:srcRect b="6387" l="5472" r="5543" t="6942"/>
           <a:stretch/>
         </p:blipFill>
         <p:spPr>
           <a:xfrm>
-            <a:off x="0" y="1670250"/>
-            <a:ext cx="9144000" cy="3360528"/>
+            <a:off x="0" y="1768000"/>
+            <a:ext cx="9144000" cy="3339881"/>
           </a:xfrm>
           <a:prstGeom prst="rect">
             <a:avLst/>
@@ -8824,7 +9047,7 @@
     <p:bg>
       <p:bgPr>
         <a:solidFill>
-          <a:srgbClr val="6739B7"/>
+          <a:srgbClr val="FF0000"/>
         </a:solidFill>
       </p:bgPr>
     </p:bg>
@@ -8842,9 +9065,109 @@
           <a:chExt cx="0" cy="0"/>
         </a:xfrm>
       </p:grpSpPr>
+      <p:pic>
+        <p:nvPicPr>
+          <p:cNvPr id="94" name="Google Shape;94;p17"/>
+          <p:cNvPicPr preferRelativeResize="0"/>
+          <p:nvPr/>
+        </p:nvPicPr>
+        <p:blipFill>
+          <a:blip r:embed="rId3">
+            <a:alphaModFix/>
+          </a:blip>
+          <a:stretch>
+            <a:fillRect/>
+          </a:stretch>
+        </p:blipFill>
+        <p:spPr>
+          <a:xfrm>
+            <a:off x="196475" y="1726875"/>
+            <a:ext cx="8751026" cy="2460375"/>
+          </a:xfrm>
+          <a:prstGeom prst="rect">
+            <a:avLst/>
+          </a:prstGeom>
+          <a:noFill/>
+          <a:ln>
+            <a:noFill/>
+          </a:ln>
+        </p:spPr>
+      </p:pic>
       <p:sp>
         <p:nvSpPr>
-          <p:cNvPr id="94" name="Google Shape;94;p17"/>
+          <p:cNvPr id="95" name="Google Shape;95;p17"/>
+          <p:cNvSpPr txBox="1"/>
+          <p:nvPr>
+            <p:ph type="title"/>
+          </p:nvPr>
+        </p:nvSpPr>
+        <p:spPr>
+          <a:xfrm>
+            <a:off x="471900" y="433925"/>
+            <a:ext cx="8222100" cy="767700"/>
+          </a:xfrm>
+          <a:prstGeom prst="rect">
+            <a:avLst/>
+          </a:prstGeom>
+        </p:spPr>
+        <p:txBody>
+          <a:bodyPr anchorCtr="0" anchor="ctr" bIns="91425" lIns="91425" spcFirstLastPara="1" rIns="91425" wrap="square" tIns="91425">
+            <a:normAutofit/>
+          </a:bodyPr>
+          <a:lstStyle/>
+          <a:p>
+            <a:pPr indent="0" lvl="0" marL="0" rtl="0" algn="ctr">
+              <a:spcBef>
+                <a:spcPts val="0"/>
+              </a:spcBef>
+              <a:spcAft>
+                <a:spcPts val="0"/>
+              </a:spcAft>
+              <a:buNone/>
+            </a:pPr>
+            <a:r>
+              <a:rPr lang="en" sz="3200"/>
+              <a:t>How to proceed with the problem?</a:t>
+            </a:r>
+            <a:endParaRPr sz="3200"/>
+          </a:p>
+        </p:txBody>
+      </p:sp>
+    </p:spTree>
+  </p:cSld>
+  <p:clrMapOvr>
+    <a:masterClrMapping/>
+  </p:clrMapOvr>
+</p:sld>
+</file>
+
+<file path=ppt/slides/slide6.xml><?xml version="1.0" encoding="utf-8"?>
+<p:sld xmlns:a="http://schemas.openxmlformats.org/drawingml/2006/main" xmlns:r="http://schemas.openxmlformats.org/officeDocument/2006/relationships" xmlns:mc="http://schemas.openxmlformats.org/markup-compatibility/2006" xmlns:mv="urn:schemas-microsoft-com:mac:vml" xmlns:p="http://schemas.openxmlformats.org/presentationml/2006/main" xmlns:c="http://schemas.openxmlformats.org/drawingml/2006/chart" xmlns:dgm="http://schemas.openxmlformats.org/drawingml/2006/diagram" xmlns:o="urn:schemas-microsoft-com:office:office" xmlns:v="urn:schemas-microsoft-com:vml" xmlns:pvml="urn:schemas-microsoft-com:office:powerpoint" xmlns:com="http://schemas.openxmlformats.org/drawingml/2006/compatibility" xmlns:p14="http://schemas.microsoft.com/office/powerpoint/2010/main" xmlns:p15="http://schemas.microsoft.com/office/powerpoint/2012/main" xmlns:ahyp="http://schemas.microsoft.com/office/drawing/2018/hyperlinkcolor">
+  <p:cSld>
+    <p:bg>
+      <p:bgPr>
+        <a:solidFill>
+          <a:srgbClr val="FF0000"/>
+        </a:solidFill>
+      </p:bgPr>
+    </p:bg>
+    <p:spTree>
+      <p:nvGrpSpPr>
+        <p:cNvPr id="99" name="Shape 99"/>
+        <p:cNvGrpSpPr/>
+        <p:nvPr/>
+      </p:nvGrpSpPr>
+      <p:grpSpPr>
+        <a:xfrm>
+          <a:off x="0" y="0"/>
+          <a:ext cx="0" cy="0"/>
+          <a:chOff x="0" y="0"/>
+          <a:chExt cx="0" cy="0"/>
+        </a:xfrm>
+      </p:grpSpPr>
+      <p:sp>
+        <p:nvSpPr>
+          <p:cNvPr id="100" name="Google Shape;100;p18"/>
           <p:cNvSpPr txBox="1"/>
           <p:nvPr>
             <p:ph type="title"/>
@@ -8884,7 +9207,7 @@
       </p:sp>
       <p:sp>
         <p:nvSpPr>
-          <p:cNvPr id="95" name="Google Shape;95;p17"/>
+          <p:cNvPr id="101" name="Google Shape;101;p18"/>
           <p:cNvSpPr txBox="1"/>
           <p:nvPr>
             <p:ph idx="1" type="body"/>
@@ -8936,7 +9259,7 @@
             </a:pPr>
             <a:r>
               <a:rPr lang="en"/>
-              <a:t>User Interface Enhancement</a:t>
+              <a:t>Streamlit Application Setup</a:t>
             </a:r>
             <a:endParaRPr/>
           </a:p>
@@ -8956,7 +9279,7 @@
             </a:pPr>
             <a:r>
               <a:rPr lang="en"/>
-              <a:t>Interactive Dashboard Development</a:t>
+              <a:t>Data Retrieval from YouTube API</a:t>
             </a:r>
             <a:endParaRPr/>
           </a:p>
@@ -8976,7 +9299,7 @@
             </a:pPr>
             <a:r>
               <a:rPr lang="en"/>
-              <a:t>Data Visualization Integration</a:t>
+              <a:t>Multi-channel Data Collection</a:t>
             </a:r>
             <a:endParaRPr/>
           </a:p>
@@ -8996,7 +9319,7 @@
             </a:pPr>
             <a:r>
               <a:rPr lang="en"/>
-              <a:t>Query Optimization</a:t>
+              <a:t>Data Storage Options</a:t>
             </a:r>
             <a:endParaRPr/>
           </a:p>
@@ -9016,7 +9339,7 @@
             </a:pPr>
             <a:r>
               <a:rPr lang="en"/>
-              <a:t>Responsive Design Implementation</a:t>
+              <a:t>Search and Retrieval from SQL DB</a:t>
             </a:r>
             <a:endParaRPr/>
           </a:p>
@@ -9036,7 +9359,7 @@
             </a:pPr>
             <a:r>
               <a:rPr lang="en"/>
-              <a:t>Feature Expansion</a:t>
+              <a:t>User Authentication &amp; Authorization</a:t>
             </a:r>
             <a:endParaRPr/>
           </a:p>
@@ -9056,7 +9379,7 @@
             </a:pPr>
             <a:r>
               <a:rPr lang="en"/>
-              <a:t>Documentation and Support</a:t>
+              <a:t>Testing and Optimization</a:t>
             </a:r>
             <a:endParaRPr/>
           </a:p>
@@ -9076,7 +9399,7 @@
             </a:pPr>
             <a:r>
               <a:rPr lang="en"/>
-              <a:t>Feedback Integration</a:t>
+              <a:t>Documentation and Deployment</a:t>
             </a:r>
             <a:endParaRPr/>
           </a:p>
@@ -9084,14 +9407,14 @@
       </p:sp>
       <p:sp>
         <p:nvSpPr>
-          <p:cNvPr id="96" name="Google Shape;96;p17"/>
+          <p:cNvPr id="102" name="Google Shape;102;p18"/>
           <p:cNvSpPr txBox="1"/>
           <p:nvPr/>
         </p:nvSpPr>
         <p:spPr>
           <a:xfrm>
             <a:off x="3905500" y="125225"/>
-            <a:ext cx="5014500" cy="5033400"/>
+            <a:ext cx="5014500" cy="4839300"/>
           </a:xfrm>
           <a:prstGeom prst="rect">
             <a:avLst/>
@@ -9128,7 +9451,38 @@
                 <a:cs typeface="Roboto"/>
                 <a:sym typeface="Roboto"/>
               </a:rPr>
-              <a:t>Enhance the user interface for intuitive navigation and improved user experience.</a:t>
+              <a:t>Create user interface for data access.</a:t>
+            </a:r>
+            <a:endParaRPr>
+              <a:latin typeface="Roboto"/>
+              <a:ea typeface="Roboto"/>
+              <a:cs typeface="Roboto"/>
+              <a:sym typeface="Roboto"/>
+            </a:endParaRPr>
+          </a:p>
+          <a:p>
+            <a:pPr indent="-317500" lvl="0" marL="457200" rtl="0" algn="l">
+              <a:lnSpc>
+                <a:spcPct val="90000"/>
+              </a:lnSpc>
+              <a:spcBef>
+                <a:spcPts val="0"/>
+              </a:spcBef>
+              <a:spcAft>
+                <a:spcPts val="0"/>
+              </a:spcAft>
+              <a:buSzPts val="1400"/>
+              <a:buFont typeface="Roboto"/>
+              <a:buChar char="●"/>
+            </a:pPr>
+            <a:r>
+              <a:rPr lang="en">
+                <a:latin typeface="Roboto"/>
+                <a:ea typeface="Roboto"/>
+                <a:cs typeface="Roboto"/>
+                <a:sym typeface="Roboto"/>
+              </a:rPr>
+              <a:t>Input fields for YouTube channel IDs.</a:t>
             </a:r>
             <a:endParaRPr>
               <a:latin typeface="Roboto"/>
@@ -9182,7 +9536,38 @@
                 <a:cs typeface="Roboto"/>
                 <a:sym typeface="Roboto"/>
               </a:rPr>
-              <a:t>Develop an interactive dashboard to facilitate dynamic data exploration and analysis.</a:t>
+              <a:t>Fetch channel data using Google API.</a:t>
+            </a:r>
+            <a:endParaRPr>
+              <a:latin typeface="Roboto"/>
+              <a:ea typeface="Roboto"/>
+              <a:cs typeface="Roboto"/>
+              <a:sym typeface="Roboto"/>
+            </a:endParaRPr>
+          </a:p>
+          <a:p>
+            <a:pPr indent="-317500" lvl="0" marL="457200" rtl="0" algn="l">
+              <a:lnSpc>
+                <a:spcPct val="90000"/>
+              </a:lnSpc>
+              <a:spcBef>
+                <a:spcPts val="0"/>
+              </a:spcBef>
+              <a:spcAft>
+                <a:spcPts val="0"/>
+              </a:spcAft>
+              <a:buSzPts val="1400"/>
+              <a:buFont typeface="Roboto"/>
+              <a:buChar char="●"/>
+            </a:pPr>
+            <a:r>
+              <a:rPr lang="en">
+                <a:latin typeface="Roboto"/>
+                <a:ea typeface="Roboto"/>
+                <a:cs typeface="Roboto"/>
+                <a:sym typeface="Roboto"/>
+              </a:rPr>
+              <a:t>Retrieve channel info, video details, likes, dislikes, comments.</a:t>
             </a:r>
             <a:endParaRPr>
               <a:latin typeface="Roboto"/>
@@ -9236,7 +9621,56 @@
                 <a:cs typeface="Roboto"/>
                 <a:sym typeface="Roboto"/>
               </a:rPr>
-              <a:t>Integrate Plotly and Streamlit to create visually engaging and interactive data visualizations.</a:t>
+              <a:t>Allow input of up to 10 channel IDs.</a:t>
+            </a:r>
+            <a:endParaRPr>
+              <a:latin typeface="Roboto"/>
+              <a:ea typeface="Roboto"/>
+              <a:cs typeface="Roboto"/>
+              <a:sym typeface="Roboto"/>
+            </a:endParaRPr>
+          </a:p>
+          <a:p>
+            <a:pPr indent="-317500" lvl="0" marL="457200" rtl="0" algn="l">
+              <a:lnSpc>
+                <a:spcPct val="90000"/>
+              </a:lnSpc>
+              <a:spcBef>
+                <a:spcPts val="0"/>
+              </a:spcBef>
+              <a:spcAft>
+                <a:spcPts val="0"/>
+              </a:spcAft>
+              <a:buSzPts val="1400"/>
+              <a:buFont typeface="Roboto"/>
+              <a:buChar char="●"/>
+            </a:pPr>
+            <a:r>
+              <a:rPr lang="en">
+                <a:latin typeface="Roboto"/>
+                <a:ea typeface="Roboto"/>
+                <a:cs typeface="Roboto"/>
+                <a:sym typeface="Roboto"/>
+              </a:rPr>
+              <a:t>Initiate data collection for </a:t>
+            </a:r>
+            <a:r>
+              <a:rPr lang="en">
+                <a:latin typeface="Roboto"/>
+                <a:ea typeface="Roboto"/>
+                <a:cs typeface="Roboto"/>
+                <a:sym typeface="Roboto"/>
+              </a:rPr>
+              <a:t>specific</a:t>
+            </a:r>
+            <a:r>
+              <a:rPr lang="en">
+                <a:latin typeface="Roboto"/>
+                <a:ea typeface="Roboto"/>
+                <a:cs typeface="Roboto"/>
+                <a:sym typeface="Roboto"/>
+              </a:rPr>
+              <a:t> channels.</a:t>
             </a:r>
             <a:endParaRPr>
               <a:latin typeface="Roboto"/>
@@ -9290,7 +9724,38 @@
                 <a:cs typeface="Roboto"/>
                 <a:sym typeface="Roboto"/>
               </a:rPr>
-              <a:t>Optimize database queries to ensure efficient and speedy data retrieval for a seamless user experience.</a:t>
+              <a:t>Store data in MySQL or PostgreSQL.</a:t>
+            </a:r>
+            <a:endParaRPr>
+              <a:latin typeface="Roboto"/>
+              <a:ea typeface="Roboto"/>
+              <a:cs typeface="Roboto"/>
+              <a:sym typeface="Roboto"/>
+            </a:endParaRPr>
+          </a:p>
+          <a:p>
+            <a:pPr indent="-317500" lvl="0" marL="457200" rtl="0" algn="l">
+              <a:lnSpc>
+                <a:spcPct val="90000"/>
+              </a:lnSpc>
+              <a:spcBef>
+                <a:spcPts val="0"/>
+              </a:spcBef>
+              <a:spcAft>
+                <a:spcPts val="0"/>
+              </a:spcAft>
+              <a:buSzPts val="1400"/>
+              <a:buFont typeface="Roboto"/>
+              <a:buChar char="●"/>
+            </a:pPr>
+            <a:r>
+              <a:rPr lang="en">
+                <a:latin typeface="Roboto"/>
+                <a:ea typeface="Roboto"/>
+                <a:cs typeface="Roboto"/>
+                <a:sym typeface="Roboto"/>
+              </a:rPr>
+              <a:t>Ensure data integrity and security.</a:t>
             </a:r>
             <a:endParaRPr>
               <a:latin typeface="Roboto"/>
@@ -9344,7 +9809,38 @@
                 <a:cs typeface="Roboto"/>
                 <a:sym typeface="Roboto"/>
               </a:rPr>
-              <a:t>Implement a responsive design to ensure compatibility across various devices, offering accessibility to a wider audience.</a:t>
+              <a:t>Implement search functionality within Streamlit.</a:t>
+            </a:r>
+            <a:endParaRPr>
+              <a:latin typeface="Roboto"/>
+              <a:ea typeface="Roboto"/>
+              <a:cs typeface="Roboto"/>
+              <a:sym typeface="Roboto"/>
+            </a:endParaRPr>
+          </a:p>
+          <a:p>
+            <a:pPr indent="-317500" lvl="0" marL="457200" rtl="0" algn="l">
+              <a:lnSpc>
+                <a:spcPct val="90000"/>
+              </a:lnSpc>
+              <a:spcBef>
+                <a:spcPts val="0"/>
+              </a:spcBef>
+              <a:spcAft>
+                <a:spcPts val="0"/>
+              </a:spcAft>
+              <a:buSzPts val="1400"/>
+              <a:buFont typeface="Roboto"/>
+              <a:buChar char="●"/>
+            </a:pPr>
+            <a:r>
+              <a:rPr lang="en">
+                <a:latin typeface="Roboto"/>
+                <a:ea typeface="Roboto"/>
+                <a:cs typeface="Roboto"/>
+                <a:sym typeface="Roboto"/>
+              </a:rPr>
+              <a:t>Query based on various criteria.</a:t>
             </a:r>
             <a:endParaRPr>
               <a:latin typeface="Roboto"/>
@@ -9398,7 +9894,38 @@
                 <a:cs typeface="Roboto"/>
                 <a:sym typeface="Roboto"/>
               </a:rPr>
-              <a:t>Expand the range of features to enable users to delve deeper into data analysis and gain actionable insights.</a:t>
+              <a:t>Authenticate users securely.</a:t>
+            </a:r>
+            <a:endParaRPr>
+              <a:latin typeface="Roboto"/>
+              <a:ea typeface="Roboto"/>
+              <a:cs typeface="Roboto"/>
+              <a:sym typeface="Roboto"/>
+            </a:endParaRPr>
+          </a:p>
+          <a:p>
+            <a:pPr indent="-317500" lvl="0" marL="457200" rtl="0" algn="l">
+              <a:lnSpc>
+                <a:spcPct val="90000"/>
+              </a:lnSpc>
+              <a:spcBef>
+                <a:spcPts val="0"/>
+              </a:spcBef>
+              <a:spcAft>
+                <a:spcPts val="0"/>
+              </a:spcAft>
+              <a:buSzPts val="1400"/>
+              <a:buFont typeface="Roboto"/>
+              <a:buChar char="●"/>
+            </a:pPr>
+            <a:r>
+              <a:rPr lang="en">
+                <a:latin typeface="Roboto"/>
+                <a:ea typeface="Roboto"/>
+                <a:cs typeface="Roboto"/>
+                <a:sym typeface="Roboto"/>
+              </a:rPr>
+              <a:t>Control data access based on roles.</a:t>
             </a:r>
             <a:endParaRPr>
               <a:latin typeface="Roboto"/>
@@ -9452,7 +9979,38 @@
                 <a:cs typeface="Roboto"/>
                 <a:sym typeface="Roboto"/>
               </a:rPr>
-              <a:t>Provide comprehensive documentation and robust user support to assist users in effectively utilizing the tool.</a:t>
+              <a:t>Thorough testing for functionality and usability.</a:t>
+            </a:r>
+            <a:endParaRPr>
+              <a:latin typeface="Roboto"/>
+              <a:ea typeface="Roboto"/>
+              <a:cs typeface="Roboto"/>
+              <a:sym typeface="Roboto"/>
+            </a:endParaRPr>
+          </a:p>
+          <a:p>
+            <a:pPr indent="-317500" lvl="0" marL="457200" rtl="0" algn="l">
+              <a:lnSpc>
+                <a:spcPct val="90000"/>
+              </a:lnSpc>
+              <a:spcBef>
+                <a:spcPts val="0"/>
+              </a:spcBef>
+              <a:spcAft>
+                <a:spcPts val="0"/>
+              </a:spcAft>
+              <a:buSzPts val="1400"/>
+              <a:buFont typeface="Roboto"/>
+              <a:buChar char="●"/>
+            </a:pPr>
+            <a:r>
+              <a:rPr lang="en">
+                <a:latin typeface="Roboto"/>
+                <a:ea typeface="Roboto"/>
+                <a:cs typeface="Roboto"/>
+                <a:sym typeface="Roboto"/>
+              </a:rPr>
+              <a:t>Optimize performance for large datasets.</a:t>
             </a:r>
             <a:endParaRPr>
               <a:latin typeface="Roboto"/>
@@ -9506,7 +10064,38 @@
                 <a:cs typeface="Roboto"/>
                 <a:sym typeface="Roboto"/>
               </a:rPr>
-              <a:t>Incorporate a feedback mechanism to gather user input and continuously improve the tool based on user suggestions and needs.</a:t>
+              <a:t>Prepare comprehensive usage documentation.</a:t>
+            </a:r>
+            <a:endParaRPr>
+              <a:latin typeface="Roboto"/>
+              <a:ea typeface="Roboto"/>
+              <a:cs typeface="Roboto"/>
+              <a:sym typeface="Roboto"/>
+            </a:endParaRPr>
+          </a:p>
+          <a:p>
+            <a:pPr indent="-317500" lvl="0" marL="457200" rtl="0" algn="l">
+              <a:lnSpc>
+                <a:spcPct val="90000"/>
+              </a:lnSpc>
+              <a:spcBef>
+                <a:spcPts val="0"/>
+              </a:spcBef>
+              <a:spcAft>
+                <a:spcPts val="0"/>
+              </a:spcAft>
+              <a:buSzPts val="1400"/>
+              <a:buFont typeface="Roboto"/>
+              <a:buChar char="●"/>
+            </a:pPr>
+            <a:r>
+              <a:rPr lang="en">
+                <a:latin typeface="Roboto"/>
+                <a:ea typeface="Roboto"/>
+                <a:cs typeface="Roboto"/>
+                <a:sym typeface="Roboto"/>
+              </a:rPr>
+              <a:t>Deploy application and databases for accessibility.</a:t>
             </a:r>
             <a:endParaRPr>
               <a:latin typeface="Roboto"/>
@@ -9517,214 +10106,6 @@
           </a:p>
         </p:txBody>
       </p:sp>
-      <p:cxnSp>
-        <p:nvCxnSpPr>
-          <p:cNvPr id="97" name="Google Shape;97;p17"/>
-          <p:cNvCxnSpPr/>
-          <p:nvPr/>
-        </p:nvCxnSpPr>
-        <p:spPr>
-          <a:xfrm flipH="1" rot="10800000">
-            <a:off x="2614325" y="454475"/>
-            <a:ext cx="1497300" cy="1264500"/>
-          </a:xfrm>
-          <a:prstGeom prst="straightConnector1">
-            <a:avLst/>
-          </a:prstGeom>
-          <a:noFill/>
-          <a:ln cap="flat" cmpd="sng" w="19050">
-            <a:solidFill>
-              <a:schemeClr val="dk2"/>
-            </a:solidFill>
-            <a:prstDash val="solid"/>
-            <a:round/>
-            <a:headEnd len="med" w="med" type="none"/>
-            <a:tailEnd len="med" w="med" type="triangle"/>
-          </a:ln>
-        </p:spPr>
-      </p:cxnSp>
-      <p:cxnSp>
-        <p:nvCxnSpPr>
-          <p:cNvPr id="98" name="Google Shape;98;p17"/>
-          <p:cNvCxnSpPr/>
-          <p:nvPr/>
-        </p:nvCxnSpPr>
-        <p:spPr>
-          <a:xfrm flipH="1" rot="10800000">
-            <a:off x="2928000" y="919500"/>
-            <a:ext cx="1237500" cy="1129800"/>
-          </a:xfrm>
-          <a:prstGeom prst="straightConnector1">
-            <a:avLst/>
-          </a:prstGeom>
-          <a:noFill/>
-          <a:ln cap="flat" cmpd="sng" w="19050">
-            <a:solidFill>
-              <a:schemeClr val="dk2"/>
-            </a:solidFill>
-            <a:prstDash val="solid"/>
-            <a:round/>
-            <a:headEnd len="med" w="med" type="none"/>
-            <a:tailEnd len="med" w="med" type="triangle"/>
-          </a:ln>
-        </p:spPr>
-      </p:cxnSp>
-      <p:cxnSp>
-        <p:nvCxnSpPr>
-          <p:cNvPr id="99" name="Google Shape;99;p17"/>
-          <p:cNvCxnSpPr/>
-          <p:nvPr/>
-        </p:nvCxnSpPr>
-        <p:spPr>
-          <a:xfrm flipH="1" rot="10800000">
-            <a:off x="2734350" y="1777875"/>
-            <a:ext cx="1398900" cy="731700"/>
-          </a:xfrm>
-          <a:prstGeom prst="straightConnector1">
-            <a:avLst/>
-          </a:prstGeom>
-          <a:noFill/>
-          <a:ln cap="flat" cmpd="sng" w="19050">
-            <a:solidFill>
-              <a:schemeClr val="dk2"/>
-            </a:solidFill>
-            <a:prstDash val="solid"/>
-            <a:round/>
-            <a:headEnd len="med" w="med" type="none"/>
-            <a:tailEnd len="med" w="med" type="triangle"/>
-          </a:ln>
-        </p:spPr>
-      </p:cxnSp>
-      <p:cxnSp>
-        <p:nvCxnSpPr>
-          <p:cNvPr id="100" name="Google Shape;100;p17"/>
-          <p:cNvCxnSpPr/>
-          <p:nvPr/>
-        </p:nvCxnSpPr>
-        <p:spPr>
-          <a:xfrm flipH="1" rot="10800000">
-            <a:off x="2079225" y="2143925"/>
-            <a:ext cx="1920000" cy="613800"/>
-          </a:xfrm>
-          <a:prstGeom prst="straightConnector1">
-            <a:avLst/>
-          </a:prstGeom>
-          <a:noFill/>
-          <a:ln cap="flat" cmpd="sng" w="19050">
-            <a:solidFill>
-              <a:schemeClr val="dk2"/>
-            </a:solidFill>
-            <a:prstDash val="solid"/>
-            <a:round/>
-            <a:headEnd len="med" w="med" type="none"/>
-            <a:tailEnd len="med" w="med" type="triangle"/>
-          </a:ln>
-        </p:spPr>
-      </p:cxnSp>
-      <p:cxnSp>
-        <p:nvCxnSpPr>
-          <p:cNvPr id="101" name="Google Shape;101;p17"/>
-          <p:cNvCxnSpPr/>
-          <p:nvPr/>
-        </p:nvCxnSpPr>
-        <p:spPr>
-          <a:xfrm flipH="1" rot="10800000">
-            <a:off x="3070725" y="2789225"/>
-            <a:ext cx="1038900" cy="346200"/>
-          </a:xfrm>
-          <a:prstGeom prst="straightConnector1">
-            <a:avLst/>
-          </a:prstGeom>
-          <a:noFill/>
-          <a:ln cap="flat" cmpd="sng" w="19050">
-            <a:solidFill>
-              <a:schemeClr val="dk2"/>
-            </a:solidFill>
-            <a:prstDash val="solid"/>
-            <a:round/>
-            <a:headEnd len="med" w="med" type="none"/>
-            <a:tailEnd len="med" w="med" type="triangle"/>
-          </a:ln>
-        </p:spPr>
-      </p:cxnSp>
-      <p:cxnSp>
-        <p:nvCxnSpPr>
-          <p:cNvPr id="102" name="Google Shape;102;p17"/>
-          <p:cNvCxnSpPr/>
-          <p:nvPr/>
-        </p:nvCxnSpPr>
-        <p:spPr>
-          <a:xfrm flipH="1" rot="10800000">
-            <a:off x="1984775" y="3499650"/>
-            <a:ext cx="2116200" cy="13500"/>
-          </a:xfrm>
-          <a:prstGeom prst="straightConnector1">
-            <a:avLst/>
-          </a:prstGeom>
-          <a:noFill/>
-          <a:ln cap="flat" cmpd="sng" w="19050">
-            <a:solidFill>
-              <a:schemeClr val="dk2"/>
-            </a:solidFill>
-            <a:prstDash val="solid"/>
-            <a:round/>
-            <a:headEnd len="med" w="med" type="none"/>
-            <a:tailEnd len="med" w="med" type="triangle"/>
-          </a:ln>
-        </p:spPr>
-      </p:cxnSp>
-      <p:cxnSp>
-        <p:nvCxnSpPr>
-          <p:cNvPr id="103" name="Google Shape;103;p17"/>
-          <p:cNvCxnSpPr/>
-          <p:nvPr/>
-        </p:nvCxnSpPr>
-        <p:spPr>
-          <a:xfrm>
-            <a:off x="2614325" y="3859400"/>
-            <a:ext cx="1432200" cy="110100"/>
-          </a:xfrm>
-          <a:prstGeom prst="straightConnector1">
-            <a:avLst/>
-          </a:prstGeom>
-          <a:noFill/>
-          <a:ln cap="flat" cmpd="sng" w="19050">
-            <a:solidFill>
-              <a:schemeClr val="dk2"/>
-            </a:solidFill>
-            <a:prstDash val="solid"/>
-            <a:round/>
-            <a:headEnd len="med" w="med" type="none"/>
-            <a:tailEnd len="med" w="med" type="triangle"/>
-          </a:ln>
-        </p:spPr>
-      </p:cxnSp>
-      <p:cxnSp>
-        <p:nvCxnSpPr>
-          <p:cNvPr id="104" name="Google Shape;104;p17"/>
-          <p:cNvCxnSpPr/>
-          <p:nvPr/>
-        </p:nvCxnSpPr>
-        <p:spPr>
-          <a:xfrm>
-            <a:off x="2157900" y="4237125"/>
-            <a:ext cx="1841400" cy="299100"/>
-          </a:xfrm>
-          <a:prstGeom prst="straightConnector1">
-            <a:avLst/>
-          </a:prstGeom>
-          <a:noFill/>
-          <a:ln cap="flat" cmpd="sng" w="19050">
-            <a:solidFill>
-              <a:schemeClr val="dk2"/>
-            </a:solidFill>
-            <a:prstDash val="solid"/>
-            <a:round/>
-            <a:headEnd len="med" w="med" type="none"/>
-            <a:tailEnd len="med" w="med" type="triangle"/>
-          </a:ln>
-        </p:spPr>
-      </p:cxnSp>
     </p:spTree>
   </p:cSld>
   <p:clrMapOvr>
@@ -9733,19 +10114,19 @@
 </p:sld>
 </file>
 
-<file path=ppt/slides/slide6.xml><?xml version="1.0" encoding="utf-8"?>
+<file path=ppt/slides/slide7.xml><?xml version="1.0" encoding="utf-8"?>
 <p:sld xmlns:a="http://schemas.openxmlformats.org/drawingml/2006/main" xmlns:r="http://schemas.openxmlformats.org/officeDocument/2006/relationships" xmlns:mc="http://schemas.openxmlformats.org/markup-compatibility/2006" xmlns:mv="urn:schemas-microsoft-com:mac:vml" xmlns:p="http://schemas.openxmlformats.org/presentationml/2006/main" xmlns:c="http://schemas.openxmlformats.org/drawingml/2006/chart" xmlns:dgm="http://schemas.openxmlformats.org/drawingml/2006/diagram" xmlns:o="urn:schemas-microsoft-com:office:office" xmlns:v="urn:schemas-microsoft-com:vml" xmlns:pvml="urn:schemas-microsoft-com:office:powerpoint" xmlns:com="http://schemas.openxmlformats.org/drawingml/2006/compatibility" xmlns:p14="http://schemas.microsoft.com/office/powerpoint/2010/main" xmlns:p15="http://schemas.microsoft.com/office/powerpoint/2012/main" xmlns:ahyp="http://schemas.microsoft.com/office/drawing/2018/hyperlinkcolor">
   <p:cSld>
     <p:bg>
       <p:bgPr>
         <a:solidFill>
-          <a:srgbClr val="6739B7"/>
+          <a:srgbClr val="FF0000"/>
         </a:solidFill>
       </p:bgPr>
     </p:bg>
     <p:spTree>
       <p:nvGrpSpPr>
-        <p:cNvPr id="108" name="Shape 108"/>
+        <p:cNvPr id="106" name="Shape 106"/>
         <p:cNvGrpSpPr/>
         <p:nvPr/>
       </p:nvGrpSpPr>
@@ -9759,7 +10140,7 @@
       </p:grpSpPr>
       <p:sp>
         <p:nvSpPr>
-          <p:cNvPr id="109" name="Google Shape;109;p18"/>
+          <p:cNvPr id="107" name="Google Shape;107;p19"/>
           <p:cNvSpPr txBox="1"/>
           <p:nvPr>
             <p:ph idx="1" type="body"/>
@@ -9807,7 +10188,7 @@
       </p:sp>
       <p:pic>
         <p:nvPicPr>
-          <p:cNvPr id="110" name="Google Shape;110;p18"/>
+          <p:cNvPr id="108" name="Google Shape;108;p19"/>
           <p:cNvPicPr preferRelativeResize="0"/>
           <p:nvPr/>
         </p:nvPicPr>
@@ -9821,116 +10202,8 @@
         </p:blipFill>
         <p:spPr>
           <a:xfrm>
-            <a:off x="1135288" y="696025"/>
-            <a:ext cx="6873426" cy="4297674"/>
-          </a:xfrm>
-          <a:prstGeom prst="rect">
-            <a:avLst/>
-          </a:prstGeom>
-          <a:noFill/>
-          <a:ln>
-            <a:noFill/>
-          </a:ln>
-        </p:spPr>
-      </p:pic>
-    </p:spTree>
-  </p:cSld>
-  <p:clrMapOvr>
-    <a:masterClrMapping/>
-  </p:clrMapOvr>
-</p:sld>
-</file>
-
-<file path=ppt/slides/slide7.xml><?xml version="1.0" encoding="utf-8"?>
-<p:sld xmlns:a="http://schemas.openxmlformats.org/drawingml/2006/main" xmlns:r="http://schemas.openxmlformats.org/officeDocument/2006/relationships" xmlns:mc="http://schemas.openxmlformats.org/markup-compatibility/2006" xmlns:mv="urn:schemas-microsoft-com:mac:vml" xmlns:p="http://schemas.openxmlformats.org/presentationml/2006/main" xmlns:c="http://schemas.openxmlformats.org/drawingml/2006/chart" xmlns:dgm="http://schemas.openxmlformats.org/drawingml/2006/diagram" xmlns:o="urn:schemas-microsoft-com:office:office" xmlns:v="urn:schemas-microsoft-com:vml" xmlns:pvml="urn:schemas-microsoft-com:office:powerpoint" xmlns:com="http://schemas.openxmlformats.org/drawingml/2006/compatibility" xmlns:p14="http://schemas.microsoft.com/office/powerpoint/2010/main" xmlns:p15="http://schemas.microsoft.com/office/powerpoint/2012/main" xmlns:ahyp="http://schemas.microsoft.com/office/drawing/2018/hyperlinkcolor">
-  <p:cSld>
-    <p:bg>
-      <p:bgPr>
-        <a:solidFill>
-          <a:srgbClr val="6739B7"/>
-        </a:solidFill>
-      </p:bgPr>
-    </p:bg>
-    <p:spTree>
-      <p:nvGrpSpPr>
-        <p:cNvPr id="114" name="Shape 114"/>
-        <p:cNvGrpSpPr/>
-        <p:nvPr/>
-      </p:nvGrpSpPr>
-      <p:grpSpPr>
-        <a:xfrm>
-          <a:off x="0" y="0"/>
-          <a:ext cx="0" cy="0"/>
-          <a:chOff x="0" y="0"/>
-          <a:chExt cx="0" cy="0"/>
-        </a:xfrm>
-      </p:grpSpPr>
-      <p:sp>
-        <p:nvSpPr>
-          <p:cNvPr id="115" name="Google Shape;115;p19"/>
-          <p:cNvSpPr txBox="1"/>
-          <p:nvPr>
-            <p:ph idx="1" type="body"/>
-          </p:nvPr>
-        </p:nvSpPr>
-        <p:spPr>
-          <a:xfrm>
-            <a:off x="314100" y="12800"/>
-            <a:ext cx="8222100" cy="1300800"/>
-          </a:xfrm>
-          <a:prstGeom prst="rect">
-            <a:avLst/>
-          </a:prstGeom>
-        </p:spPr>
-        <p:txBody>
-          <a:bodyPr anchorCtr="0" anchor="t" bIns="91425" lIns="91425" spcFirstLastPara="1" rIns="91425" wrap="square" tIns="91425">
-            <a:normAutofit/>
-          </a:bodyPr>
-          <a:lstStyle/>
-          <a:p>
-            <a:pPr indent="0" lvl="0" marL="0" rtl="0" algn="ctr">
-              <a:spcBef>
-                <a:spcPts val="0"/>
-              </a:spcBef>
-              <a:spcAft>
-                <a:spcPts val="1200"/>
-              </a:spcAft>
-              <a:buNone/>
-            </a:pPr>
-            <a:r>
-              <a:rPr lang="en" sz="3200">
-                <a:solidFill>
-                  <a:schemeClr val="lt1"/>
-                </a:solidFill>
-              </a:rPr>
-              <a:t>Streamlit preview</a:t>
-            </a:r>
-            <a:endParaRPr sz="3200">
-              <a:solidFill>
-                <a:schemeClr val="lt1"/>
-              </a:solidFill>
-            </a:endParaRPr>
-          </a:p>
-        </p:txBody>
-      </p:sp>
-      <p:pic>
-        <p:nvPicPr>
-          <p:cNvPr id="116" name="Google Shape;116;p19"/>
-          <p:cNvPicPr preferRelativeResize="0"/>
-          <p:nvPr/>
-        </p:nvPicPr>
-        <p:blipFill>
-          <a:blip r:embed="rId3">
-            <a:alphaModFix/>
-          </a:blip>
-          <a:stretch>
-            <a:fillRect/>
-          </a:stretch>
-        </p:blipFill>
-        <p:spPr>
-          <a:xfrm>
-            <a:off x="152400" y="1100725"/>
-            <a:ext cx="8839199" cy="3115868"/>
+            <a:off x="887700" y="648800"/>
+            <a:ext cx="7368599" cy="4336050"/>
           </a:xfrm>
           <a:prstGeom prst="rect">
             <a:avLst/>
@@ -9955,13 +10228,13 @@
     <p:bg>
       <p:bgPr>
         <a:solidFill>
-          <a:srgbClr val="6739B7"/>
+          <a:srgbClr val="FF0000"/>
         </a:solidFill>
       </p:bgPr>
     </p:bg>
     <p:spTree>
       <p:nvGrpSpPr>
-        <p:cNvPr id="120" name="Shape 120"/>
+        <p:cNvPr id="112" name="Shape 112"/>
         <p:cNvGrpSpPr/>
         <p:nvPr/>
       </p:nvGrpSpPr>
@@ -9975,7 +10248,115 @@
       </p:grpSpPr>
       <p:sp>
         <p:nvSpPr>
-          <p:cNvPr id="121" name="Google Shape;121;p20"/>
+          <p:cNvPr id="113" name="Google Shape;113;p20"/>
+          <p:cNvSpPr txBox="1"/>
+          <p:nvPr>
+            <p:ph idx="1" type="body"/>
+          </p:nvPr>
+        </p:nvSpPr>
+        <p:spPr>
+          <a:xfrm>
+            <a:off x="314100" y="12800"/>
+            <a:ext cx="8222100" cy="1300800"/>
+          </a:xfrm>
+          <a:prstGeom prst="rect">
+            <a:avLst/>
+          </a:prstGeom>
+        </p:spPr>
+        <p:txBody>
+          <a:bodyPr anchorCtr="0" anchor="t" bIns="91425" lIns="91425" spcFirstLastPara="1" rIns="91425" wrap="square" tIns="91425">
+            <a:normAutofit/>
+          </a:bodyPr>
+          <a:lstStyle/>
+          <a:p>
+            <a:pPr indent="0" lvl="0" marL="0" rtl="0" algn="ctr">
+              <a:spcBef>
+                <a:spcPts val="0"/>
+              </a:spcBef>
+              <a:spcAft>
+                <a:spcPts val="1200"/>
+              </a:spcAft>
+              <a:buNone/>
+            </a:pPr>
+            <a:r>
+              <a:rPr lang="en" sz="3200">
+                <a:solidFill>
+                  <a:schemeClr val="lt1"/>
+                </a:solidFill>
+              </a:rPr>
+              <a:t>Streamlit preview</a:t>
+            </a:r>
+            <a:endParaRPr sz="3200">
+              <a:solidFill>
+                <a:schemeClr val="lt1"/>
+              </a:solidFill>
+            </a:endParaRPr>
+          </a:p>
+        </p:txBody>
+      </p:sp>
+      <p:pic>
+        <p:nvPicPr>
+          <p:cNvPr id="114" name="Google Shape;114;p20"/>
+          <p:cNvPicPr preferRelativeResize="0"/>
+          <p:nvPr/>
+        </p:nvPicPr>
+        <p:blipFill>
+          <a:blip r:embed="rId3">
+            <a:alphaModFix/>
+          </a:blip>
+          <a:stretch>
+            <a:fillRect/>
+          </a:stretch>
+        </p:blipFill>
+        <p:spPr>
+          <a:xfrm>
+            <a:off x="-10750" y="972340"/>
+            <a:ext cx="9143999" cy="3434219"/>
+          </a:xfrm>
+          <a:prstGeom prst="rect">
+            <a:avLst/>
+          </a:prstGeom>
+          <a:noFill/>
+          <a:ln>
+            <a:noFill/>
+          </a:ln>
+        </p:spPr>
+      </p:pic>
+    </p:spTree>
+  </p:cSld>
+  <p:clrMapOvr>
+    <a:masterClrMapping/>
+  </p:clrMapOvr>
+</p:sld>
+</file>
+
+<file path=ppt/slides/slide9.xml><?xml version="1.0" encoding="utf-8"?>
+<p:sld xmlns:a="http://schemas.openxmlformats.org/drawingml/2006/main" xmlns:r="http://schemas.openxmlformats.org/officeDocument/2006/relationships" xmlns:mc="http://schemas.openxmlformats.org/markup-compatibility/2006" xmlns:mv="urn:schemas-microsoft-com:mac:vml" xmlns:p="http://schemas.openxmlformats.org/presentationml/2006/main" xmlns:c="http://schemas.openxmlformats.org/drawingml/2006/chart" xmlns:dgm="http://schemas.openxmlformats.org/drawingml/2006/diagram" xmlns:o="urn:schemas-microsoft-com:office:office" xmlns:v="urn:schemas-microsoft-com:vml" xmlns:pvml="urn:schemas-microsoft-com:office:powerpoint" xmlns:com="http://schemas.openxmlformats.org/drawingml/2006/compatibility" xmlns:p14="http://schemas.microsoft.com/office/powerpoint/2010/main" xmlns:p15="http://schemas.microsoft.com/office/powerpoint/2012/main" xmlns:ahyp="http://schemas.microsoft.com/office/drawing/2018/hyperlinkcolor">
+  <p:cSld>
+    <p:bg>
+      <p:bgPr>
+        <a:solidFill>
+          <a:srgbClr val="FF0000"/>
+        </a:solidFill>
+      </p:bgPr>
+    </p:bg>
+    <p:spTree>
+      <p:nvGrpSpPr>
+        <p:cNvPr id="118" name="Shape 118"/>
+        <p:cNvGrpSpPr/>
+        <p:nvPr/>
+      </p:nvGrpSpPr>
+      <p:grpSpPr>
+        <a:xfrm>
+          <a:off x="0" y="0"/>
+          <a:ext cx="0" cy="0"/>
+          <a:chOff x="0" y="0"/>
+          <a:chExt cx="0" cy="0"/>
+        </a:xfrm>
+      </p:grpSpPr>
+      <p:sp>
+        <p:nvSpPr>
+          <p:cNvPr id="119" name="Google Shape;119;p21"/>
           <p:cNvSpPr txBox="1"/>
           <p:nvPr>
             <p:ph type="title"/>
@@ -10006,14 +10387,14 @@
               <a:buNone/>
             </a:pPr>
             <a:r>
-              <a:rPr b="1" lang="en" sz="3200">
+              <a:rPr lang="en" sz="3200">
                 <a:solidFill>
                   <a:srgbClr val="212121"/>
                 </a:solidFill>
               </a:rPr>
               <a:t>Why do we need this?</a:t>
             </a:r>
-            <a:endParaRPr b="1" sz="3200">
+            <a:endParaRPr sz="3200">
               <a:solidFill>
                 <a:srgbClr val="212121"/>
               </a:solidFill>
@@ -10023,7 +10404,7 @@
       </p:sp>
       <p:sp>
         <p:nvSpPr>
-          <p:cNvPr id="122" name="Google Shape;122;p20"/>
+          <p:cNvPr id="120" name="Google Shape;120;p21"/>
           <p:cNvSpPr txBox="1"/>
           <p:nvPr>
             <p:ph idx="1" type="subTitle"/>
@@ -10055,22 +10436,39 @@
               <a:buNone/>
             </a:pPr>
             <a:r>
-              <a:rPr b="1" lang="en" sz="1400">
+              <a:rPr lang="en" sz="1400">
                 <a:solidFill>
                   <a:srgbClr val="212121"/>
                 </a:solidFill>
               </a:rPr>
-              <a:t>This project is essential to provide users with a comprehensive and user-friendly tool for visualizing and exploring PhonePe Pulse data. With the exponential growth of digital transactions and the increasing complexity of financial data, there is a growing demand for intuitive tools that enable users to understand and analyze data effectively. By developing this project, we aim to empower users to gain actionable insights from PhonePe Pulse data, facilitating informed decision-making and enhancing their overall experience with financial data analysis.</a:t>
+              <a:t>We require this project to develop a streamlined system for accessing, analyzing, and storing data from multiple YouTube channels. By consolidating this data into a centralized platform, we aim to empower decision-makers with comprehensive insights, enabling them to optimize content strategies, understand audience behavior, and drive business growth effectively.</a:t>
             </a:r>
+            <a:endParaRPr sz="1400">
+              <a:solidFill>
+                <a:srgbClr val="212121"/>
+              </a:solidFill>
+            </a:endParaRPr>
+          </a:p>
+          <a:p>
+            <a:pPr indent="0" lvl="0" marL="0" rtl="0" algn="l">
+              <a:spcBef>
+                <a:spcPts val="0"/>
+              </a:spcBef>
+              <a:spcAft>
+                <a:spcPts val="0"/>
+              </a:spcAft>
+              <a:buSzPts val="605"/>
+              <a:buNone/>
+            </a:pPr>
             <a:r>
-              <a:rPr b="1" lang="en" sz="1400">
+              <a:rPr lang="en" sz="1400">
                 <a:solidFill>
                   <a:srgbClr val="212121"/>
                 </a:solidFill>
               </a:rPr>
-              <a:t> </a:t>
+              <a:t>In short, it can be used by a person to understand the reach of their content and increase the reach by understanding what is valued by their audience. </a:t>
             </a:r>
-            <a:endParaRPr b="1" sz="1400">
+            <a:endParaRPr sz="1400">
               <a:solidFill>
                 <a:srgbClr val="212121"/>
               </a:solidFill>
@@ -10080,7 +10478,7 @@
       </p:sp>
       <p:sp>
         <p:nvSpPr>
-          <p:cNvPr id="123" name="Google Shape;123;p20"/>
+          <p:cNvPr id="121" name="Google Shape;121;p21"/>
           <p:cNvSpPr txBox="1"/>
           <p:nvPr/>
         </p:nvSpPr>
@@ -10129,7 +10527,7 @@
       </p:sp>
       <p:sp>
         <p:nvSpPr>
-          <p:cNvPr id="124" name="Google Shape;124;p20"/>
+          <p:cNvPr id="122" name="Google Shape;122;p21"/>
           <p:cNvSpPr txBox="1"/>
           <p:nvPr/>
         </p:nvSpPr>
@@ -10178,7 +10576,7 @@
       </p:sp>
       <p:sp>
         <p:nvSpPr>
-          <p:cNvPr id="125" name="Google Shape;125;p20"/>
+          <p:cNvPr id="123" name="Google Shape;123;p21"/>
           <p:cNvSpPr txBox="1"/>
           <p:nvPr>
             <p:ph type="title"/>
@@ -10209,14 +10607,14 @@
               <a:buNone/>
             </a:pPr>
             <a:r>
-              <a:rPr b="1" lang="en" sz="3200">
+              <a:rPr lang="en" sz="3200">
                 <a:solidFill>
                   <a:srgbClr val="212121"/>
                 </a:solidFill>
               </a:rPr>
               <a:t>Future trends of this project</a:t>
             </a:r>
-            <a:endParaRPr b="1" sz="3200">
+            <a:endParaRPr sz="3200">
               <a:solidFill>
                 <a:srgbClr val="212121"/>
               </a:solidFill>
@@ -10226,7 +10624,7 @@
       </p:sp>
       <p:sp>
         <p:nvSpPr>
-          <p:cNvPr id="126" name="Google Shape;126;p20"/>
+          <p:cNvPr id="124" name="Google Shape;124;p21"/>
           <p:cNvSpPr txBox="1"/>
           <p:nvPr>
             <p:ph idx="1" type="subTitle"/>
@@ -10258,176 +10656,16 @@
               <a:buNone/>
             </a:pPr>
             <a:r>
-              <a:rPr b="1" lang="en" sz="1400">
+              <a:rPr lang="en" sz="1400">
                 <a:solidFill>
                   <a:srgbClr val="212121"/>
                 </a:solidFill>
               </a:rPr>
-              <a:t>In the future, this project will advance with more sophisticated visualization tools, predictive analytics, and mobile integration for on-the-go access. Real-time data streaming and machine learning algorithms will enable up-to-the-minute analysis and trend identification. Cross-platform compatibility, customization options, and robust security measures will ensure continued user satisfaction. The project will expand its scope to include emerging fintech trends, such as blockchain integration and AI-powered financial services, positioning itself as a leading tool for comprehensive financial data exploration and analysis.</a:t>
+              <a:t>In the future, this project will likely integrate AI for automated analysis and real-time insights, enhancing personalization and cross-platform data integration. Innovations in blockchain, augmented reality, and natural language processing will ensure data security, transparency, and user engagement. Ethical considerations will drive stricter privacy measures. Continuous innovation aims to provide invaluable insights and opportunities for content creators and decision-makers, adapting to the evolving digital landscape while meeting user demands for efficiency, privacy, and personalized experiences.</a:t>
             </a:r>
-            <a:endParaRPr b="1" sz="1400">
+            <a:endParaRPr sz="1400">
               <a:solidFill>
                 <a:srgbClr val="212121"/>
-              </a:solidFill>
-            </a:endParaRPr>
-          </a:p>
-        </p:txBody>
-      </p:sp>
-    </p:spTree>
-  </p:cSld>
-  <p:clrMapOvr>
-    <a:masterClrMapping/>
-  </p:clrMapOvr>
-</p:sld>
-</file>
-
-<file path=ppt/slides/slide9.xml><?xml version="1.0" encoding="utf-8"?>
-<p:sld xmlns:a="http://schemas.openxmlformats.org/drawingml/2006/main" xmlns:r="http://schemas.openxmlformats.org/officeDocument/2006/relationships" xmlns:mc="http://schemas.openxmlformats.org/markup-compatibility/2006" xmlns:mv="urn:schemas-microsoft-com:mac:vml" xmlns:p="http://schemas.openxmlformats.org/presentationml/2006/main" xmlns:c="http://schemas.openxmlformats.org/drawingml/2006/chart" xmlns:dgm="http://schemas.openxmlformats.org/drawingml/2006/diagram" xmlns:o="urn:schemas-microsoft-com:office:office" xmlns:v="urn:schemas-microsoft-com:vml" xmlns:pvml="urn:schemas-microsoft-com:office:powerpoint" xmlns:com="http://schemas.openxmlformats.org/drawingml/2006/compatibility" xmlns:p14="http://schemas.microsoft.com/office/powerpoint/2010/main" xmlns:p15="http://schemas.microsoft.com/office/powerpoint/2012/main" xmlns:ahyp="http://schemas.microsoft.com/office/drawing/2018/hyperlinkcolor">
-  <p:cSld>
-    <p:bg>
-      <p:bgPr>
-        <a:solidFill>
-          <a:srgbClr val="6739B7"/>
-        </a:solidFill>
-      </p:bgPr>
-    </p:bg>
-    <p:spTree>
-      <p:nvGrpSpPr>
-        <p:cNvPr id="130" name="Shape 130"/>
-        <p:cNvGrpSpPr/>
-        <p:nvPr/>
-      </p:nvGrpSpPr>
-      <p:grpSpPr>
-        <a:xfrm>
-          <a:off x="0" y="0"/>
-          <a:ext cx="0" cy="0"/>
-          <a:chOff x="0" y="0"/>
-          <a:chExt cx="0" cy="0"/>
-        </a:xfrm>
-      </p:grpSpPr>
-      <p:sp>
-        <p:nvSpPr>
-          <p:cNvPr id="131" name="Google Shape;131;p21"/>
-          <p:cNvSpPr txBox="1"/>
-          <p:nvPr>
-            <p:ph type="title"/>
-          </p:nvPr>
-        </p:nvSpPr>
-        <p:spPr>
-          <a:xfrm>
-            <a:off x="311700" y="1249225"/>
-            <a:ext cx="8520600" cy="1890600"/>
-          </a:xfrm>
-          <a:prstGeom prst="rect">
-            <a:avLst/>
-          </a:prstGeom>
-        </p:spPr>
-        <p:txBody>
-          <a:bodyPr anchorCtr="0" anchor="b" bIns="91425" lIns="91425" spcFirstLastPara="1" rIns="91425" wrap="square" tIns="91425">
-            <a:normAutofit fontScale="90000"/>
-          </a:bodyPr>
-          <a:lstStyle/>
-          <a:p>
-            <a:pPr indent="0" lvl="0" marL="0" rtl="0" algn="ctr">
-              <a:spcBef>
-                <a:spcPts val="0"/>
-              </a:spcBef>
-              <a:spcAft>
-                <a:spcPts val="0"/>
-              </a:spcAft>
-              <a:buNone/>
-            </a:pPr>
-            <a:r>
-              <a:rPr lang="en">
-                <a:solidFill>
-                  <a:schemeClr val="lt1"/>
-                </a:solidFill>
-              </a:rPr>
-              <a:t>3</a:t>
-            </a:r>
-            <a:r>
-              <a:rPr lang="en">
-                <a:solidFill>
-                  <a:schemeClr val="lt1"/>
-                </a:solidFill>
-              </a:rPr>
-              <a:t>0-50</a:t>
-            </a:r>
-            <a:r>
-              <a:rPr lang="en">
-                <a:solidFill>
-                  <a:schemeClr val="lt1"/>
-                </a:solidFill>
-              </a:rPr>
-              <a:t>%</a:t>
-            </a:r>
-            <a:endParaRPr>
-              <a:solidFill>
-                <a:schemeClr val="lt1"/>
-              </a:solidFill>
-            </a:endParaRPr>
-          </a:p>
-        </p:txBody>
-      </p:sp>
-      <p:sp>
-        <p:nvSpPr>
-          <p:cNvPr id="132" name="Google Shape;132;p21"/>
-          <p:cNvSpPr txBox="1"/>
-          <p:nvPr>
-            <p:ph idx="1" type="body"/>
-          </p:nvPr>
-        </p:nvSpPr>
-        <p:spPr>
-          <a:xfrm>
-            <a:off x="475500" y="3304625"/>
-            <a:ext cx="8222100" cy="1300800"/>
-          </a:xfrm>
-          <a:prstGeom prst="rect">
-            <a:avLst/>
-          </a:prstGeom>
-        </p:spPr>
-        <p:txBody>
-          <a:bodyPr anchorCtr="0" anchor="t" bIns="91425" lIns="91425" spcFirstLastPara="1" rIns="91425" wrap="square" tIns="91425">
-            <a:normAutofit/>
-          </a:bodyPr>
-          <a:lstStyle/>
-          <a:p>
-            <a:pPr indent="0" lvl="0" marL="0" rtl="0" algn="ctr">
-              <a:spcBef>
-                <a:spcPts val="0"/>
-              </a:spcBef>
-              <a:spcAft>
-                <a:spcPts val="1200"/>
-              </a:spcAft>
-              <a:buNone/>
-            </a:pPr>
-            <a:r>
-              <a:rPr b="1" lang="en">
-                <a:solidFill>
-                  <a:srgbClr val="000000"/>
-                </a:solidFill>
-              </a:rPr>
-              <a:t>This is by how much </a:t>
-            </a:r>
-            <a:r>
-              <a:rPr b="1" lang="en">
-                <a:solidFill>
-                  <a:srgbClr val="000000"/>
-                </a:solidFill>
-              </a:rPr>
-              <a:t>potentially enhance a fintech app's overall value proposition</a:t>
-            </a:r>
-            <a:r>
-              <a:rPr b="1" lang="en">
-                <a:solidFill>
-                  <a:srgbClr val="000000"/>
-                </a:solidFill>
-              </a:rPr>
-              <a:t>.</a:t>
-            </a:r>
-            <a:endParaRPr b="1">
-              <a:solidFill>
-                <a:srgbClr val="000000"/>
               </a:solidFill>
             </a:endParaRPr>
           </a:p>

--- a/project-overview.pptx
+++ b/project-overview.pptx
@@ -19,17 +19,16 @@
     <p:sldId id="264" r:id="rId14"/>
     <p:sldId id="265" r:id="rId15"/>
     <p:sldId id="266" r:id="rId16"/>
-    <p:sldId id="267" r:id="rId17"/>
   </p:sldIdLst>
   <p:sldSz cy="5143500" cx="9144000"/>
   <p:notesSz cx="6858000" cy="9144000"/>
   <p:embeddedFontLst>
     <p:embeddedFont>
       <p:font typeface="Roboto"/>
-      <p:regular r:id="rId18"/>
-      <p:bold r:id="rId19"/>
-      <p:italic r:id="rId20"/>
-      <p:boldItalic r:id="rId21"/>
+      <p:regular r:id="rId17"/>
+      <p:bold r:id="rId18"/>
+      <p:italic r:id="rId19"/>
+      <p:boldItalic r:id="rId20"/>
     </p:embeddedFont>
   </p:embeddedFontLst>
   <p:defaultTextStyle>
@@ -824,7 +823,7 @@
       </p:grpSpPr>
       <p:sp>
         <p:nvSpPr>
-          <p:cNvPr id="126" name="Google Shape;126;g26e6dacca91_1_30:notes"/>
+          <p:cNvPr id="126" name="Google Shape;126;gc6f73a04f_0_42:notes"/>
           <p:cNvSpPr/>
           <p:nvPr>
             <p:ph idx="2" type="sldImg"/>
@@ -859,7 +858,7 @@
       </p:sp>
       <p:sp>
         <p:nvSpPr>
-          <p:cNvPr id="127" name="Google Shape;127;g26e6dacca91_1_30:notes"/>
+          <p:cNvPr id="127" name="Google Shape;127;gc6f73a04f_0_42:notes"/>
           <p:cNvSpPr txBox="1"/>
           <p:nvPr>
             <p:ph idx="1" type="body"/>
@@ -923,7 +922,7 @@
       </p:grpSpPr>
       <p:sp>
         <p:nvSpPr>
-          <p:cNvPr id="132" name="Google Shape;132;gc6f73a04f_0_42:notes"/>
+          <p:cNvPr id="132" name="Google Shape;132;gc6f73a04f_0_46:notes"/>
           <p:cNvSpPr/>
           <p:nvPr>
             <p:ph idx="2" type="sldImg"/>
@@ -958,106 +957,7 @@
       </p:sp>
       <p:sp>
         <p:nvSpPr>
-          <p:cNvPr id="133" name="Google Shape;133;gc6f73a04f_0_42:notes"/>
-          <p:cNvSpPr txBox="1"/>
-          <p:nvPr>
-            <p:ph idx="1" type="body"/>
-          </p:nvPr>
-        </p:nvSpPr>
-        <p:spPr>
-          <a:xfrm>
-            <a:off x="685800" y="4343400"/>
-            <a:ext cx="5486400" cy="4114800"/>
-          </a:xfrm>
-          <a:prstGeom prst="rect">
-            <a:avLst/>
-          </a:prstGeom>
-        </p:spPr>
-        <p:txBody>
-          <a:bodyPr anchorCtr="0" anchor="t" bIns="91425" lIns="91425" spcFirstLastPara="1" rIns="91425" wrap="square" tIns="91425">
-            <a:noAutofit/>
-          </a:bodyPr>
-          <a:lstStyle/>
-          <a:p>
-            <a:pPr indent="0" lvl="0" marL="0" rtl="0" algn="l">
-              <a:spcBef>
-                <a:spcPts val="0"/>
-              </a:spcBef>
-              <a:spcAft>
-                <a:spcPts val="0"/>
-              </a:spcAft>
-              <a:buNone/>
-            </a:pPr>
-            <a:r>
-              <a:t/>
-            </a:r>
-            <a:endParaRPr/>
-          </a:p>
-        </p:txBody>
-      </p:sp>
-    </p:spTree>
-  </p:cSld>
-  <p:clrMapOvr>
-    <a:masterClrMapping/>
-  </p:clrMapOvr>
-</p:notes>
-</file>
-
-<file path=ppt/notesSlides/notesSlide12.xml><?xml version="1.0" encoding="utf-8"?>
-<p:notes xmlns:a="http://schemas.openxmlformats.org/drawingml/2006/main" xmlns:r="http://schemas.openxmlformats.org/officeDocument/2006/relationships" xmlns:mc="http://schemas.openxmlformats.org/markup-compatibility/2006" xmlns:mv="urn:schemas-microsoft-com:mac:vml" xmlns:p="http://schemas.openxmlformats.org/presentationml/2006/main" xmlns:c="http://schemas.openxmlformats.org/drawingml/2006/chart" xmlns:dgm="http://schemas.openxmlformats.org/drawingml/2006/diagram" xmlns:o="urn:schemas-microsoft-com:office:office" xmlns:v="urn:schemas-microsoft-com:vml" xmlns:pvml="urn:schemas-microsoft-com:office:powerpoint" xmlns:com="http://schemas.openxmlformats.org/drawingml/2006/compatibility" xmlns:p14="http://schemas.microsoft.com/office/powerpoint/2010/main" xmlns:p15="http://schemas.microsoft.com/office/powerpoint/2012/main" xmlns:ahyp="http://schemas.microsoft.com/office/drawing/2018/hyperlinkcolor" showMasterPhAnim="0" showMasterSp="0">
-  <p:cSld>
-    <p:spTree>
-      <p:nvGrpSpPr>
-        <p:cNvPr id="137" name="Shape 137"/>
-        <p:cNvGrpSpPr/>
-        <p:nvPr/>
-      </p:nvGrpSpPr>
-      <p:grpSpPr>
-        <a:xfrm>
-          <a:off x="0" y="0"/>
-          <a:ext cx="0" cy="0"/>
-          <a:chOff x="0" y="0"/>
-          <a:chExt cx="0" cy="0"/>
-        </a:xfrm>
-      </p:grpSpPr>
-      <p:sp>
-        <p:nvSpPr>
-          <p:cNvPr id="138" name="Google Shape;138;gc6f73a04f_0_46:notes"/>
-          <p:cNvSpPr/>
-          <p:nvPr>
-            <p:ph idx="2" type="sldImg"/>
-          </p:nvPr>
-        </p:nvSpPr>
-        <p:spPr>
-          <a:xfrm>
-            <a:off x="381188" y="685800"/>
-            <a:ext cx="6096300" cy="3429000"/>
-          </a:xfrm>
-          <a:custGeom>
-            <a:rect b="b" l="l" r="r" t="t"/>
-            <a:pathLst>
-              <a:path extrusionOk="0" h="120000" w="120000">
-                <a:moveTo>
-                  <a:pt x="0" y="0"/>
-                </a:moveTo>
-                <a:lnTo>
-                  <a:pt x="120000" y="0"/>
-                </a:lnTo>
-                <a:lnTo>
-                  <a:pt x="120000" y="120000"/>
-                </a:lnTo>
-                <a:lnTo>
-                  <a:pt x="0" y="120000"/>
-                </a:lnTo>
-                <a:close/>
-              </a:path>
-            </a:pathLst>
-          </a:custGeom>
-        </p:spPr>
-      </p:sp>
-      <p:sp>
-        <p:nvSpPr>
-          <p:cNvPr id="139" name="Google Shape;139;gc6f73a04f_0_46:notes"/>
+          <p:cNvPr id="133" name="Google Shape;133;gc6f73a04f_0_46:notes"/>
           <p:cNvSpPr txBox="1"/>
           <p:nvPr>
             <p:ph idx="1" type="body"/>
@@ -1418,7 +1318,7 @@
       </p:grpSpPr>
       <p:sp>
         <p:nvSpPr>
-          <p:cNvPr id="91" name="Google Shape;91;g26e6dacca91_0_5:notes"/>
+          <p:cNvPr id="91" name="Google Shape;91;gc6f73a04f_0_20:notes"/>
           <p:cNvSpPr/>
           <p:nvPr>
             <p:ph idx="2" type="sldImg"/>
@@ -1453,7 +1353,7 @@
       </p:sp>
       <p:sp>
         <p:nvSpPr>
-          <p:cNvPr id="92" name="Google Shape;92;g26e6dacca91_0_5:notes"/>
+          <p:cNvPr id="92" name="Google Shape;92;gc6f73a04f_0_20:notes"/>
           <p:cNvSpPr txBox="1"/>
           <p:nvPr>
             <p:ph idx="1" type="body"/>
@@ -1503,7 +1403,7 @@
   <p:cSld>
     <p:spTree>
       <p:nvGrpSpPr>
-        <p:cNvPr id="96" name="Shape 96"/>
+        <p:cNvPr id="97" name="Shape 97"/>
         <p:cNvGrpSpPr/>
         <p:nvPr/>
       </p:nvGrpSpPr>
@@ -1517,7 +1417,7 @@
       </p:grpSpPr>
       <p:sp>
         <p:nvSpPr>
-          <p:cNvPr id="97" name="Google Shape;97;gc6f73a04f_0_20:notes"/>
+          <p:cNvPr id="98" name="Google Shape;98;gc6f73a04f_0_25:notes"/>
           <p:cNvSpPr/>
           <p:nvPr>
             <p:ph idx="2" type="sldImg"/>
@@ -1552,7 +1452,7 @@
       </p:sp>
       <p:sp>
         <p:nvSpPr>
-          <p:cNvPr id="98" name="Google Shape;98;gc6f73a04f_0_20:notes"/>
+          <p:cNvPr id="99" name="Google Shape;99;gc6f73a04f_0_25:notes"/>
           <p:cNvSpPr txBox="1"/>
           <p:nvPr>
             <p:ph idx="1" type="body"/>
@@ -1616,7 +1516,7 @@
       </p:grpSpPr>
       <p:sp>
         <p:nvSpPr>
-          <p:cNvPr id="104" name="Google Shape;104;gc6f73a04f_0_25:notes"/>
+          <p:cNvPr id="104" name="Google Shape;104;g26e6dacca91_1_23:notes"/>
           <p:cNvSpPr/>
           <p:nvPr>
             <p:ph idx="2" type="sldImg"/>
@@ -1651,7 +1551,7 @@
       </p:sp>
       <p:sp>
         <p:nvSpPr>
-          <p:cNvPr id="105" name="Google Shape;105;gc6f73a04f_0_25:notes"/>
+          <p:cNvPr id="105" name="Google Shape;105;g26e6dacca91_1_23:notes"/>
           <p:cNvSpPr txBox="1"/>
           <p:nvPr>
             <p:ph idx="1" type="body"/>
@@ -1715,7 +1615,7 @@
       </p:grpSpPr>
       <p:sp>
         <p:nvSpPr>
-          <p:cNvPr id="110" name="Google Shape;110;g26e6dacca91_1_23:notes"/>
+          <p:cNvPr id="110" name="Google Shape;110;gc6f73a04f_0_30:notes"/>
           <p:cNvSpPr/>
           <p:nvPr>
             <p:ph idx="2" type="sldImg"/>
@@ -1750,7 +1650,7 @@
       </p:sp>
       <p:sp>
         <p:nvSpPr>
-          <p:cNvPr id="111" name="Google Shape;111;g26e6dacca91_1_23:notes"/>
+          <p:cNvPr id="111" name="Google Shape;111;gc6f73a04f_0_30:notes"/>
           <p:cNvSpPr txBox="1"/>
           <p:nvPr>
             <p:ph idx="1" type="body"/>
@@ -1800,7 +1700,7 @@
   <p:cSld>
     <p:spTree>
       <p:nvGrpSpPr>
-        <p:cNvPr id="115" name="Shape 115"/>
+        <p:cNvPr id="119" name="Shape 119"/>
         <p:cNvGrpSpPr/>
         <p:nvPr/>
       </p:nvGrpSpPr>
@@ -1814,7 +1714,7 @@
       </p:grpSpPr>
       <p:sp>
         <p:nvSpPr>
-          <p:cNvPr id="116" name="Google Shape;116;gc6f73a04f_0_30:notes"/>
+          <p:cNvPr id="120" name="Google Shape;120;g26e6dacca91_1_30:notes"/>
           <p:cNvSpPr/>
           <p:nvPr>
             <p:ph idx="2" type="sldImg"/>
@@ -1849,7 +1749,7 @@
       </p:sp>
       <p:sp>
         <p:nvSpPr>
-          <p:cNvPr id="117" name="Google Shape;117;gc6f73a04f_0_30:notes"/>
+          <p:cNvPr id="121" name="Google Shape;121;g26e6dacca91_1_30:notes"/>
           <p:cNvSpPr txBox="1"/>
           <p:nvPr>
             <p:ph idx="1" type="body"/>
@@ -7802,7 +7702,7 @@
     <p:bg>
       <p:bgPr>
         <a:solidFill>
-          <a:srgbClr val="FF0000"/>
+          <a:srgbClr val="6739B7"/>
         </a:solidFill>
       </p:bgPr>
     </p:bg>
@@ -7854,7 +7754,23 @@
             </a:pPr>
             <a:r>
               <a:rPr lang="en"/>
-              <a:t>YouTube Data Harvesting and Warehousing using SQL and Streamlit</a:t>
+              <a:t>Phonepe Pulse Data Visualization and Exploration:</a:t>
+            </a:r>
+            <a:endParaRPr/>
+          </a:p>
+          <a:p>
+            <a:pPr indent="0" lvl="0" marL="0" rtl="0" algn="ctr">
+              <a:spcBef>
+                <a:spcPts val="0"/>
+              </a:spcBef>
+              <a:spcAft>
+                <a:spcPts val="0"/>
+              </a:spcAft>
+              <a:buNone/>
+            </a:pPr>
+            <a:r>
+              <a:rPr lang="en"/>
+              <a:t>A User-Friendly Tool Using Streamlit and Plotly</a:t>
             </a:r>
             <a:endParaRPr/>
           </a:p>
@@ -7941,7 +7857,7 @@
     <p:bg>
       <p:bgPr>
         <a:solidFill>
-          <a:srgbClr val="FF0000"/>
+          <a:srgbClr val="6739B7"/>
         </a:solidFill>
       </p:bgPr>
     </p:bg>
@@ -7969,15 +7885,15 @@
         </p:nvSpPr>
         <p:spPr>
           <a:xfrm>
-            <a:off x="311700" y="1249225"/>
-            <a:ext cx="8520600" cy="1890600"/>
+            <a:off x="490250" y="488250"/>
+            <a:ext cx="8162400" cy="4090800"/>
           </a:xfrm>
           <a:prstGeom prst="rect">
             <a:avLst/>
           </a:prstGeom>
         </p:spPr>
         <p:txBody>
-          <a:bodyPr anchorCtr="0" anchor="b" bIns="91425" lIns="91425" spcFirstLastPara="1" rIns="91425" wrap="square" tIns="91425">
+          <a:bodyPr anchorCtr="0" anchor="ctr" bIns="91425" lIns="91425" spcFirstLastPara="1" rIns="91425" wrap="square" tIns="91425">
             <a:normAutofit fontScale="90000"/>
           </a:bodyPr>
           <a:lstStyle/>
@@ -7992,26 +7908,10 @@
               <a:buNone/>
             </a:pPr>
             <a:r>
-              <a:rPr lang="en">
-                <a:solidFill>
-                  <a:schemeClr val="lt1"/>
-                </a:solidFill>
-              </a:rPr>
-              <a:t>50-70</a:t>
+              <a:rPr lang="en" sz="4800"/>
+              <a:t>Unlocking actionable insights from financial data can drive strategic decision-making and enhance user engagement in fintech apps.</a:t>
             </a:r>
-            <a:r>
-              <a:rPr lang="en">
-                <a:solidFill>
-                  <a:schemeClr val="lt1"/>
-                </a:solidFill>
-              </a:rPr>
-              <a:t>%</a:t>
-            </a:r>
-            <a:endParaRPr>
-              <a:solidFill>
-                <a:schemeClr val="lt1"/>
-              </a:solidFill>
-            </a:endParaRPr>
+            <a:endParaRPr sz="4800"/>
           </a:p>
         </p:txBody>
       </p:sp>
@@ -8019,22 +7919,24 @@
         <p:nvSpPr>
           <p:cNvPr id="130" name="Google Shape;130;p22"/>
           <p:cNvSpPr txBox="1"/>
-          <p:nvPr>
-            <p:ph idx="1" type="body"/>
-          </p:nvPr>
+          <p:nvPr/>
         </p:nvSpPr>
         <p:spPr>
           <a:xfrm>
-            <a:off x="475500" y="3304625"/>
-            <a:ext cx="8222100" cy="1300800"/>
+            <a:off x="33050" y="381000"/>
+            <a:ext cx="9111000" cy="461700"/>
           </a:xfrm>
           <a:prstGeom prst="rect">
             <a:avLst/>
           </a:prstGeom>
+          <a:noFill/>
+          <a:ln>
+            <a:noFill/>
+          </a:ln>
         </p:spPr>
         <p:txBody>
           <a:bodyPr anchorCtr="0" anchor="t" bIns="91425" lIns="91425" spcFirstLastPara="1" rIns="91425" wrap="square" tIns="91425">
-            <a:normAutofit/>
+            <a:spAutoFit/>
           </a:bodyPr>
           <a:lstStyle/>
           <a:p>
@@ -8043,38 +7945,30 @@
                 <a:spcPts val="0"/>
               </a:spcBef>
               <a:spcAft>
-                <a:spcPts val="1200"/>
+                <a:spcPts val="0"/>
               </a:spcAft>
               <a:buNone/>
             </a:pPr>
             <a:r>
-              <a:rPr lang="en">
-                <a:solidFill>
-                  <a:schemeClr val="accent5"/>
-                </a:solidFill>
+              <a:rPr lang="en" sz="1800">
+                <a:solidFill>
+                  <a:srgbClr val="212121"/>
+                </a:solidFill>
+                <a:latin typeface="Roboto"/>
+                <a:ea typeface="Roboto"/>
+                <a:cs typeface="Roboto"/>
+                <a:sym typeface="Roboto"/>
               </a:rPr>
-              <a:t>This is by how much a person can increase </a:t>
+              <a:t>Key takeaway</a:t>
             </a:r>
-            <a:r>
-              <a:rPr lang="en">
-                <a:solidFill>
-                  <a:schemeClr val="accent5"/>
-                </a:solidFill>
-              </a:rPr>
-              <a:t>their</a:t>
-            </a:r>
-            <a:r>
-              <a:rPr lang="en">
-                <a:solidFill>
-                  <a:schemeClr val="accent5"/>
-                </a:solidFill>
-              </a:rPr>
-              <a:t> reach by using this app.</a:t>
-            </a:r>
-            <a:endParaRPr>
+            <a:endParaRPr sz="1800">
               <a:solidFill>
-                <a:schemeClr val="accent5"/>
+                <a:srgbClr val="212121"/>
               </a:solidFill>
+              <a:latin typeface="Roboto"/>
+              <a:ea typeface="Roboto"/>
+              <a:cs typeface="Roboto"/>
+              <a:sym typeface="Roboto"/>
             </a:endParaRPr>
           </a:p>
         </p:txBody>
@@ -8093,7 +7987,7 @@
     <p:bg>
       <p:bgPr>
         <a:solidFill>
-          <a:srgbClr val="FF0000"/>
+          <a:srgbClr val="6739B7"/>
         </a:solidFill>
       </p:bgPr>
     </p:bg>
@@ -8121,136 +8015,6 @@
         </p:nvSpPr>
         <p:spPr>
           <a:xfrm>
-            <a:off x="490250" y="488250"/>
-            <a:ext cx="8162400" cy="4090800"/>
-          </a:xfrm>
-          <a:prstGeom prst="rect">
-            <a:avLst/>
-          </a:prstGeom>
-        </p:spPr>
-        <p:txBody>
-          <a:bodyPr anchorCtr="0" anchor="ctr" bIns="91425" lIns="91425" spcFirstLastPara="1" rIns="91425" wrap="square" tIns="91425">
-            <a:normAutofit fontScale="90000"/>
-          </a:bodyPr>
-          <a:lstStyle/>
-          <a:p>
-            <a:pPr indent="0" lvl="0" marL="0" rtl="0" algn="ctr">
-              <a:spcBef>
-                <a:spcPts val="0"/>
-              </a:spcBef>
-              <a:spcAft>
-                <a:spcPts val="0"/>
-              </a:spcAft>
-              <a:buNone/>
-            </a:pPr>
-            <a:r>
-              <a:rPr lang="en" sz="4800"/>
-              <a:t>Data-driven insights from YouTube channels drive content optimization and business growth in a rapidly evolving digital landscape.</a:t>
-            </a:r>
-            <a:endParaRPr sz="4800"/>
-          </a:p>
-        </p:txBody>
-      </p:sp>
-      <p:sp>
-        <p:nvSpPr>
-          <p:cNvPr id="136" name="Google Shape;136;p23"/>
-          <p:cNvSpPr txBox="1"/>
-          <p:nvPr/>
-        </p:nvSpPr>
-        <p:spPr>
-          <a:xfrm>
-            <a:off x="33050" y="381000"/>
-            <a:ext cx="9111000" cy="461700"/>
-          </a:xfrm>
-          <a:prstGeom prst="rect">
-            <a:avLst/>
-          </a:prstGeom>
-          <a:noFill/>
-          <a:ln>
-            <a:noFill/>
-          </a:ln>
-        </p:spPr>
-        <p:txBody>
-          <a:bodyPr anchorCtr="0" anchor="t" bIns="91425" lIns="91425" spcFirstLastPara="1" rIns="91425" wrap="square" tIns="91425">
-            <a:spAutoFit/>
-          </a:bodyPr>
-          <a:lstStyle/>
-          <a:p>
-            <a:pPr indent="0" lvl="0" marL="0" rtl="0" algn="ctr">
-              <a:spcBef>
-                <a:spcPts val="0"/>
-              </a:spcBef>
-              <a:spcAft>
-                <a:spcPts val="0"/>
-              </a:spcAft>
-              <a:buNone/>
-            </a:pPr>
-            <a:r>
-              <a:rPr lang="en" sz="1800">
-                <a:solidFill>
-                  <a:srgbClr val="212121"/>
-                </a:solidFill>
-                <a:latin typeface="Roboto"/>
-                <a:ea typeface="Roboto"/>
-                <a:cs typeface="Roboto"/>
-                <a:sym typeface="Roboto"/>
-              </a:rPr>
-              <a:t>Key takeaway</a:t>
-            </a:r>
-            <a:endParaRPr sz="1800">
-              <a:solidFill>
-                <a:srgbClr val="212121"/>
-              </a:solidFill>
-              <a:latin typeface="Roboto"/>
-              <a:ea typeface="Roboto"/>
-              <a:cs typeface="Roboto"/>
-              <a:sym typeface="Roboto"/>
-            </a:endParaRPr>
-          </a:p>
-        </p:txBody>
-      </p:sp>
-    </p:spTree>
-  </p:cSld>
-  <p:clrMapOvr>
-    <a:masterClrMapping/>
-  </p:clrMapOvr>
-</p:sld>
-</file>
-
-<file path=ppt/slides/slide12.xml><?xml version="1.0" encoding="utf-8"?>
-<p:sld xmlns:a="http://schemas.openxmlformats.org/drawingml/2006/main" xmlns:r="http://schemas.openxmlformats.org/officeDocument/2006/relationships" xmlns:mc="http://schemas.openxmlformats.org/markup-compatibility/2006" xmlns:mv="urn:schemas-microsoft-com:mac:vml" xmlns:p="http://schemas.openxmlformats.org/presentationml/2006/main" xmlns:c="http://schemas.openxmlformats.org/drawingml/2006/chart" xmlns:dgm="http://schemas.openxmlformats.org/drawingml/2006/diagram" xmlns:o="urn:schemas-microsoft-com:office:office" xmlns:v="urn:schemas-microsoft-com:vml" xmlns:pvml="urn:schemas-microsoft-com:office:powerpoint" xmlns:com="http://schemas.openxmlformats.org/drawingml/2006/compatibility" xmlns:p14="http://schemas.microsoft.com/office/powerpoint/2010/main" xmlns:p15="http://schemas.microsoft.com/office/powerpoint/2012/main" xmlns:ahyp="http://schemas.microsoft.com/office/drawing/2018/hyperlinkcolor">
-  <p:cSld>
-    <p:bg>
-      <p:bgPr>
-        <a:solidFill>
-          <a:srgbClr val="FF0000"/>
-        </a:solidFill>
-      </p:bgPr>
-    </p:bg>
-    <p:spTree>
-      <p:nvGrpSpPr>
-        <p:cNvPr id="140" name="Shape 140"/>
-        <p:cNvGrpSpPr/>
-        <p:nvPr/>
-      </p:nvGrpSpPr>
-      <p:grpSpPr>
-        <a:xfrm>
-          <a:off x="0" y="0"/>
-          <a:ext cx="0" cy="0"/>
-          <a:chOff x="0" y="0"/>
-          <a:chExt cx="0" cy="0"/>
-        </a:xfrm>
-      </p:grpSpPr>
-      <p:sp>
-        <p:nvSpPr>
-          <p:cNvPr id="141" name="Google Shape;141;p24"/>
-          <p:cNvSpPr txBox="1"/>
-          <p:nvPr>
-            <p:ph type="title"/>
-          </p:nvPr>
-        </p:nvSpPr>
-        <p:spPr>
-          <a:xfrm>
             <a:off x="226078" y="891200"/>
             <a:ext cx="2808000" cy="953400"/>
           </a:xfrm>
@@ -8283,7 +8047,7 @@
       </p:sp>
       <p:sp>
         <p:nvSpPr>
-          <p:cNvPr id="142" name="Google Shape;142;p24"/>
+          <p:cNvPr id="136" name="Google Shape;136;p23"/>
           <p:cNvSpPr txBox="1"/>
           <p:nvPr>
             <p:ph idx="1" type="body"/>
@@ -8363,11 +8127,24 @@
             </a:pPr>
             <a:r>
               <a:rPr lang="en" sz="1400" u="sng">
-                <a:hlinkClick r:id="rId3"/>
+                <a:solidFill>
+                  <a:schemeClr val="accent4"/>
+                </a:solidFill>
+                <a:hlinkClick r:id="rId3">
+                  <a:extLst>
+                    <a:ext uri="{A12FA001-AC4F-418D-AE19-62706E023703}">
+                      <ahyp:hlinkClr val="tx"/>
+                    </a:ext>
+                  </a:extLst>
+                </a:hlinkClick>
               </a:rPr>
               <a:t>https://github.com/surabhi0901</a:t>
             </a:r>
-            <a:endParaRPr sz="1400"/>
+            <a:endParaRPr sz="1400">
+              <a:solidFill>
+                <a:schemeClr val="accent4"/>
+              </a:solidFill>
+            </a:endParaRPr>
           </a:p>
           <a:p>
             <a:pPr indent="0" lvl="0" marL="0" rtl="0" algn="l">
@@ -8391,7 +8168,7 @@
       </p:sp>
       <p:pic>
         <p:nvPicPr>
-          <p:cNvPr id="143" name="Google Shape;143;p24"/>
+          <p:cNvPr id="137" name="Google Shape;137;p23"/>
           <p:cNvPicPr preferRelativeResize="0"/>
           <p:nvPr/>
         </p:nvPicPr>
@@ -8399,13 +8176,13 @@
           <a:blip r:embed="rId5">
             <a:alphaModFix/>
           </a:blip>
-          <a:srcRect b="0" l="7242" r="7250" t="0"/>
+          <a:srcRect b="0" l="0" r="69262" t="0"/>
           <a:stretch/>
         </p:blipFill>
         <p:spPr>
           <a:xfrm>
-            <a:off x="3294050" y="0"/>
-            <a:ext cx="5864126" cy="5143500"/>
+            <a:off x="3639375" y="0"/>
+            <a:ext cx="5197025" cy="5143500"/>
           </a:xfrm>
           <a:prstGeom prst="rect">
             <a:avLst/>
@@ -8430,7 +8207,7 @@
     <p:bg>
       <p:bgPr>
         <a:solidFill>
-          <a:srgbClr val="FF0000"/>
+          <a:srgbClr val="6739B7"/>
         </a:solidFill>
       </p:bgPr>
     </p:bg>
@@ -8481,14 +8258,14 @@
               <a:buNone/>
             </a:pPr>
             <a:r>
-              <a:rPr lang="en">
+              <a:rPr b="1" lang="en">
                 <a:solidFill>
                   <a:srgbClr val="000000"/>
                 </a:solidFill>
               </a:rPr>
-              <a:t>“Data is the new oil. It's valuable, but if unrefined, it cannot really be used.”</a:t>
+              <a:t>"Data analysis is a powerful tool in the world of finance, unlocking insights that drive informed decision-making and pave the way for financial success."</a:t>
             </a:r>
-            <a:endParaRPr>
+            <a:endParaRPr b="1">
               <a:solidFill>
                 <a:srgbClr val="000000"/>
               </a:solidFill>
@@ -8504,7 +8281,7 @@
         </p:nvCxnSpPr>
         <p:spPr>
           <a:xfrm>
-            <a:off x="4295550" y="2693400"/>
+            <a:off x="4295550" y="3074400"/>
             <a:ext cx="552900" cy="0"/>
           </a:xfrm>
           <a:prstGeom prst="straightConnector1">
@@ -8532,7 +8309,7 @@
         </p:nvSpPr>
         <p:spPr>
           <a:xfrm>
-            <a:off x="773700" y="2961650"/>
+            <a:off x="773700" y="3114050"/>
             <a:ext cx="7596600" cy="518400"/>
           </a:xfrm>
           <a:prstGeom prst="rect">
@@ -8558,14 +8335,14 @@
               <a:buNone/>
             </a:pPr>
             <a:r>
-              <a:rPr lang="en">
+              <a:rPr b="1" lang="en">
                 <a:solidFill>
                   <a:srgbClr val="000000"/>
                 </a:solidFill>
               </a:rPr>
-              <a:t>- Clive Humby</a:t>
+              <a:t>- Warren Buffett</a:t>
             </a:r>
-            <a:endParaRPr>
+            <a:endParaRPr b="1">
               <a:solidFill>
                 <a:srgbClr val="000000"/>
               </a:solidFill>
@@ -8587,7 +8364,7 @@
     <p:bg>
       <p:bgPr>
         <a:solidFill>
-          <a:srgbClr val="FF0000"/>
+          <a:srgbClr val="6739B7"/>
         </a:solidFill>
       </p:bgPr>
     </p:bg>
@@ -8688,7 +8465,7 @@
                   <a:srgbClr val="000000"/>
                 </a:solidFill>
               </a:rPr>
-              <a:t>YouTube's Data Universe: Explore the vast array of data generated daily on YouTube, from views and likes to comments and user demographics.</a:t>
+              <a:t>Objective: Develop an interactive dashboard for visualizing and exploring Phonepe Pulse data using Streamlit and Plotly.</a:t>
             </a:r>
             <a:endParaRPr sz="1200">
               <a:solidFill>
@@ -8716,7 +8493,91 @@
                   <a:srgbClr val="000000"/>
                 </a:solidFill>
               </a:rPr>
-              <a:t>Strategic Imperative: Emphasize the critical importance of harvesting YouTube data for informed decision-making, content optimization, and staying ahead in the digital landscape.</a:t>
+              <a:t>Key Features:</a:t>
+            </a:r>
+            <a:endParaRPr sz="1200">
+              <a:solidFill>
+                <a:srgbClr val="000000"/>
+              </a:solidFill>
+            </a:endParaRPr>
+          </a:p>
+          <a:p>
+            <a:pPr indent="-304800" lvl="1" marL="914400" rtl="0" algn="l">
+              <a:spcBef>
+                <a:spcPts val="0"/>
+              </a:spcBef>
+              <a:spcAft>
+                <a:spcPts val="0"/>
+              </a:spcAft>
+              <a:buClr>
+                <a:srgbClr val="000000"/>
+              </a:buClr>
+              <a:buSzPts val="1200"/>
+              <a:buChar char="○"/>
+            </a:pPr>
+            <a:r>
+              <a:rPr lang="en" sz="1200">
+                <a:solidFill>
+                  <a:srgbClr val="000000"/>
+                </a:solidFill>
+              </a:rPr>
+              <a:t>User-Friendly Interface: Intuitive controls for selecting criteria such as year, quarter, and type.</a:t>
+            </a:r>
+            <a:endParaRPr sz="1200">
+              <a:solidFill>
+                <a:srgbClr val="000000"/>
+              </a:solidFill>
+            </a:endParaRPr>
+          </a:p>
+          <a:p>
+            <a:pPr indent="-304800" lvl="1" marL="914400" rtl="0" algn="l">
+              <a:spcBef>
+                <a:spcPts val="0"/>
+              </a:spcBef>
+              <a:spcAft>
+                <a:spcPts val="0"/>
+              </a:spcAft>
+              <a:buClr>
+                <a:srgbClr val="000000"/>
+              </a:buClr>
+              <a:buSzPts val="1200"/>
+              <a:buChar char="○"/>
+            </a:pPr>
+            <a:r>
+              <a:rPr lang="en" sz="1200">
+                <a:solidFill>
+                  <a:srgbClr val="000000"/>
+                </a:solidFill>
+              </a:rPr>
+              <a:t>Interactive Visualizations: Pie charts, bar graphs, and sliders for dynamic data exploration.</a:t>
+            </a:r>
+            <a:endParaRPr sz="1200">
+              <a:solidFill>
+                <a:srgbClr val="000000"/>
+              </a:solidFill>
+            </a:endParaRPr>
+          </a:p>
+          <a:p>
+            <a:pPr indent="-304800" lvl="1" marL="914400" rtl="0" algn="l">
+              <a:spcBef>
+                <a:spcPts val="0"/>
+              </a:spcBef>
+              <a:spcAft>
+                <a:spcPts val="0"/>
+              </a:spcAft>
+              <a:buClr>
+                <a:srgbClr val="000000"/>
+              </a:buClr>
+              <a:buSzPts val="1200"/>
+              <a:buChar char="○"/>
+            </a:pPr>
+            <a:r>
+              <a:rPr lang="en" sz="1200">
+                <a:solidFill>
+                  <a:srgbClr val="000000"/>
+                </a:solidFill>
+              </a:rPr>
+              <a:t>Insightful Analysis: Top 10 rankings based on transaction amount, count, and user statistics.</a:t>
             </a:r>
             <a:endParaRPr sz="1200">
               <a:solidFill>
@@ -8744,7 +8605,7 @@
                   <a:srgbClr val="000000"/>
                 </a:solidFill>
               </a:rPr>
-              <a:t>Navigating Complexity: Acknowledge challenges like data volume and quality while highlighting the need for efficient processing and storage solutions.</a:t>
+              <a:t>Benefits: Efficient data exploration, customizable viewing, and enhanced decision-making.</a:t>
             </a:r>
             <a:endParaRPr sz="1200">
               <a:solidFill>
@@ -8772,7 +8633,7 @@
                   <a:srgbClr val="000000"/>
                 </a:solidFill>
               </a:rPr>
-              <a:t>Insights at Scale: Discuss the potential for extracting valuable insights from YouTube data, such as trend identification and audience behavior analysis.</a:t>
+              <a:t>Conclusion: Empowers users to uncover meaningful insights from Phonepe Pulse data, driving informed decisions and strategies. Continued development for further enhancements and user feedback integration.</a:t>
             </a:r>
             <a:endParaRPr sz="1200">
               <a:solidFill>
@@ -8800,91 +8661,7 @@
                   <a:srgbClr val="000000"/>
                 </a:solidFill>
               </a:rPr>
-              <a:t>Centralizing Data: Introduce data warehousing as a key strategy for organizing and analyzing YouTube data comprehensively.</a:t>
-            </a:r>
-            <a:endParaRPr sz="1200">
-              <a:solidFill>
-                <a:srgbClr val="000000"/>
-              </a:solidFill>
-            </a:endParaRPr>
-          </a:p>
-          <a:p>
-            <a:pPr indent="-304800" lvl="0" marL="457200" rtl="0" algn="l">
-              <a:spcBef>
-                <a:spcPts val="0"/>
-              </a:spcBef>
-              <a:spcAft>
-                <a:spcPts val="0"/>
-              </a:spcAft>
-              <a:buClr>
-                <a:srgbClr val="000000"/>
-              </a:buClr>
-              <a:buSzPts val="1200"/>
-              <a:buChar char="●"/>
-            </a:pPr>
-            <a:r>
-              <a:rPr lang="en" sz="1200">
-                <a:solidFill>
-                  <a:srgbClr val="000000"/>
-                </a:solidFill>
-              </a:rPr>
-              <a:t>Empowering Growth: Highlight how effective data strategies can drive growth and optimize performance on the YouTube platform.</a:t>
-            </a:r>
-            <a:endParaRPr sz="1200">
-              <a:solidFill>
-                <a:srgbClr val="000000"/>
-              </a:solidFill>
-            </a:endParaRPr>
-          </a:p>
-          <a:p>
-            <a:pPr indent="-304800" lvl="0" marL="457200" rtl="0" algn="l">
-              <a:spcBef>
-                <a:spcPts val="0"/>
-              </a:spcBef>
-              <a:spcAft>
-                <a:spcPts val="0"/>
-              </a:spcAft>
-              <a:buClr>
-                <a:srgbClr val="000000"/>
-              </a:buClr>
-              <a:buSzPts val="1200"/>
-              <a:buChar char="●"/>
-            </a:pPr>
-            <a:r>
-              <a:rPr lang="en" sz="1200">
-                <a:solidFill>
-                  <a:srgbClr val="000000"/>
-                </a:solidFill>
-              </a:rPr>
-              <a:t>Presentation Goals: Outline objectives, including exploring data harvesting techniques, discussing warehousing strategies, and highlighting business impact.</a:t>
-            </a:r>
-            <a:endParaRPr sz="1200">
-              <a:solidFill>
-                <a:srgbClr val="000000"/>
-              </a:solidFill>
-            </a:endParaRPr>
-          </a:p>
-          <a:p>
-            <a:pPr indent="-304800" lvl="0" marL="457200" rtl="0" algn="l">
-              <a:spcBef>
-                <a:spcPts val="0"/>
-              </a:spcBef>
-              <a:spcAft>
-                <a:spcPts val="0"/>
-              </a:spcAft>
-              <a:buClr>
-                <a:srgbClr val="000000"/>
-              </a:buClr>
-              <a:buSzPts val="1200"/>
-              <a:buChar char="●"/>
-            </a:pPr>
-            <a:r>
-              <a:rPr lang="en" sz="1200">
-                <a:solidFill>
-                  <a:srgbClr val="000000"/>
-                </a:solidFill>
-              </a:rPr>
-              <a:t>Interactive Learning: Encourage audience participation to foster engagement and collaboration throughout the presentation.</a:t>
+              <a:t>Next Steps: Live demonstration, feedback collection, and deployment planning.</a:t>
             </a:r>
             <a:endParaRPr sz="1200">
               <a:solidFill>
@@ -8948,7 +8725,7 @@
     <p:bg>
       <p:bgPr>
         <a:solidFill>
-          <a:srgbClr val="FF0000"/>
+          <a:srgbClr val="6739B7"/>
         </a:solidFill>
       </p:bgPr>
     </p:bg>
@@ -9016,13 +8793,13 @@
           <a:blip r:embed="rId3">
             <a:alphaModFix/>
           </a:blip>
-          <a:srcRect b="6387" l="5472" r="5543" t="6942"/>
+          <a:srcRect b="6387" l="4379" r="4196" t="4022"/>
           <a:stretch/>
         </p:blipFill>
         <p:spPr>
           <a:xfrm>
-            <a:off x="0" y="1768000"/>
-            <a:ext cx="9144000" cy="3339881"/>
+            <a:off x="0" y="1670250"/>
+            <a:ext cx="9144000" cy="3360528"/>
           </a:xfrm>
           <a:prstGeom prst="rect">
             <a:avLst/>
@@ -9047,7 +8824,7 @@
     <p:bg>
       <p:bgPr>
         <a:solidFill>
-          <a:srgbClr val="FF0000"/>
+          <a:srgbClr val="6739B7"/>
         </a:solidFill>
       </p:bgPr>
     </p:bg>
@@ -9065,109 +8842,9 @@
           <a:chExt cx="0" cy="0"/>
         </a:xfrm>
       </p:grpSpPr>
-      <p:pic>
-        <p:nvPicPr>
-          <p:cNvPr id="94" name="Google Shape;94;p17"/>
-          <p:cNvPicPr preferRelativeResize="0"/>
-          <p:nvPr/>
-        </p:nvPicPr>
-        <p:blipFill>
-          <a:blip r:embed="rId3">
-            <a:alphaModFix/>
-          </a:blip>
-          <a:stretch>
-            <a:fillRect/>
-          </a:stretch>
-        </p:blipFill>
-        <p:spPr>
-          <a:xfrm>
-            <a:off x="196475" y="1726875"/>
-            <a:ext cx="8751026" cy="2460375"/>
-          </a:xfrm>
-          <a:prstGeom prst="rect">
-            <a:avLst/>
-          </a:prstGeom>
-          <a:noFill/>
-          <a:ln>
-            <a:noFill/>
-          </a:ln>
-        </p:spPr>
-      </p:pic>
       <p:sp>
         <p:nvSpPr>
-          <p:cNvPr id="95" name="Google Shape;95;p17"/>
-          <p:cNvSpPr txBox="1"/>
-          <p:nvPr>
-            <p:ph type="title"/>
-          </p:nvPr>
-        </p:nvSpPr>
-        <p:spPr>
-          <a:xfrm>
-            <a:off x="471900" y="433925"/>
-            <a:ext cx="8222100" cy="767700"/>
-          </a:xfrm>
-          <a:prstGeom prst="rect">
-            <a:avLst/>
-          </a:prstGeom>
-        </p:spPr>
-        <p:txBody>
-          <a:bodyPr anchorCtr="0" anchor="ctr" bIns="91425" lIns="91425" spcFirstLastPara="1" rIns="91425" wrap="square" tIns="91425">
-            <a:normAutofit/>
-          </a:bodyPr>
-          <a:lstStyle/>
-          <a:p>
-            <a:pPr indent="0" lvl="0" marL="0" rtl="0" algn="ctr">
-              <a:spcBef>
-                <a:spcPts val="0"/>
-              </a:spcBef>
-              <a:spcAft>
-                <a:spcPts val="0"/>
-              </a:spcAft>
-              <a:buNone/>
-            </a:pPr>
-            <a:r>
-              <a:rPr lang="en" sz="3200"/>
-              <a:t>How to proceed with the problem?</a:t>
-            </a:r>
-            <a:endParaRPr sz="3200"/>
-          </a:p>
-        </p:txBody>
-      </p:sp>
-    </p:spTree>
-  </p:cSld>
-  <p:clrMapOvr>
-    <a:masterClrMapping/>
-  </p:clrMapOvr>
-</p:sld>
-</file>
-
-<file path=ppt/slides/slide6.xml><?xml version="1.0" encoding="utf-8"?>
-<p:sld xmlns:a="http://schemas.openxmlformats.org/drawingml/2006/main" xmlns:r="http://schemas.openxmlformats.org/officeDocument/2006/relationships" xmlns:mc="http://schemas.openxmlformats.org/markup-compatibility/2006" xmlns:mv="urn:schemas-microsoft-com:mac:vml" xmlns:p="http://schemas.openxmlformats.org/presentationml/2006/main" xmlns:c="http://schemas.openxmlformats.org/drawingml/2006/chart" xmlns:dgm="http://schemas.openxmlformats.org/drawingml/2006/diagram" xmlns:o="urn:schemas-microsoft-com:office:office" xmlns:v="urn:schemas-microsoft-com:vml" xmlns:pvml="urn:schemas-microsoft-com:office:powerpoint" xmlns:com="http://schemas.openxmlformats.org/drawingml/2006/compatibility" xmlns:p14="http://schemas.microsoft.com/office/powerpoint/2010/main" xmlns:p15="http://schemas.microsoft.com/office/powerpoint/2012/main" xmlns:ahyp="http://schemas.microsoft.com/office/drawing/2018/hyperlinkcolor">
-  <p:cSld>
-    <p:bg>
-      <p:bgPr>
-        <a:solidFill>
-          <a:srgbClr val="FF0000"/>
-        </a:solidFill>
-      </p:bgPr>
-    </p:bg>
-    <p:spTree>
-      <p:nvGrpSpPr>
-        <p:cNvPr id="99" name="Shape 99"/>
-        <p:cNvGrpSpPr/>
-        <p:nvPr/>
-      </p:nvGrpSpPr>
-      <p:grpSpPr>
-        <a:xfrm>
-          <a:off x="0" y="0"/>
-          <a:ext cx="0" cy="0"/>
-          <a:chOff x="0" y="0"/>
-          <a:chExt cx="0" cy="0"/>
-        </a:xfrm>
-      </p:grpSpPr>
-      <p:sp>
-        <p:nvSpPr>
-          <p:cNvPr id="100" name="Google Shape;100;p18"/>
+          <p:cNvPr id="94" name="Google Shape;94;p17"/>
           <p:cNvSpPr txBox="1"/>
           <p:nvPr>
             <p:ph type="title"/>
@@ -9207,7 +8884,7 @@
       </p:sp>
       <p:sp>
         <p:nvSpPr>
-          <p:cNvPr id="101" name="Google Shape;101;p18"/>
+          <p:cNvPr id="95" name="Google Shape;95;p17"/>
           <p:cNvSpPr txBox="1"/>
           <p:nvPr>
             <p:ph idx="1" type="body"/>
@@ -9259,7 +8936,7 @@
             </a:pPr>
             <a:r>
               <a:rPr lang="en"/>
-              <a:t>Streamlit Application Setup</a:t>
+              <a:t>User Interface Enhancement</a:t>
             </a:r>
             <a:endParaRPr/>
           </a:p>
@@ -9279,7 +8956,7 @@
             </a:pPr>
             <a:r>
               <a:rPr lang="en"/>
-              <a:t>Data Retrieval from YouTube API</a:t>
+              <a:t>Interactive Dashboard Development</a:t>
             </a:r>
             <a:endParaRPr/>
           </a:p>
@@ -9299,7 +8976,7 @@
             </a:pPr>
             <a:r>
               <a:rPr lang="en"/>
-              <a:t>Multi-channel Data Collection</a:t>
+              <a:t>Data Visualization Integration</a:t>
             </a:r>
             <a:endParaRPr/>
           </a:p>
@@ -9319,7 +8996,7 @@
             </a:pPr>
             <a:r>
               <a:rPr lang="en"/>
-              <a:t>Data Storage Options</a:t>
+              <a:t>Query Optimization</a:t>
             </a:r>
             <a:endParaRPr/>
           </a:p>
@@ -9339,7 +9016,7 @@
             </a:pPr>
             <a:r>
               <a:rPr lang="en"/>
-              <a:t>Search and Retrieval from SQL DB</a:t>
+              <a:t>Responsive Design Implementation</a:t>
             </a:r>
             <a:endParaRPr/>
           </a:p>
@@ -9359,7 +9036,7 @@
             </a:pPr>
             <a:r>
               <a:rPr lang="en"/>
-              <a:t>User Authentication &amp; Authorization</a:t>
+              <a:t>Feature Expansion</a:t>
             </a:r>
             <a:endParaRPr/>
           </a:p>
@@ -9379,7 +9056,7 @@
             </a:pPr>
             <a:r>
               <a:rPr lang="en"/>
-              <a:t>Testing and Optimization</a:t>
+              <a:t>Documentation and Support</a:t>
             </a:r>
             <a:endParaRPr/>
           </a:p>
@@ -9399,7 +9076,7 @@
             </a:pPr>
             <a:r>
               <a:rPr lang="en"/>
-              <a:t>Documentation and Deployment</a:t>
+              <a:t>Feedback Integration</a:t>
             </a:r>
             <a:endParaRPr/>
           </a:p>
@@ -9407,14 +9084,14 @@
       </p:sp>
       <p:sp>
         <p:nvSpPr>
-          <p:cNvPr id="102" name="Google Shape;102;p18"/>
+          <p:cNvPr id="96" name="Google Shape;96;p17"/>
           <p:cNvSpPr txBox="1"/>
           <p:nvPr/>
         </p:nvSpPr>
         <p:spPr>
           <a:xfrm>
             <a:off x="3905500" y="125225"/>
-            <a:ext cx="5014500" cy="4839300"/>
+            <a:ext cx="5014500" cy="5024700"/>
           </a:xfrm>
           <a:prstGeom prst="rect">
             <a:avLst/>
@@ -9430,61 +9107,30 @@
           </a:bodyPr>
           <a:lstStyle/>
           <a:p>
-            <a:pPr indent="-317500" lvl="0" marL="457200" rtl="0" algn="l">
+            <a:pPr indent="-304800" lvl="0" marL="457200" rtl="0" algn="l">
               <a:lnSpc>
                 <a:spcPct val="90000"/>
               </a:lnSpc>
               <a:spcBef>
-                <a:spcPts val="0"/>
-              </a:spcBef>
-              <a:spcAft>
-                <a:spcPts val="0"/>
-              </a:spcAft>
-              <a:buSzPts val="1400"/>
+                <a:spcPts val="1000"/>
+              </a:spcBef>
+              <a:spcAft>
+                <a:spcPts val="0"/>
+              </a:spcAft>
+              <a:buSzPts val="1200"/>
               <a:buFont typeface="Roboto"/>
               <a:buChar char="●"/>
             </a:pPr>
             <a:r>
-              <a:rPr lang="en">
+              <a:rPr lang="en" sz="1200">
                 <a:latin typeface="Roboto"/>
                 <a:ea typeface="Roboto"/>
                 <a:cs typeface="Roboto"/>
                 <a:sym typeface="Roboto"/>
               </a:rPr>
-              <a:t>Create user interface for data access.</a:t>
+              <a:t>Enhance the user interface for intuitive navigation and improved user experience.</a:t>
             </a:r>
-            <a:endParaRPr>
-              <a:latin typeface="Roboto"/>
-              <a:ea typeface="Roboto"/>
-              <a:cs typeface="Roboto"/>
-              <a:sym typeface="Roboto"/>
-            </a:endParaRPr>
-          </a:p>
-          <a:p>
-            <a:pPr indent="-317500" lvl="0" marL="457200" rtl="0" algn="l">
-              <a:lnSpc>
-                <a:spcPct val="90000"/>
-              </a:lnSpc>
-              <a:spcBef>
-                <a:spcPts val="0"/>
-              </a:spcBef>
-              <a:spcAft>
-                <a:spcPts val="0"/>
-              </a:spcAft>
-              <a:buSzPts val="1400"/>
-              <a:buFont typeface="Roboto"/>
-              <a:buChar char="●"/>
-            </a:pPr>
-            <a:r>
-              <a:rPr lang="en">
-                <a:latin typeface="Roboto"/>
-                <a:ea typeface="Roboto"/>
-                <a:cs typeface="Roboto"/>
-                <a:sym typeface="Roboto"/>
-              </a:rPr>
-              <a:t>Input fields for YouTube channel IDs.</a:t>
-            </a:r>
-            <a:endParaRPr>
+            <a:endParaRPr sz="1200">
               <a:latin typeface="Roboto"/>
               <a:ea typeface="Roboto"/>
               <a:cs typeface="Roboto"/>
@@ -9497,7 +9143,7 @@
                 <a:spcPct val="90000"/>
               </a:lnSpc>
               <a:spcBef>
-                <a:spcPts val="0"/>
+                <a:spcPts val="1000"/>
               </a:spcBef>
               <a:spcAft>
                 <a:spcPts val="0"/>
@@ -9507,7 +9153,7 @@
             <a:r>
               <a:t/>
             </a:r>
-            <a:endParaRPr>
+            <a:endParaRPr sz="100">
               <a:latin typeface="Roboto"/>
               <a:ea typeface="Roboto"/>
               <a:cs typeface="Roboto"/>
@@ -9515,61 +9161,30 @@
             </a:endParaRPr>
           </a:p>
           <a:p>
-            <a:pPr indent="-317500" lvl="0" marL="457200" rtl="0" algn="l">
+            <a:pPr indent="-304800" lvl="0" marL="457200" rtl="0" algn="l">
               <a:lnSpc>
                 <a:spcPct val="90000"/>
               </a:lnSpc>
               <a:spcBef>
-                <a:spcPts val="0"/>
-              </a:spcBef>
-              <a:spcAft>
-                <a:spcPts val="0"/>
-              </a:spcAft>
-              <a:buSzPts val="1400"/>
+                <a:spcPts val="1000"/>
+              </a:spcBef>
+              <a:spcAft>
+                <a:spcPts val="0"/>
+              </a:spcAft>
+              <a:buSzPts val="1200"/>
               <a:buFont typeface="Roboto"/>
               <a:buChar char="●"/>
             </a:pPr>
             <a:r>
-              <a:rPr lang="en">
+              <a:rPr lang="en" sz="1200">
                 <a:latin typeface="Roboto"/>
                 <a:ea typeface="Roboto"/>
                 <a:cs typeface="Roboto"/>
                 <a:sym typeface="Roboto"/>
               </a:rPr>
-              <a:t>Fetch channel data using Google API.</a:t>
+              <a:t>Develop an interactive dashboard to facilitate dynamic data exploration and analysis.</a:t>
             </a:r>
-            <a:endParaRPr>
-              <a:latin typeface="Roboto"/>
-              <a:ea typeface="Roboto"/>
-              <a:cs typeface="Roboto"/>
-              <a:sym typeface="Roboto"/>
-            </a:endParaRPr>
-          </a:p>
-          <a:p>
-            <a:pPr indent="-317500" lvl="0" marL="457200" rtl="0" algn="l">
-              <a:lnSpc>
-                <a:spcPct val="90000"/>
-              </a:lnSpc>
-              <a:spcBef>
-                <a:spcPts val="0"/>
-              </a:spcBef>
-              <a:spcAft>
-                <a:spcPts val="0"/>
-              </a:spcAft>
-              <a:buSzPts val="1400"/>
-              <a:buFont typeface="Roboto"/>
-              <a:buChar char="●"/>
-            </a:pPr>
-            <a:r>
-              <a:rPr lang="en">
-                <a:latin typeface="Roboto"/>
-                <a:ea typeface="Roboto"/>
-                <a:cs typeface="Roboto"/>
-                <a:sym typeface="Roboto"/>
-              </a:rPr>
-              <a:t>Retrieve channel info, video details, likes, dislikes, comments.</a:t>
-            </a:r>
-            <a:endParaRPr>
+            <a:endParaRPr sz="1200">
               <a:latin typeface="Roboto"/>
               <a:ea typeface="Roboto"/>
               <a:cs typeface="Roboto"/>
@@ -9582,7 +9197,7 @@
                 <a:spcPct val="90000"/>
               </a:lnSpc>
               <a:spcBef>
-                <a:spcPts val="0"/>
+                <a:spcPts val="1000"/>
               </a:spcBef>
               <a:spcAft>
                 <a:spcPts val="0"/>
@@ -9592,7 +9207,7 @@
             <a:r>
               <a:t/>
             </a:r>
-            <a:endParaRPr>
+            <a:endParaRPr sz="100">
               <a:latin typeface="Roboto"/>
               <a:ea typeface="Roboto"/>
               <a:cs typeface="Roboto"/>
@@ -9600,79 +9215,30 @@
             </a:endParaRPr>
           </a:p>
           <a:p>
-            <a:pPr indent="-317500" lvl="0" marL="457200" rtl="0" algn="l">
+            <a:pPr indent="-304800" lvl="0" marL="457200" rtl="0" algn="l">
               <a:lnSpc>
                 <a:spcPct val="90000"/>
               </a:lnSpc>
               <a:spcBef>
-                <a:spcPts val="0"/>
-              </a:spcBef>
-              <a:spcAft>
-                <a:spcPts val="0"/>
-              </a:spcAft>
-              <a:buSzPts val="1400"/>
+                <a:spcPts val="1000"/>
+              </a:spcBef>
+              <a:spcAft>
+                <a:spcPts val="0"/>
+              </a:spcAft>
+              <a:buSzPts val="1200"/>
               <a:buFont typeface="Roboto"/>
               <a:buChar char="●"/>
             </a:pPr>
             <a:r>
-              <a:rPr lang="en">
+              <a:rPr lang="en" sz="1200">
                 <a:latin typeface="Roboto"/>
                 <a:ea typeface="Roboto"/>
                 <a:cs typeface="Roboto"/>
                 <a:sym typeface="Roboto"/>
               </a:rPr>
-              <a:t>Allow input of up to 10 channel IDs.</a:t>
+              <a:t>Integrate Plotly and Streamlit to create visually engaging and interactive data visualizations.</a:t>
             </a:r>
-            <a:endParaRPr>
-              <a:latin typeface="Roboto"/>
-              <a:ea typeface="Roboto"/>
-              <a:cs typeface="Roboto"/>
-              <a:sym typeface="Roboto"/>
-            </a:endParaRPr>
-          </a:p>
-          <a:p>
-            <a:pPr indent="-317500" lvl="0" marL="457200" rtl="0" algn="l">
-              <a:lnSpc>
-                <a:spcPct val="90000"/>
-              </a:lnSpc>
-              <a:spcBef>
-                <a:spcPts val="0"/>
-              </a:spcBef>
-              <a:spcAft>
-                <a:spcPts val="0"/>
-              </a:spcAft>
-              <a:buSzPts val="1400"/>
-              <a:buFont typeface="Roboto"/>
-              <a:buChar char="●"/>
-            </a:pPr>
-            <a:r>
-              <a:rPr lang="en">
-                <a:latin typeface="Roboto"/>
-                <a:ea typeface="Roboto"/>
-                <a:cs typeface="Roboto"/>
-                <a:sym typeface="Roboto"/>
-              </a:rPr>
-              <a:t>Initiate data collection for </a:t>
-            </a:r>
-            <a:r>
-              <a:rPr lang="en">
-                <a:latin typeface="Roboto"/>
-                <a:ea typeface="Roboto"/>
-                <a:cs typeface="Roboto"/>
-                <a:sym typeface="Roboto"/>
-              </a:rPr>
-              <a:t>specific</a:t>
-            </a:r>
-            <a:r>
-              <a:rPr lang="en">
-                <a:latin typeface="Roboto"/>
-                <a:ea typeface="Roboto"/>
-                <a:cs typeface="Roboto"/>
-                <a:sym typeface="Roboto"/>
-              </a:rPr>
-              <a:t> channels.</a:t>
-            </a:r>
-            <a:endParaRPr>
+            <a:endParaRPr sz="1200">
               <a:latin typeface="Roboto"/>
               <a:ea typeface="Roboto"/>
               <a:cs typeface="Roboto"/>
@@ -9685,7 +9251,7 @@
                 <a:spcPct val="90000"/>
               </a:lnSpc>
               <a:spcBef>
-                <a:spcPts val="0"/>
+                <a:spcPts val="1000"/>
               </a:spcBef>
               <a:spcAft>
                 <a:spcPts val="0"/>
@@ -9695,7 +9261,7 @@
             <a:r>
               <a:t/>
             </a:r>
-            <a:endParaRPr>
+            <a:endParaRPr sz="100">
               <a:latin typeface="Roboto"/>
               <a:ea typeface="Roboto"/>
               <a:cs typeface="Roboto"/>
@@ -9703,61 +9269,30 @@
             </a:endParaRPr>
           </a:p>
           <a:p>
-            <a:pPr indent="-317500" lvl="0" marL="457200" rtl="0" algn="l">
+            <a:pPr indent="-304800" lvl="0" marL="457200" rtl="0" algn="l">
               <a:lnSpc>
                 <a:spcPct val="90000"/>
               </a:lnSpc>
               <a:spcBef>
-                <a:spcPts val="0"/>
-              </a:spcBef>
-              <a:spcAft>
-                <a:spcPts val="0"/>
-              </a:spcAft>
-              <a:buSzPts val="1400"/>
+                <a:spcPts val="1000"/>
+              </a:spcBef>
+              <a:spcAft>
+                <a:spcPts val="0"/>
+              </a:spcAft>
+              <a:buSzPts val="1200"/>
               <a:buFont typeface="Roboto"/>
               <a:buChar char="●"/>
             </a:pPr>
             <a:r>
-              <a:rPr lang="en">
+              <a:rPr lang="en" sz="1200">
                 <a:latin typeface="Roboto"/>
                 <a:ea typeface="Roboto"/>
                 <a:cs typeface="Roboto"/>
                 <a:sym typeface="Roboto"/>
               </a:rPr>
-              <a:t>Store data in MySQL or PostgreSQL.</a:t>
+              <a:t>Optimize database queries to ensure efficient and speedy data retrieval for a seamless user experience.</a:t>
             </a:r>
-            <a:endParaRPr>
-              <a:latin typeface="Roboto"/>
-              <a:ea typeface="Roboto"/>
-              <a:cs typeface="Roboto"/>
-              <a:sym typeface="Roboto"/>
-            </a:endParaRPr>
-          </a:p>
-          <a:p>
-            <a:pPr indent="-317500" lvl="0" marL="457200" rtl="0" algn="l">
-              <a:lnSpc>
-                <a:spcPct val="90000"/>
-              </a:lnSpc>
-              <a:spcBef>
-                <a:spcPts val="0"/>
-              </a:spcBef>
-              <a:spcAft>
-                <a:spcPts val="0"/>
-              </a:spcAft>
-              <a:buSzPts val="1400"/>
-              <a:buFont typeface="Roboto"/>
-              <a:buChar char="●"/>
-            </a:pPr>
-            <a:r>
-              <a:rPr lang="en">
-                <a:latin typeface="Roboto"/>
-                <a:ea typeface="Roboto"/>
-                <a:cs typeface="Roboto"/>
-                <a:sym typeface="Roboto"/>
-              </a:rPr>
-              <a:t>Ensure data integrity and security.</a:t>
-            </a:r>
-            <a:endParaRPr>
+            <a:endParaRPr sz="1200">
               <a:latin typeface="Roboto"/>
               <a:ea typeface="Roboto"/>
               <a:cs typeface="Roboto"/>
@@ -9770,7 +9305,7 @@
                 <a:spcPct val="90000"/>
               </a:lnSpc>
               <a:spcBef>
-                <a:spcPts val="0"/>
+                <a:spcPts val="1000"/>
               </a:spcBef>
               <a:spcAft>
                 <a:spcPts val="0"/>
@@ -9780,7 +9315,7 @@
             <a:r>
               <a:t/>
             </a:r>
-            <a:endParaRPr>
+            <a:endParaRPr sz="100">
               <a:latin typeface="Roboto"/>
               <a:ea typeface="Roboto"/>
               <a:cs typeface="Roboto"/>
@@ -9788,61 +9323,30 @@
             </a:endParaRPr>
           </a:p>
           <a:p>
-            <a:pPr indent="-317500" lvl="0" marL="457200" rtl="0" algn="l">
+            <a:pPr indent="-304800" lvl="0" marL="457200" rtl="0" algn="l">
               <a:lnSpc>
                 <a:spcPct val="90000"/>
               </a:lnSpc>
               <a:spcBef>
-                <a:spcPts val="0"/>
-              </a:spcBef>
-              <a:spcAft>
-                <a:spcPts val="0"/>
-              </a:spcAft>
-              <a:buSzPts val="1400"/>
+                <a:spcPts val="1000"/>
+              </a:spcBef>
+              <a:spcAft>
+                <a:spcPts val="0"/>
+              </a:spcAft>
+              <a:buSzPts val="1200"/>
               <a:buFont typeface="Roboto"/>
               <a:buChar char="●"/>
             </a:pPr>
             <a:r>
-              <a:rPr lang="en">
+              <a:rPr lang="en" sz="1200">
                 <a:latin typeface="Roboto"/>
                 <a:ea typeface="Roboto"/>
                 <a:cs typeface="Roboto"/>
                 <a:sym typeface="Roboto"/>
               </a:rPr>
-              <a:t>Implement search functionality within Streamlit.</a:t>
+              <a:t>Implement a responsive design to ensure compatibility across various devices, offering accessibility to a wider audience.</a:t>
             </a:r>
-            <a:endParaRPr>
-              <a:latin typeface="Roboto"/>
-              <a:ea typeface="Roboto"/>
-              <a:cs typeface="Roboto"/>
-              <a:sym typeface="Roboto"/>
-            </a:endParaRPr>
-          </a:p>
-          <a:p>
-            <a:pPr indent="-317500" lvl="0" marL="457200" rtl="0" algn="l">
-              <a:lnSpc>
-                <a:spcPct val="90000"/>
-              </a:lnSpc>
-              <a:spcBef>
-                <a:spcPts val="0"/>
-              </a:spcBef>
-              <a:spcAft>
-                <a:spcPts val="0"/>
-              </a:spcAft>
-              <a:buSzPts val="1400"/>
-              <a:buFont typeface="Roboto"/>
-              <a:buChar char="●"/>
-            </a:pPr>
-            <a:r>
-              <a:rPr lang="en">
-                <a:latin typeface="Roboto"/>
-                <a:ea typeface="Roboto"/>
-                <a:cs typeface="Roboto"/>
-                <a:sym typeface="Roboto"/>
-              </a:rPr>
-              <a:t>Query based on various criteria.</a:t>
-            </a:r>
-            <a:endParaRPr>
+            <a:endParaRPr sz="1200">
               <a:latin typeface="Roboto"/>
               <a:ea typeface="Roboto"/>
               <a:cs typeface="Roboto"/>
@@ -9855,7 +9359,7 @@
                 <a:spcPct val="90000"/>
               </a:lnSpc>
               <a:spcBef>
-                <a:spcPts val="0"/>
+                <a:spcPts val="1000"/>
               </a:spcBef>
               <a:spcAft>
                 <a:spcPts val="0"/>
@@ -9865,7 +9369,7 @@
             <a:r>
               <a:t/>
             </a:r>
-            <a:endParaRPr>
+            <a:endParaRPr sz="100">
               <a:latin typeface="Roboto"/>
               <a:ea typeface="Roboto"/>
               <a:cs typeface="Roboto"/>
@@ -9873,61 +9377,30 @@
             </a:endParaRPr>
           </a:p>
           <a:p>
-            <a:pPr indent="-317500" lvl="0" marL="457200" rtl="0" algn="l">
+            <a:pPr indent="-304800" lvl="0" marL="457200" rtl="0" algn="l">
               <a:lnSpc>
                 <a:spcPct val="90000"/>
               </a:lnSpc>
               <a:spcBef>
-                <a:spcPts val="0"/>
-              </a:spcBef>
-              <a:spcAft>
-                <a:spcPts val="0"/>
-              </a:spcAft>
-              <a:buSzPts val="1400"/>
+                <a:spcPts val="1000"/>
+              </a:spcBef>
+              <a:spcAft>
+                <a:spcPts val="0"/>
+              </a:spcAft>
+              <a:buSzPts val="1200"/>
               <a:buFont typeface="Roboto"/>
               <a:buChar char="●"/>
             </a:pPr>
             <a:r>
-              <a:rPr lang="en">
+              <a:rPr lang="en" sz="1200">
                 <a:latin typeface="Roboto"/>
                 <a:ea typeface="Roboto"/>
                 <a:cs typeface="Roboto"/>
                 <a:sym typeface="Roboto"/>
               </a:rPr>
-              <a:t>Authenticate users securely.</a:t>
+              <a:t>Expand the range of features to enable users to delve deeper into data analysis and gain actionable insights.</a:t>
             </a:r>
-            <a:endParaRPr>
-              <a:latin typeface="Roboto"/>
-              <a:ea typeface="Roboto"/>
-              <a:cs typeface="Roboto"/>
-              <a:sym typeface="Roboto"/>
-            </a:endParaRPr>
-          </a:p>
-          <a:p>
-            <a:pPr indent="-317500" lvl="0" marL="457200" rtl="0" algn="l">
-              <a:lnSpc>
-                <a:spcPct val="90000"/>
-              </a:lnSpc>
-              <a:spcBef>
-                <a:spcPts val="0"/>
-              </a:spcBef>
-              <a:spcAft>
-                <a:spcPts val="0"/>
-              </a:spcAft>
-              <a:buSzPts val="1400"/>
-              <a:buFont typeface="Roboto"/>
-              <a:buChar char="●"/>
-            </a:pPr>
-            <a:r>
-              <a:rPr lang="en">
-                <a:latin typeface="Roboto"/>
-                <a:ea typeface="Roboto"/>
-                <a:cs typeface="Roboto"/>
-                <a:sym typeface="Roboto"/>
-              </a:rPr>
-              <a:t>Control data access based on roles.</a:t>
-            </a:r>
-            <a:endParaRPr>
+            <a:endParaRPr sz="1200">
               <a:latin typeface="Roboto"/>
               <a:ea typeface="Roboto"/>
               <a:cs typeface="Roboto"/>
@@ -9940,7 +9413,7 @@
                 <a:spcPct val="90000"/>
               </a:lnSpc>
               <a:spcBef>
-                <a:spcPts val="0"/>
+                <a:spcPts val="1000"/>
               </a:spcBef>
               <a:spcAft>
                 <a:spcPts val="0"/>
@@ -9950,7 +9423,7 @@
             <a:r>
               <a:t/>
             </a:r>
-            <a:endParaRPr>
+            <a:endParaRPr sz="100">
               <a:latin typeface="Roboto"/>
               <a:ea typeface="Roboto"/>
               <a:cs typeface="Roboto"/>
@@ -9958,61 +9431,30 @@
             </a:endParaRPr>
           </a:p>
           <a:p>
-            <a:pPr indent="-317500" lvl="0" marL="457200" rtl="0" algn="l">
+            <a:pPr indent="-304800" lvl="0" marL="457200" rtl="0" algn="l">
               <a:lnSpc>
                 <a:spcPct val="90000"/>
               </a:lnSpc>
               <a:spcBef>
-                <a:spcPts val="0"/>
-              </a:spcBef>
-              <a:spcAft>
-                <a:spcPts val="0"/>
-              </a:spcAft>
-              <a:buSzPts val="1400"/>
+                <a:spcPts val="1000"/>
+              </a:spcBef>
+              <a:spcAft>
+                <a:spcPts val="0"/>
+              </a:spcAft>
+              <a:buSzPts val="1200"/>
               <a:buFont typeface="Roboto"/>
               <a:buChar char="●"/>
             </a:pPr>
             <a:r>
-              <a:rPr lang="en">
+              <a:rPr lang="en" sz="1200">
                 <a:latin typeface="Roboto"/>
                 <a:ea typeface="Roboto"/>
                 <a:cs typeface="Roboto"/>
                 <a:sym typeface="Roboto"/>
               </a:rPr>
-              <a:t>Thorough testing for functionality and usability.</a:t>
+              <a:t>Provide comprehensive documentation and robust user support to assist users in effectively utilizing the tool.</a:t>
             </a:r>
-            <a:endParaRPr>
-              <a:latin typeface="Roboto"/>
-              <a:ea typeface="Roboto"/>
-              <a:cs typeface="Roboto"/>
-              <a:sym typeface="Roboto"/>
-            </a:endParaRPr>
-          </a:p>
-          <a:p>
-            <a:pPr indent="-317500" lvl="0" marL="457200" rtl="0" algn="l">
-              <a:lnSpc>
-                <a:spcPct val="90000"/>
-              </a:lnSpc>
-              <a:spcBef>
-                <a:spcPts val="0"/>
-              </a:spcBef>
-              <a:spcAft>
-                <a:spcPts val="0"/>
-              </a:spcAft>
-              <a:buSzPts val="1400"/>
-              <a:buFont typeface="Roboto"/>
-              <a:buChar char="●"/>
-            </a:pPr>
-            <a:r>
-              <a:rPr lang="en">
-                <a:latin typeface="Roboto"/>
-                <a:ea typeface="Roboto"/>
-                <a:cs typeface="Roboto"/>
-                <a:sym typeface="Roboto"/>
-              </a:rPr>
-              <a:t>Optimize performance for large datasets.</a:t>
-            </a:r>
-            <a:endParaRPr>
+            <a:endParaRPr sz="1200">
               <a:latin typeface="Roboto"/>
               <a:ea typeface="Roboto"/>
               <a:cs typeface="Roboto"/>
@@ -10025,7 +9467,7 @@
                 <a:spcPct val="90000"/>
               </a:lnSpc>
               <a:spcBef>
-                <a:spcPts val="0"/>
+                <a:spcPts val="1000"/>
               </a:spcBef>
               <a:spcAft>
                 <a:spcPts val="0"/>
@@ -10035,7 +9477,7 @@
             <a:r>
               <a:t/>
             </a:r>
-            <a:endParaRPr>
+            <a:endParaRPr sz="100">
               <a:latin typeface="Roboto"/>
               <a:ea typeface="Roboto"/>
               <a:cs typeface="Roboto"/>
@@ -10043,61 +9485,30 @@
             </a:endParaRPr>
           </a:p>
           <a:p>
-            <a:pPr indent="-317500" lvl="0" marL="457200" rtl="0" algn="l">
+            <a:pPr indent="-304800" lvl="0" marL="457200" rtl="0" algn="l">
               <a:lnSpc>
                 <a:spcPct val="90000"/>
               </a:lnSpc>
               <a:spcBef>
-                <a:spcPts val="0"/>
-              </a:spcBef>
-              <a:spcAft>
-                <a:spcPts val="0"/>
-              </a:spcAft>
-              <a:buSzPts val="1400"/>
+                <a:spcPts val="1000"/>
+              </a:spcBef>
+              <a:spcAft>
+                <a:spcPts val="0"/>
+              </a:spcAft>
+              <a:buSzPts val="1200"/>
               <a:buFont typeface="Roboto"/>
               <a:buChar char="●"/>
             </a:pPr>
             <a:r>
-              <a:rPr lang="en">
+              <a:rPr lang="en" sz="1200">
                 <a:latin typeface="Roboto"/>
                 <a:ea typeface="Roboto"/>
                 <a:cs typeface="Roboto"/>
                 <a:sym typeface="Roboto"/>
               </a:rPr>
-              <a:t>Prepare comprehensive usage documentation.</a:t>
+              <a:t>Incorporate a feedback mechanism to gather user input and continuously improve the tool based on user suggestions and needs.</a:t>
             </a:r>
-            <a:endParaRPr>
-              <a:latin typeface="Roboto"/>
-              <a:ea typeface="Roboto"/>
-              <a:cs typeface="Roboto"/>
-              <a:sym typeface="Roboto"/>
-            </a:endParaRPr>
-          </a:p>
-          <a:p>
-            <a:pPr indent="-317500" lvl="0" marL="457200" rtl="0" algn="l">
-              <a:lnSpc>
-                <a:spcPct val="90000"/>
-              </a:lnSpc>
-              <a:spcBef>
-                <a:spcPts val="0"/>
-              </a:spcBef>
-              <a:spcAft>
-                <a:spcPts val="0"/>
-              </a:spcAft>
-              <a:buSzPts val="1400"/>
-              <a:buFont typeface="Roboto"/>
-              <a:buChar char="●"/>
-            </a:pPr>
-            <a:r>
-              <a:rPr lang="en">
-                <a:latin typeface="Roboto"/>
-                <a:ea typeface="Roboto"/>
-                <a:cs typeface="Roboto"/>
-                <a:sym typeface="Roboto"/>
-              </a:rPr>
-              <a:t>Deploy application and databases for accessibility.</a:t>
-            </a:r>
-            <a:endParaRPr>
+            <a:endParaRPr sz="1200">
               <a:latin typeface="Roboto"/>
               <a:ea typeface="Roboto"/>
               <a:cs typeface="Roboto"/>
@@ -10114,13 +9525,121 @@
 </p:sld>
 </file>
 
+<file path=ppt/slides/slide6.xml><?xml version="1.0" encoding="utf-8"?>
+<p:sld xmlns:a="http://schemas.openxmlformats.org/drawingml/2006/main" xmlns:r="http://schemas.openxmlformats.org/officeDocument/2006/relationships" xmlns:mc="http://schemas.openxmlformats.org/markup-compatibility/2006" xmlns:mv="urn:schemas-microsoft-com:mac:vml" xmlns:p="http://schemas.openxmlformats.org/presentationml/2006/main" xmlns:c="http://schemas.openxmlformats.org/drawingml/2006/chart" xmlns:dgm="http://schemas.openxmlformats.org/drawingml/2006/diagram" xmlns:o="urn:schemas-microsoft-com:office:office" xmlns:v="urn:schemas-microsoft-com:vml" xmlns:pvml="urn:schemas-microsoft-com:office:powerpoint" xmlns:com="http://schemas.openxmlformats.org/drawingml/2006/compatibility" xmlns:p14="http://schemas.microsoft.com/office/powerpoint/2010/main" xmlns:p15="http://schemas.microsoft.com/office/powerpoint/2012/main" xmlns:ahyp="http://schemas.microsoft.com/office/drawing/2018/hyperlinkcolor">
+  <p:cSld>
+    <p:bg>
+      <p:bgPr>
+        <a:solidFill>
+          <a:srgbClr val="6739B7"/>
+        </a:solidFill>
+      </p:bgPr>
+    </p:bg>
+    <p:spTree>
+      <p:nvGrpSpPr>
+        <p:cNvPr id="100" name="Shape 100"/>
+        <p:cNvGrpSpPr/>
+        <p:nvPr/>
+      </p:nvGrpSpPr>
+      <p:grpSpPr>
+        <a:xfrm>
+          <a:off x="0" y="0"/>
+          <a:ext cx="0" cy="0"/>
+          <a:chOff x="0" y="0"/>
+          <a:chExt cx="0" cy="0"/>
+        </a:xfrm>
+      </p:grpSpPr>
+      <p:sp>
+        <p:nvSpPr>
+          <p:cNvPr id="101" name="Google Shape;101;p18"/>
+          <p:cNvSpPr txBox="1"/>
+          <p:nvPr>
+            <p:ph idx="1" type="body"/>
+          </p:nvPr>
+        </p:nvSpPr>
+        <p:spPr>
+          <a:xfrm>
+            <a:off x="314100" y="12800"/>
+            <a:ext cx="8222100" cy="1300800"/>
+          </a:xfrm>
+          <a:prstGeom prst="rect">
+            <a:avLst/>
+          </a:prstGeom>
+        </p:spPr>
+        <p:txBody>
+          <a:bodyPr anchorCtr="0" anchor="t" bIns="91425" lIns="91425" spcFirstLastPara="1" rIns="91425" wrap="square" tIns="91425">
+            <a:normAutofit/>
+          </a:bodyPr>
+          <a:lstStyle/>
+          <a:p>
+            <a:pPr indent="0" lvl="0" marL="0" rtl="0" algn="ctr">
+              <a:spcBef>
+                <a:spcPts val="0"/>
+              </a:spcBef>
+              <a:spcAft>
+                <a:spcPts val="1200"/>
+              </a:spcAft>
+              <a:buNone/>
+            </a:pPr>
+            <a:r>
+              <a:rPr lang="en" sz="3200">
+                <a:solidFill>
+                  <a:schemeClr val="lt1"/>
+                </a:solidFill>
+              </a:rPr>
+              <a:t>Codebody preview</a:t>
+            </a:r>
+            <a:endParaRPr sz="3200">
+              <a:solidFill>
+                <a:schemeClr val="lt1"/>
+              </a:solidFill>
+            </a:endParaRPr>
+          </a:p>
+        </p:txBody>
+      </p:sp>
+      <p:pic>
+        <p:nvPicPr>
+          <p:cNvPr id="102" name="Google Shape;102;p18"/>
+          <p:cNvPicPr preferRelativeResize="0"/>
+          <p:nvPr/>
+        </p:nvPicPr>
+        <p:blipFill>
+          <a:blip r:embed="rId3">
+            <a:alphaModFix/>
+          </a:blip>
+          <a:stretch>
+            <a:fillRect/>
+          </a:stretch>
+        </p:blipFill>
+        <p:spPr>
+          <a:xfrm>
+            <a:off x="1135288" y="696025"/>
+            <a:ext cx="6873426" cy="4297674"/>
+          </a:xfrm>
+          <a:prstGeom prst="rect">
+            <a:avLst/>
+          </a:prstGeom>
+          <a:noFill/>
+          <a:ln>
+            <a:noFill/>
+          </a:ln>
+        </p:spPr>
+      </p:pic>
+    </p:spTree>
+  </p:cSld>
+  <p:clrMapOvr>
+    <a:masterClrMapping/>
+  </p:clrMapOvr>
+</p:sld>
+</file>
+
 <file path=ppt/slides/slide7.xml><?xml version="1.0" encoding="utf-8"?>
 <p:sld xmlns:a="http://schemas.openxmlformats.org/drawingml/2006/main" xmlns:r="http://schemas.openxmlformats.org/officeDocument/2006/relationships" xmlns:mc="http://schemas.openxmlformats.org/markup-compatibility/2006" xmlns:mv="urn:schemas-microsoft-com:mac:vml" xmlns:p="http://schemas.openxmlformats.org/presentationml/2006/main" xmlns:c="http://schemas.openxmlformats.org/drawingml/2006/chart" xmlns:dgm="http://schemas.openxmlformats.org/drawingml/2006/diagram" xmlns:o="urn:schemas-microsoft-com:office:office" xmlns:v="urn:schemas-microsoft-com:vml" xmlns:pvml="urn:schemas-microsoft-com:office:powerpoint" xmlns:com="http://schemas.openxmlformats.org/drawingml/2006/compatibility" xmlns:p14="http://schemas.microsoft.com/office/powerpoint/2010/main" xmlns:p15="http://schemas.microsoft.com/office/powerpoint/2012/main" xmlns:ahyp="http://schemas.microsoft.com/office/drawing/2018/hyperlinkcolor">
   <p:cSld>
     <p:bg>
       <p:bgPr>
         <a:solidFill>
-          <a:srgbClr val="FF0000"/>
+          <a:srgbClr val="6739B7"/>
         </a:solidFill>
       </p:bgPr>
     </p:bg>
@@ -10176,7 +9695,7 @@
                   <a:schemeClr val="lt1"/>
                 </a:solidFill>
               </a:rPr>
-              <a:t>Codebody preview</a:t>
+              <a:t>Streamlit preview</a:t>
             </a:r>
             <a:endParaRPr sz="3200">
               <a:solidFill>
@@ -10202,8 +9721,8 @@
         </p:blipFill>
         <p:spPr>
           <a:xfrm>
-            <a:off x="887700" y="648800"/>
-            <a:ext cx="7368599" cy="4336050"/>
+            <a:off x="152400" y="1100725"/>
+            <a:ext cx="8839199" cy="3115868"/>
           </a:xfrm>
           <a:prstGeom prst="rect">
             <a:avLst/>
@@ -10228,7 +9747,7 @@
     <p:bg>
       <p:bgPr>
         <a:solidFill>
-          <a:srgbClr val="FF0000"/>
+          <a:srgbClr val="6739B7"/>
         </a:solidFill>
       </p:bgPr>
     </p:bg>
@@ -10251,114 +9770,6 @@
           <p:cNvPr id="113" name="Google Shape;113;p20"/>
           <p:cNvSpPr txBox="1"/>
           <p:nvPr>
-            <p:ph idx="1" type="body"/>
-          </p:nvPr>
-        </p:nvSpPr>
-        <p:spPr>
-          <a:xfrm>
-            <a:off x="314100" y="12800"/>
-            <a:ext cx="8222100" cy="1300800"/>
-          </a:xfrm>
-          <a:prstGeom prst="rect">
-            <a:avLst/>
-          </a:prstGeom>
-        </p:spPr>
-        <p:txBody>
-          <a:bodyPr anchorCtr="0" anchor="t" bIns="91425" lIns="91425" spcFirstLastPara="1" rIns="91425" wrap="square" tIns="91425">
-            <a:normAutofit/>
-          </a:bodyPr>
-          <a:lstStyle/>
-          <a:p>
-            <a:pPr indent="0" lvl="0" marL="0" rtl="0" algn="ctr">
-              <a:spcBef>
-                <a:spcPts val="0"/>
-              </a:spcBef>
-              <a:spcAft>
-                <a:spcPts val="1200"/>
-              </a:spcAft>
-              <a:buNone/>
-            </a:pPr>
-            <a:r>
-              <a:rPr lang="en" sz="3200">
-                <a:solidFill>
-                  <a:schemeClr val="lt1"/>
-                </a:solidFill>
-              </a:rPr>
-              <a:t>Streamlit preview</a:t>
-            </a:r>
-            <a:endParaRPr sz="3200">
-              <a:solidFill>
-                <a:schemeClr val="lt1"/>
-              </a:solidFill>
-            </a:endParaRPr>
-          </a:p>
-        </p:txBody>
-      </p:sp>
-      <p:pic>
-        <p:nvPicPr>
-          <p:cNvPr id="114" name="Google Shape;114;p20"/>
-          <p:cNvPicPr preferRelativeResize="0"/>
-          <p:nvPr/>
-        </p:nvPicPr>
-        <p:blipFill>
-          <a:blip r:embed="rId3">
-            <a:alphaModFix/>
-          </a:blip>
-          <a:stretch>
-            <a:fillRect/>
-          </a:stretch>
-        </p:blipFill>
-        <p:spPr>
-          <a:xfrm>
-            <a:off x="-10750" y="972340"/>
-            <a:ext cx="9143999" cy="3434219"/>
-          </a:xfrm>
-          <a:prstGeom prst="rect">
-            <a:avLst/>
-          </a:prstGeom>
-          <a:noFill/>
-          <a:ln>
-            <a:noFill/>
-          </a:ln>
-        </p:spPr>
-      </p:pic>
-    </p:spTree>
-  </p:cSld>
-  <p:clrMapOvr>
-    <a:masterClrMapping/>
-  </p:clrMapOvr>
-</p:sld>
-</file>
-
-<file path=ppt/slides/slide9.xml><?xml version="1.0" encoding="utf-8"?>
-<p:sld xmlns:a="http://schemas.openxmlformats.org/drawingml/2006/main" xmlns:r="http://schemas.openxmlformats.org/officeDocument/2006/relationships" xmlns:mc="http://schemas.openxmlformats.org/markup-compatibility/2006" xmlns:mv="urn:schemas-microsoft-com:mac:vml" xmlns:p="http://schemas.openxmlformats.org/presentationml/2006/main" xmlns:c="http://schemas.openxmlformats.org/drawingml/2006/chart" xmlns:dgm="http://schemas.openxmlformats.org/drawingml/2006/diagram" xmlns:o="urn:schemas-microsoft-com:office:office" xmlns:v="urn:schemas-microsoft-com:vml" xmlns:pvml="urn:schemas-microsoft-com:office:powerpoint" xmlns:com="http://schemas.openxmlformats.org/drawingml/2006/compatibility" xmlns:p14="http://schemas.microsoft.com/office/powerpoint/2010/main" xmlns:p15="http://schemas.microsoft.com/office/powerpoint/2012/main" xmlns:ahyp="http://schemas.microsoft.com/office/drawing/2018/hyperlinkcolor">
-  <p:cSld>
-    <p:bg>
-      <p:bgPr>
-        <a:solidFill>
-          <a:srgbClr val="FF0000"/>
-        </a:solidFill>
-      </p:bgPr>
-    </p:bg>
-    <p:spTree>
-      <p:nvGrpSpPr>
-        <p:cNvPr id="118" name="Shape 118"/>
-        <p:cNvGrpSpPr/>
-        <p:nvPr/>
-      </p:nvGrpSpPr>
-      <p:grpSpPr>
-        <a:xfrm>
-          <a:off x="0" y="0"/>
-          <a:ext cx="0" cy="0"/>
-          <a:chOff x="0" y="0"/>
-          <a:chExt cx="0" cy="0"/>
-        </a:xfrm>
-      </p:grpSpPr>
-      <p:sp>
-        <p:nvSpPr>
-          <p:cNvPr id="119" name="Google Shape;119;p21"/>
-          <p:cNvSpPr txBox="1"/>
-          <p:nvPr>
             <p:ph type="title"/>
           </p:nvPr>
         </p:nvSpPr>
@@ -10387,14 +9798,14 @@
               <a:buNone/>
             </a:pPr>
             <a:r>
-              <a:rPr lang="en" sz="3200">
+              <a:rPr b="1" lang="en" sz="3200">
                 <a:solidFill>
                   <a:srgbClr val="212121"/>
                 </a:solidFill>
               </a:rPr>
               <a:t>Why do we need this?</a:t>
             </a:r>
-            <a:endParaRPr sz="3200">
+            <a:endParaRPr b="1" sz="3200">
               <a:solidFill>
                 <a:srgbClr val="212121"/>
               </a:solidFill>
@@ -10404,7 +9815,7 @@
       </p:sp>
       <p:sp>
         <p:nvSpPr>
-          <p:cNvPr id="120" name="Google Shape;120;p21"/>
+          <p:cNvPr id="114" name="Google Shape;114;p20"/>
           <p:cNvSpPr txBox="1"/>
           <p:nvPr>
             <p:ph idx="1" type="subTitle"/>
@@ -10436,39 +9847,22 @@
               <a:buNone/>
             </a:pPr>
             <a:r>
-              <a:rPr lang="en" sz="1400">
+              <a:rPr b="1" lang="en" sz="1400">
                 <a:solidFill>
                   <a:srgbClr val="212121"/>
                 </a:solidFill>
               </a:rPr>
-              <a:t>We require this project to develop a streamlined system for accessing, analyzing, and storing data from multiple YouTube channels. By consolidating this data into a centralized platform, we aim to empower decision-makers with comprehensive insights, enabling them to optimize content strategies, understand audience behavior, and drive business growth effectively.</a:t>
+              <a:t>This project is essential to provide users with a comprehensive and user-friendly tool for visualizing and exploring PhonePe Pulse data. With the exponential growth of digital transactions and the increasing complexity of financial data, there is a growing demand for intuitive tools that enable users to understand and analyze data effectively. By developing this project, we aim to empower users to gain actionable insights from PhonePe Pulse data, facilitating informed decision-making and enhancing their overall experience with financial data analysis.</a:t>
             </a:r>
-            <a:endParaRPr sz="1400">
-              <a:solidFill>
-                <a:srgbClr val="212121"/>
-              </a:solidFill>
-            </a:endParaRPr>
-          </a:p>
-          <a:p>
-            <a:pPr indent="0" lvl="0" marL="0" rtl="0" algn="l">
-              <a:spcBef>
-                <a:spcPts val="0"/>
-              </a:spcBef>
-              <a:spcAft>
-                <a:spcPts val="0"/>
-              </a:spcAft>
-              <a:buSzPts val="605"/>
-              <a:buNone/>
-            </a:pPr>
             <a:r>
-              <a:rPr lang="en" sz="1400">
+              <a:rPr b="1" lang="en" sz="1400">
                 <a:solidFill>
                   <a:srgbClr val="212121"/>
                 </a:solidFill>
               </a:rPr>
-              <a:t>In short, it can be used by a person to understand the reach of their content and increase the reach by understanding what is valued by their audience. </a:t>
+              <a:t> </a:t>
             </a:r>
-            <a:endParaRPr sz="1400">
+            <a:endParaRPr b="1" sz="1400">
               <a:solidFill>
                 <a:srgbClr val="212121"/>
               </a:solidFill>
@@ -10478,7 +9872,7 @@
       </p:sp>
       <p:sp>
         <p:nvSpPr>
-          <p:cNvPr id="121" name="Google Shape;121;p21"/>
+          <p:cNvPr id="115" name="Google Shape;115;p20"/>
           <p:cNvSpPr txBox="1"/>
           <p:nvPr/>
         </p:nvSpPr>
@@ -10527,7 +9921,7 @@
       </p:sp>
       <p:sp>
         <p:nvSpPr>
-          <p:cNvPr id="122" name="Google Shape;122;p21"/>
+          <p:cNvPr id="116" name="Google Shape;116;p20"/>
           <p:cNvSpPr txBox="1"/>
           <p:nvPr/>
         </p:nvSpPr>
@@ -10576,7 +9970,7 @@
       </p:sp>
       <p:sp>
         <p:nvSpPr>
-          <p:cNvPr id="123" name="Google Shape;123;p21"/>
+          <p:cNvPr id="117" name="Google Shape;117;p20"/>
           <p:cNvSpPr txBox="1"/>
           <p:nvPr>
             <p:ph type="title"/>
@@ -10607,14 +10001,14 @@
               <a:buNone/>
             </a:pPr>
             <a:r>
-              <a:rPr lang="en" sz="3200">
+              <a:rPr b="1" lang="en" sz="3200">
                 <a:solidFill>
                   <a:srgbClr val="212121"/>
                 </a:solidFill>
               </a:rPr>
               <a:t>Future trends of this project</a:t>
             </a:r>
-            <a:endParaRPr sz="3200">
+            <a:endParaRPr b="1" sz="3200">
               <a:solidFill>
                 <a:srgbClr val="212121"/>
               </a:solidFill>
@@ -10624,7 +10018,7 @@
       </p:sp>
       <p:sp>
         <p:nvSpPr>
-          <p:cNvPr id="124" name="Google Shape;124;p21"/>
+          <p:cNvPr id="118" name="Google Shape;118;p20"/>
           <p:cNvSpPr txBox="1"/>
           <p:nvPr>
             <p:ph idx="1" type="subTitle"/>
@@ -10656,16 +10050,176 @@
               <a:buNone/>
             </a:pPr>
             <a:r>
-              <a:rPr lang="en" sz="1400">
+              <a:rPr b="1" lang="en" sz="1400">
                 <a:solidFill>
                   <a:srgbClr val="212121"/>
                 </a:solidFill>
               </a:rPr>
-              <a:t>In the future, this project will likely integrate AI for automated analysis and real-time insights, enhancing personalization and cross-platform data integration. Innovations in blockchain, augmented reality, and natural language processing will ensure data security, transparency, and user engagement. Ethical considerations will drive stricter privacy measures. Continuous innovation aims to provide invaluable insights and opportunities for content creators and decision-makers, adapting to the evolving digital landscape while meeting user demands for efficiency, privacy, and personalized experiences.</a:t>
+              <a:t>In the future, this project will advance with more sophisticated visualization tools, predictive analytics, and mobile integration for on-the-go access. Real-time data streaming and machine learning algorithms will enable up-to-the-minute analysis and trend identification. Cross-platform compatibility, customization options, and robust security measures will ensure continued user satisfaction. The project will expand its scope to include emerging fintech trends, such as blockchain integration and AI-powered financial services, positioning itself as a leading tool for comprehensive financial data exploration and analysis.</a:t>
             </a:r>
-            <a:endParaRPr sz="1400">
+            <a:endParaRPr b="1" sz="1400">
               <a:solidFill>
                 <a:srgbClr val="212121"/>
+              </a:solidFill>
+            </a:endParaRPr>
+          </a:p>
+        </p:txBody>
+      </p:sp>
+    </p:spTree>
+  </p:cSld>
+  <p:clrMapOvr>
+    <a:masterClrMapping/>
+  </p:clrMapOvr>
+</p:sld>
+</file>
+
+<file path=ppt/slides/slide9.xml><?xml version="1.0" encoding="utf-8"?>
+<p:sld xmlns:a="http://schemas.openxmlformats.org/drawingml/2006/main" xmlns:r="http://schemas.openxmlformats.org/officeDocument/2006/relationships" xmlns:mc="http://schemas.openxmlformats.org/markup-compatibility/2006" xmlns:mv="urn:schemas-microsoft-com:mac:vml" xmlns:p="http://schemas.openxmlformats.org/presentationml/2006/main" xmlns:c="http://schemas.openxmlformats.org/drawingml/2006/chart" xmlns:dgm="http://schemas.openxmlformats.org/drawingml/2006/diagram" xmlns:o="urn:schemas-microsoft-com:office:office" xmlns:v="urn:schemas-microsoft-com:vml" xmlns:pvml="urn:schemas-microsoft-com:office:powerpoint" xmlns:com="http://schemas.openxmlformats.org/drawingml/2006/compatibility" xmlns:p14="http://schemas.microsoft.com/office/powerpoint/2010/main" xmlns:p15="http://schemas.microsoft.com/office/powerpoint/2012/main" xmlns:ahyp="http://schemas.microsoft.com/office/drawing/2018/hyperlinkcolor">
+  <p:cSld>
+    <p:bg>
+      <p:bgPr>
+        <a:solidFill>
+          <a:srgbClr val="6739B7"/>
+        </a:solidFill>
+      </p:bgPr>
+    </p:bg>
+    <p:spTree>
+      <p:nvGrpSpPr>
+        <p:cNvPr id="122" name="Shape 122"/>
+        <p:cNvGrpSpPr/>
+        <p:nvPr/>
+      </p:nvGrpSpPr>
+      <p:grpSpPr>
+        <a:xfrm>
+          <a:off x="0" y="0"/>
+          <a:ext cx="0" cy="0"/>
+          <a:chOff x="0" y="0"/>
+          <a:chExt cx="0" cy="0"/>
+        </a:xfrm>
+      </p:grpSpPr>
+      <p:sp>
+        <p:nvSpPr>
+          <p:cNvPr id="123" name="Google Shape;123;p21"/>
+          <p:cNvSpPr txBox="1"/>
+          <p:nvPr>
+            <p:ph type="title"/>
+          </p:nvPr>
+        </p:nvSpPr>
+        <p:spPr>
+          <a:xfrm>
+            <a:off x="311700" y="1249225"/>
+            <a:ext cx="8520600" cy="1890600"/>
+          </a:xfrm>
+          <a:prstGeom prst="rect">
+            <a:avLst/>
+          </a:prstGeom>
+        </p:spPr>
+        <p:txBody>
+          <a:bodyPr anchorCtr="0" anchor="b" bIns="91425" lIns="91425" spcFirstLastPara="1" rIns="91425" wrap="square" tIns="91425">
+            <a:normAutofit fontScale="90000"/>
+          </a:bodyPr>
+          <a:lstStyle/>
+          <a:p>
+            <a:pPr indent="0" lvl="0" marL="0" rtl="0" algn="ctr">
+              <a:spcBef>
+                <a:spcPts val="0"/>
+              </a:spcBef>
+              <a:spcAft>
+                <a:spcPts val="0"/>
+              </a:spcAft>
+              <a:buNone/>
+            </a:pPr>
+            <a:r>
+              <a:rPr lang="en">
+                <a:solidFill>
+                  <a:schemeClr val="lt1"/>
+                </a:solidFill>
+              </a:rPr>
+              <a:t>3</a:t>
+            </a:r>
+            <a:r>
+              <a:rPr lang="en">
+                <a:solidFill>
+                  <a:schemeClr val="lt1"/>
+                </a:solidFill>
+              </a:rPr>
+              <a:t>0-50</a:t>
+            </a:r>
+            <a:r>
+              <a:rPr lang="en">
+                <a:solidFill>
+                  <a:schemeClr val="lt1"/>
+                </a:solidFill>
+              </a:rPr>
+              <a:t>%</a:t>
+            </a:r>
+            <a:endParaRPr>
+              <a:solidFill>
+                <a:schemeClr val="lt1"/>
+              </a:solidFill>
+            </a:endParaRPr>
+          </a:p>
+        </p:txBody>
+      </p:sp>
+      <p:sp>
+        <p:nvSpPr>
+          <p:cNvPr id="124" name="Google Shape;124;p21"/>
+          <p:cNvSpPr txBox="1"/>
+          <p:nvPr>
+            <p:ph idx="1" type="body"/>
+          </p:nvPr>
+        </p:nvSpPr>
+        <p:spPr>
+          <a:xfrm>
+            <a:off x="475500" y="3304625"/>
+            <a:ext cx="8222100" cy="1300800"/>
+          </a:xfrm>
+          <a:prstGeom prst="rect">
+            <a:avLst/>
+          </a:prstGeom>
+        </p:spPr>
+        <p:txBody>
+          <a:bodyPr anchorCtr="0" anchor="t" bIns="91425" lIns="91425" spcFirstLastPara="1" rIns="91425" wrap="square" tIns="91425">
+            <a:normAutofit/>
+          </a:bodyPr>
+          <a:lstStyle/>
+          <a:p>
+            <a:pPr indent="0" lvl="0" marL="0" rtl="0" algn="ctr">
+              <a:spcBef>
+                <a:spcPts val="0"/>
+              </a:spcBef>
+              <a:spcAft>
+                <a:spcPts val="1200"/>
+              </a:spcAft>
+              <a:buNone/>
+            </a:pPr>
+            <a:r>
+              <a:rPr b="1" lang="en">
+                <a:solidFill>
+                  <a:srgbClr val="000000"/>
+                </a:solidFill>
+              </a:rPr>
+              <a:t>This is by how much </a:t>
+            </a:r>
+            <a:r>
+              <a:rPr b="1" lang="en">
+                <a:solidFill>
+                  <a:srgbClr val="000000"/>
+                </a:solidFill>
+              </a:rPr>
+              <a:t>potentially enhance a fintech app's overall value proposition</a:t>
+            </a:r>
+            <a:r>
+              <a:rPr b="1" lang="en">
+                <a:solidFill>
+                  <a:srgbClr val="000000"/>
+                </a:solidFill>
+              </a:rPr>
+              <a:t>.</a:t>
+            </a:r>
+            <a:endParaRPr b="1">
+              <a:solidFill>
+                <a:srgbClr val="000000"/>
               </a:solidFill>
             </a:endParaRPr>
           </a:p>

--- a/project-overview.pptx
+++ b/project-overview.pptx
@@ -7702,7 +7702,7 @@
     <p:bg>
       <p:bgPr>
         <a:solidFill>
-          <a:srgbClr val="6739B7"/>
+          <a:srgbClr val="FF6600"/>
         </a:solidFill>
       </p:bgPr>
     </p:bg>
@@ -7754,23 +7754,11 @@
             </a:pPr>
             <a:r>
               <a:rPr lang="en"/>
-              <a:t>Phonepe Pulse Data Visualization and Exploration:</a:t>
+              <a:t>Generalized ML Model to </a:t>
             </a:r>
-            <a:endParaRPr/>
-          </a:p>
-          <a:p>
-            <a:pPr indent="0" lvl="0" marL="0" rtl="0" algn="ctr">
-              <a:spcBef>
-                <a:spcPts val="0"/>
-              </a:spcBef>
-              <a:spcAft>
-                <a:spcPts val="0"/>
-              </a:spcAft>
-              <a:buNone/>
-            </a:pPr>
             <a:r>
               <a:rPr lang="en"/>
-              <a:t>A User-Friendly Tool Using Streamlit and Plotly</a:t>
+              <a:t>select Best Algorithm for a given Dataset</a:t>
             </a:r>
             <a:endParaRPr/>
           </a:p>
@@ -7857,7 +7845,7 @@
     <p:bg>
       <p:bgPr>
         <a:solidFill>
-          <a:srgbClr val="6739B7"/>
+          <a:srgbClr val="FF6600"/>
         </a:solidFill>
       </p:bgPr>
     </p:bg>
@@ -7885,7 +7873,7 @@
         </p:nvSpPr>
         <p:spPr>
           <a:xfrm>
-            <a:off x="490250" y="488250"/>
+            <a:off x="490250" y="716850"/>
             <a:ext cx="8162400" cy="4090800"/>
           </a:xfrm>
           <a:prstGeom prst="rect">
@@ -7909,7 +7897,7 @@
             </a:pPr>
             <a:r>
               <a:rPr lang="en" sz="4800"/>
-              <a:t>Unlocking actionable insights from financial data can drive strategic decision-making and enhance user engagement in fintech apps.</a:t>
+              <a:t>Machine learning presents a transformative opportunity for businesses across industries to drive innovation, enhance efficiency, and unlock new sources of value.</a:t>
             </a:r>
             <a:endParaRPr sz="4800"/>
           </a:p>
@@ -7987,7 +7975,7 @@
     <p:bg>
       <p:bgPr>
         <a:solidFill>
-          <a:srgbClr val="6739B7"/>
+          <a:srgbClr val="FF6600"/>
         </a:solidFill>
       </p:bgPr>
     </p:bg>
@@ -8127,24 +8115,11 @@
             </a:pPr>
             <a:r>
               <a:rPr lang="en" sz="1400" u="sng">
-                <a:solidFill>
-                  <a:schemeClr val="accent4"/>
-                </a:solidFill>
-                <a:hlinkClick r:id="rId3">
-                  <a:extLst>
-                    <a:ext uri="{A12FA001-AC4F-418D-AE19-62706E023703}">
-                      <ahyp:hlinkClr val="tx"/>
-                    </a:ext>
-                  </a:extLst>
-                </a:hlinkClick>
+                <a:hlinkClick r:id="rId3"/>
               </a:rPr>
               <a:t>https://github.com/surabhi0901</a:t>
             </a:r>
-            <a:endParaRPr sz="1400">
-              <a:solidFill>
-                <a:schemeClr val="accent4"/>
-              </a:solidFill>
-            </a:endParaRPr>
+            <a:endParaRPr sz="1400"/>
           </a:p>
           <a:p>
             <a:pPr indent="0" lvl="0" marL="0" rtl="0" algn="l">
@@ -8176,13 +8151,13 @@
           <a:blip r:embed="rId5">
             <a:alphaModFix/>
           </a:blip>
-          <a:srcRect b="0" l="0" r="69262" t="0"/>
+          <a:srcRect b="0" l="4404" r="4413" t="0"/>
           <a:stretch/>
         </p:blipFill>
         <p:spPr>
           <a:xfrm>
-            <a:off x="3639375" y="0"/>
-            <a:ext cx="5197025" cy="5143500"/>
+            <a:off x="3294050" y="0"/>
+            <a:ext cx="5864125" cy="5143500"/>
           </a:xfrm>
           <a:prstGeom prst="rect">
             <a:avLst/>
@@ -8207,7 +8182,7 @@
     <p:bg>
       <p:bgPr>
         <a:solidFill>
-          <a:srgbClr val="6739B7"/>
+          <a:srgbClr val="FF6600"/>
         </a:solidFill>
       </p:bgPr>
     </p:bg>
@@ -8258,14 +8233,30 @@
               <a:buNone/>
             </a:pPr>
             <a:r>
-              <a:rPr b="1" lang="en">
+              <a:rPr lang="en">
                 <a:solidFill>
                   <a:srgbClr val="000000"/>
                 </a:solidFill>
               </a:rPr>
-              <a:t>"Data analysis is a powerful tool in the world of finance, unlocking insights that drive informed decision-making and pave the way for financial success."</a:t>
+              <a:t>“</a:t>
             </a:r>
-            <a:endParaRPr b="1">
+            <a:r>
+              <a:rPr lang="en">
+                <a:solidFill>
+                  <a:srgbClr val="000000"/>
+                </a:solidFill>
+              </a:rPr>
+              <a:t>Selecting the right algorithm is the art of turning data into wisdom</a:t>
+            </a:r>
+            <a:r>
+              <a:rPr lang="en">
+                <a:solidFill>
+                  <a:srgbClr val="000000"/>
+                </a:solidFill>
+              </a:rPr>
+              <a:t>”</a:t>
+            </a:r>
+            <a:endParaRPr>
               <a:solidFill>
                 <a:srgbClr val="000000"/>
               </a:solidFill>
@@ -8281,7 +8272,7 @@
         </p:nvCxnSpPr>
         <p:spPr>
           <a:xfrm>
-            <a:off x="4295550" y="3074400"/>
+            <a:off x="4295550" y="2693400"/>
             <a:ext cx="552900" cy="0"/>
           </a:xfrm>
           <a:prstGeom prst="straightConnector1">
@@ -8309,7 +8300,7 @@
         </p:nvSpPr>
         <p:spPr>
           <a:xfrm>
-            <a:off x="773700" y="3114050"/>
+            <a:off x="773700" y="2961650"/>
             <a:ext cx="7596600" cy="518400"/>
           </a:xfrm>
           <a:prstGeom prst="rect">
@@ -8335,14 +8326,22 @@
               <a:buNone/>
             </a:pPr>
             <a:r>
-              <a:rPr b="1" lang="en">
+              <a:rPr lang="en">
                 <a:solidFill>
                   <a:srgbClr val="000000"/>
                 </a:solidFill>
               </a:rPr>
-              <a:t>- Warren Buffett</a:t>
+              <a:t>- </a:t>
             </a:r>
-            <a:endParaRPr b="1">
+            <a:r>
+              <a:rPr lang="en">
+                <a:solidFill>
+                  <a:srgbClr val="000000"/>
+                </a:solidFill>
+              </a:rPr>
+              <a:t>Doug Cutting</a:t>
+            </a:r>
+            <a:endParaRPr>
               <a:solidFill>
                 <a:srgbClr val="000000"/>
               </a:solidFill>
@@ -8364,7 +8363,7 @@
     <p:bg>
       <p:bgPr>
         <a:solidFill>
-          <a:srgbClr val="6739B7"/>
+          <a:srgbClr val="FF6600"/>
         </a:solidFill>
       </p:bgPr>
     </p:bg>
@@ -8432,7 +8431,7 @@
         </p:nvSpPr>
         <p:spPr>
           <a:xfrm>
-            <a:off x="-25" y="1829825"/>
+            <a:off x="-25" y="1906025"/>
             <a:ext cx="9144000" cy="3357300"/>
           </a:xfrm>
           <a:prstGeom prst="rect">
@@ -8446,7 +8445,7 @@
           </a:bodyPr>
           <a:lstStyle/>
           <a:p>
-            <a:pPr indent="-304800" lvl="0" marL="457200" rtl="0" algn="l">
+            <a:pPr indent="-317500" lvl="0" marL="457200" rtl="0" algn="l">
               <a:spcBef>
                 <a:spcPts val="0"/>
               </a:spcBef>
@@ -8456,25 +8455,25 @@
               <a:buClr>
                 <a:srgbClr val="000000"/>
               </a:buClr>
-              <a:buSzPts val="1200"/>
+              <a:buSzPts val="1400"/>
               <a:buChar char="●"/>
             </a:pPr>
             <a:r>
-              <a:rPr lang="en" sz="1200">
+              <a:rPr lang="en" sz="1400">
                 <a:solidFill>
                   <a:srgbClr val="000000"/>
                 </a:solidFill>
               </a:rPr>
-              <a:t>Objective: Develop an interactive dashboard for visualizing and exploring Phonepe Pulse data using Streamlit and Plotly.</a:t>
+              <a:t>In the realm of machine learning, selecting the most suitable algorithm for a given dataset is pivotal for achieving optimal results.</a:t>
             </a:r>
-            <a:endParaRPr sz="1200">
+            <a:endParaRPr sz="1400">
               <a:solidFill>
                 <a:srgbClr val="000000"/>
               </a:solidFill>
             </a:endParaRPr>
           </a:p>
           <a:p>
-            <a:pPr indent="-304800" lvl="0" marL="457200" rtl="0" algn="l">
+            <a:pPr indent="-317500" lvl="0" marL="457200" rtl="0" algn="l">
               <a:spcBef>
                 <a:spcPts val="0"/>
               </a:spcBef>
@@ -8484,25 +8483,25 @@
               <a:buClr>
                 <a:srgbClr val="000000"/>
               </a:buClr>
-              <a:buSzPts val="1200"/>
+              <a:buSzPts val="1400"/>
               <a:buChar char="●"/>
             </a:pPr>
             <a:r>
-              <a:rPr lang="en" sz="1200">
+              <a:rPr lang="en" sz="1400">
                 <a:solidFill>
                   <a:srgbClr val="000000"/>
                 </a:solidFill>
               </a:rPr>
-              <a:t>Key Features:</a:t>
+              <a:t>With an ever-expanding repertoire of algorithms, ranging from classical statistical methods to sophisticated deep learning models, the task of algorithm selection can be daunting.</a:t>
             </a:r>
-            <a:endParaRPr sz="1200">
+            <a:endParaRPr sz="1400">
               <a:solidFill>
                 <a:srgbClr val="000000"/>
               </a:solidFill>
             </a:endParaRPr>
           </a:p>
           <a:p>
-            <a:pPr indent="-304800" lvl="1" marL="914400" rtl="0" algn="l">
+            <a:pPr indent="-317500" lvl="0" marL="457200" rtl="0" algn="l">
               <a:spcBef>
                 <a:spcPts val="0"/>
               </a:spcBef>
@@ -8512,25 +8511,25 @@
               <a:buClr>
                 <a:srgbClr val="000000"/>
               </a:buClr>
-              <a:buSzPts val="1200"/>
-              <a:buChar char="○"/>
+              <a:buSzPts val="1400"/>
+              <a:buChar char="●"/>
             </a:pPr>
             <a:r>
-              <a:rPr lang="en" sz="1200">
+              <a:rPr lang="en" sz="1400">
                 <a:solidFill>
                   <a:srgbClr val="000000"/>
                 </a:solidFill>
               </a:rPr>
-              <a:t>User-Friendly Interface: Intuitive controls for selecting criteria such as year, quarter, and type.</a:t>
+              <a:t>A Generalized ML Model serves as a guiding framework, leveraging the interplay between algorithm characteristics and dataset attributes to identify the most appropriate algorithmic approach.</a:t>
             </a:r>
-            <a:endParaRPr sz="1200">
+            <a:endParaRPr sz="1400">
               <a:solidFill>
                 <a:srgbClr val="000000"/>
               </a:solidFill>
             </a:endParaRPr>
           </a:p>
           <a:p>
-            <a:pPr indent="-304800" lvl="1" marL="914400" rtl="0" algn="l">
+            <a:pPr indent="-317500" lvl="0" marL="457200" rtl="0" algn="l">
               <a:spcBef>
                 <a:spcPts val="0"/>
               </a:spcBef>
@@ -8540,130 +8539,18 @@
               <a:buClr>
                 <a:srgbClr val="000000"/>
               </a:buClr>
-              <a:buSzPts val="1200"/>
-              <a:buChar char="○"/>
-            </a:pPr>
-            <a:r>
-              <a:rPr lang="en" sz="1200">
-                <a:solidFill>
-                  <a:srgbClr val="000000"/>
-                </a:solidFill>
-              </a:rPr>
-              <a:t>Interactive Visualizations: Pie charts, bar graphs, and sliders for dynamic data exploration.</a:t>
-            </a:r>
-            <a:endParaRPr sz="1200">
-              <a:solidFill>
-                <a:srgbClr val="000000"/>
-              </a:solidFill>
-            </a:endParaRPr>
-          </a:p>
-          <a:p>
-            <a:pPr indent="-304800" lvl="1" marL="914400" rtl="0" algn="l">
-              <a:spcBef>
-                <a:spcPts val="0"/>
-              </a:spcBef>
-              <a:spcAft>
-                <a:spcPts val="0"/>
-              </a:spcAft>
-              <a:buClr>
-                <a:srgbClr val="000000"/>
-              </a:buClr>
-              <a:buSzPts val="1200"/>
-              <a:buChar char="○"/>
-            </a:pPr>
-            <a:r>
-              <a:rPr lang="en" sz="1200">
-                <a:solidFill>
-                  <a:srgbClr val="000000"/>
-                </a:solidFill>
-              </a:rPr>
-              <a:t>Insightful Analysis: Top 10 rankings based on transaction amount, count, and user statistics.</a:t>
-            </a:r>
-            <a:endParaRPr sz="1200">
-              <a:solidFill>
-                <a:srgbClr val="000000"/>
-              </a:solidFill>
-            </a:endParaRPr>
-          </a:p>
-          <a:p>
-            <a:pPr indent="-304800" lvl="0" marL="457200" rtl="0" algn="l">
-              <a:spcBef>
-                <a:spcPts val="0"/>
-              </a:spcBef>
-              <a:spcAft>
-                <a:spcPts val="0"/>
-              </a:spcAft>
-              <a:buClr>
-                <a:srgbClr val="000000"/>
-              </a:buClr>
-              <a:buSzPts val="1200"/>
+              <a:buSzPts val="1400"/>
               <a:buChar char="●"/>
             </a:pPr>
             <a:r>
-              <a:rPr lang="en" sz="1200">
+              <a:rPr lang="en" sz="1400">
                 <a:solidFill>
                   <a:srgbClr val="000000"/>
                 </a:solidFill>
               </a:rPr>
-              <a:t>Benefits: Efficient data exploration, customizable viewing, and enhanced decision-making.</a:t>
+              <a:t>By understanding the nuances of both data and algorithms, this model aims to streamline the process of algorithm selection, optimizing performance and efficiency.</a:t>
             </a:r>
-            <a:endParaRPr sz="1200">
-              <a:solidFill>
-                <a:srgbClr val="000000"/>
-              </a:solidFill>
-            </a:endParaRPr>
-          </a:p>
-          <a:p>
-            <a:pPr indent="-304800" lvl="0" marL="457200" rtl="0" algn="l">
-              <a:spcBef>
-                <a:spcPts val="0"/>
-              </a:spcBef>
-              <a:spcAft>
-                <a:spcPts val="0"/>
-              </a:spcAft>
-              <a:buClr>
-                <a:srgbClr val="000000"/>
-              </a:buClr>
-              <a:buSzPts val="1200"/>
-              <a:buChar char="●"/>
-            </a:pPr>
-            <a:r>
-              <a:rPr lang="en" sz="1200">
-                <a:solidFill>
-                  <a:srgbClr val="000000"/>
-                </a:solidFill>
-              </a:rPr>
-              <a:t>Conclusion: Empowers users to uncover meaningful insights from Phonepe Pulse data, driving informed decisions and strategies. Continued development for further enhancements and user feedback integration.</a:t>
-            </a:r>
-            <a:endParaRPr sz="1200">
-              <a:solidFill>
-                <a:srgbClr val="000000"/>
-              </a:solidFill>
-            </a:endParaRPr>
-          </a:p>
-          <a:p>
-            <a:pPr indent="-304800" lvl="0" marL="457200" rtl="0" algn="l">
-              <a:spcBef>
-                <a:spcPts val="0"/>
-              </a:spcBef>
-              <a:spcAft>
-                <a:spcPts val="0"/>
-              </a:spcAft>
-              <a:buClr>
-                <a:srgbClr val="000000"/>
-              </a:buClr>
-              <a:buSzPts val="1200"/>
-              <a:buChar char="●"/>
-            </a:pPr>
-            <a:r>
-              <a:rPr lang="en" sz="1200">
-                <a:solidFill>
-                  <a:srgbClr val="000000"/>
-                </a:solidFill>
-              </a:rPr>
-              <a:t>Next Steps: Live demonstration, feedback collection, and deployment planning.</a:t>
-            </a:r>
-            <a:endParaRPr sz="1200">
+            <a:endParaRPr sz="1400">
               <a:solidFill>
                 <a:srgbClr val="000000"/>
               </a:solidFill>
@@ -8725,7 +8612,7 @@
     <p:bg>
       <p:bgPr>
         <a:solidFill>
-          <a:srgbClr val="6739B7"/>
+          <a:srgbClr val="FF6600"/>
         </a:solidFill>
       </p:bgPr>
     </p:bg>
@@ -8777,7 +8664,7 @@
             </a:pPr>
             <a:r>
               <a:rPr lang="en"/>
-              <a:t>Problem Statement</a:t>
+              <a:t>Problem Statement and how to proceed</a:t>
             </a:r>
             <a:endParaRPr/>
           </a:p>
@@ -8793,13 +8680,13 @@
           <a:blip r:embed="rId3">
             <a:alphaModFix/>
           </a:blip>
-          <a:srcRect b="6387" l="4379" r="4196" t="4022"/>
+          <a:srcRect b="5199" l="5349" r="4746" t="6218"/>
           <a:stretch/>
         </p:blipFill>
         <p:spPr>
           <a:xfrm>
-            <a:off x="0" y="1670250"/>
-            <a:ext cx="9144000" cy="3360528"/>
+            <a:off x="40225" y="1747950"/>
+            <a:ext cx="9144000" cy="3378499"/>
           </a:xfrm>
           <a:prstGeom prst="rect">
             <a:avLst/>
@@ -8824,7 +8711,7 @@
     <p:bg>
       <p:bgPr>
         <a:solidFill>
-          <a:srgbClr val="6739B7"/>
+          <a:srgbClr val="FF6600"/>
         </a:solidFill>
       </p:bgPr>
     </p:bg>
@@ -8936,7 +8823,7 @@
             </a:pPr>
             <a:r>
               <a:rPr lang="en"/>
-              <a:t>User Interface Enhancement</a:t>
+              <a:t>Define problem and objectives</a:t>
             </a:r>
             <a:endParaRPr/>
           </a:p>
@@ -8956,7 +8843,7 @@
             </a:pPr>
             <a:r>
               <a:rPr lang="en"/>
-              <a:t>Interactive Dashboard Development</a:t>
+              <a:t>Explore dataset</a:t>
             </a:r>
             <a:endParaRPr/>
           </a:p>
@@ -8976,7 +8863,7 @@
             </a:pPr>
             <a:r>
               <a:rPr lang="en"/>
-              <a:t>Data Visualization Integration</a:t>
+              <a:t>Research algorithms</a:t>
             </a:r>
             <a:endParaRPr/>
           </a:p>
@@ -8996,7 +8883,7 @@
             </a:pPr>
             <a:r>
               <a:rPr lang="en"/>
-              <a:t>Query Optimization</a:t>
+              <a:t>Evaluate performance</a:t>
             </a:r>
             <a:endParaRPr/>
           </a:p>
@@ -9016,7 +8903,7 @@
             </a:pPr>
             <a:r>
               <a:rPr lang="en"/>
-              <a:t>Responsive Design Implementation</a:t>
+              <a:t>Consider dataset attributes</a:t>
             </a:r>
             <a:endParaRPr/>
           </a:p>
@@ -9036,7 +8923,7 @@
             </a:pPr>
             <a:r>
               <a:rPr lang="en"/>
-              <a:t>Feature Expansion</a:t>
+              <a:t>Select optimal algorithm</a:t>
             </a:r>
             <a:endParaRPr/>
           </a:p>
@@ -9056,7 +8943,7 @@
             </a:pPr>
             <a:r>
               <a:rPr lang="en"/>
-              <a:t>Documentation and Support</a:t>
+              <a:t>Train and validate model</a:t>
             </a:r>
             <a:endParaRPr/>
           </a:p>
@@ -9076,7 +8963,7 @@
             </a:pPr>
             <a:r>
               <a:rPr lang="en"/>
-              <a:t>Feedback Integration</a:t>
+              <a:t>Document and report</a:t>
             </a:r>
             <a:endParaRPr/>
           </a:p>
@@ -9128,7 +9015,7 @@
                 <a:cs typeface="Roboto"/>
                 <a:sym typeface="Roboto"/>
               </a:rPr>
-              <a:t>Enhance the user interface for intuitive navigation and improved user experience.</a:t>
+              <a:t>Clearly state the task's goals and what needs to be achieved through machine learning.</a:t>
             </a:r>
             <a:endParaRPr sz="1200">
               <a:latin typeface="Roboto"/>
@@ -9182,7 +9069,7 @@
                 <a:cs typeface="Roboto"/>
                 <a:sym typeface="Roboto"/>
               </a:rPr>
-              <a:t>Develop an interactive dashboard to facilitate dynamic data exploration and analysis.</a:t>
+              <a:t>Conduct a comprehensive analysis of the dataset to understand its characteristics, structure, and patterns.</a:t>
             </a:r>
             <a:endParaRPr sz="1200">
               <a:latin typeface="Roboto"/>
@@ -9192,7 +9079,7 @@
             </a:endParaRPr>
           </a:p>
           <a:p>
-            <a:pPr indent="0" lvl="0" marL="457200" rtl="0" algn="l">
+            <a:pPr indent="0" lvl="0" marL="0" rtl="0" algn="l">
               <a:lnSpc>
                 <a:spcPct val="90000"/>
               </a:lnSpc>
@@ -9236,7 +9123,7 @@
                 <a:cs typeface="Roboto"/>
                 <a:sym typeface="Roboto"/>
               </a:rPr>
-              <a:t>Integrate Plotly and Streamlit to create visually engaging and interactive data visualizations.</a:t>
+              <a:t>Identify and study various machine learning algorithms that are applicable to the problem domain.</a:t>
             </a:r>
             <a:endParaRPr sz="1200">
               <a:latin typeface="Roboto"/>
@@ -9246,7 +9133,7 @@
             </a:endParaRPr>
           </a:p>
           <a:p>
-            <a:pPr indent="0" lvl="0" marL="457200" rtl="0" algn="l">
+            <a:pPr indent="0" lvl="0" marL="0" rtl="0" algn="l">
               <a:lnSpc>
                 <a:spcPct val="90000"/>
               </a:lnSpc>
@@ -9290,7 +9177,7 @@
                 <a:cs typeface="Roboto"/>
                 <a:sym typeface="Roboto"/>
               </a:rPr>
-              <a:t>Optimize database queries to ensure efficient and speedy data retrieval for a seamless user experience.</a:t>
+              <a:t>Assess the performance of different algorithms using appropriate metrics and techniques.</a:t>
             </a:r>
             <a:endParaRPr sz="1200">
               <a:latin typeface="Roboto"/>
@@ -9300,7 +9187,7 @@
             </a:endParaRPr>
           </a:p>
           <a:p>
-            <a:pPr indent="0" lvl="0" marL="457200" rtl="0" algn="l">
+            <a:pPr indent="0" lvl="0" marL="0" rtl="0" algn="l">
               <a:lnSpc>
                 <a:spcPct val="90000"/>
               </a:lnSpc>
@@ -9344,7 +9231,7 @@
                 <a:cs typeface="Roboto"/>
                 <a:sym typeface="Roboto"/>
               </a:rPr>
-              <a:t>Implement a responsive design to ensure compatibility across various devices, offering accessibility to a wider audience.</a:t>
+              <a:t>Analyze the features and attributes of the dataset to determine which algorithm is most suitable.</a:t>
             </a:r>
             <a:endParaRPr sz="1200">
               <a:latin typeface="Roboto"/>
@@ -9354,7 +9241,7 @@
             </a:endParaRPr>
           </a:p>
           <a:p>
-            <a:pPr indent="0" lvl="0" marL="457200" rtl="0" algn="l">
+            <a:pPr indent="0" lvl="0" marL="0" rtl="0" algn="l">
               <a:lnSpc>
                 <a:spcPct val="90000"/>
               </a:lnSpc>
@@ -9398,7 +9285,7 @@
                 <a:cs typeface="Roboto"/>
                 <a:sym typeface="Roboto"/>
               </a:rPr>
-              <a:t>Expand the range of features to enable users to delve deeper into data analysis and gain actionable insights.</a:t>
+              <a:t>Choose the algorithm that best aligns with the dataset characteristics and task objectives.</a:t>
             </a:r>
             <a:endParaRPr sz="1200">
               <a:latin typeface="Roboto"/>
@@ -9408,7 +9295,7 @@
             </a:endParaRPr>
           </a:p>
           <a:p>
-            <a:pPr indent="0" lvl="0" marL="457200" rtl="0" algn="l">
+            <a:pPr indent="0" lvl="0" marL="0" rtl="0" algn="l">
               <a:lnSpc>
                 <a:spcPct val="90000"/>
               </a:lnSpc>
@@ -9452,7 +9339,7 @@
                 <a:cs typeface="Roboto"/>
                 <a:sym typeface="Roboto"/>
               </a:rPr>
-              <a:t>Provide comprehensive documentation and robust user support to assist users in effectively utilizing the tool.</a:t>
+              <a:t>Implement the selected algorithm on the dataset, train it, and validate its performance using validation techniques.</a:t>
             </a:r>
             <a:endParaRPr sz="1200">
               <a:latin typeface="Roboto"/>
@@ -9462,7 +9349,7 @@
             </a:endParaRPr>
           </a:p>
           <a:p>
-            <a:pPr indent="0" lvl="0" marL="457200" rtl="0" algn="l">
+            <a:pPr indent="0" lvl="0" marL="0" rtl="0" algn="l">
               <a:lnSpc>
                 <a:spcPct val="90000"/>
               </a:lnSpc>
@@ -9506,7 +9393,7 @@
                 <a:cs typeface="Roboto"/>
                 <a:sym typeface="Roboto"/>
               </a:rPr>
-              <a:t>Incorporate a feedback mechanism to gather user input and continuously improve the tool based on user suggestions and needs.</a:t>
+              <a:t>Record the chosen algorithm, the reasoning behind its selection, and the results of its performance evaluation for future reference and reporting.</a:t>
             </a:r>
             <a:endParaRPr sz="1200">
               <a:latin typeface="Roboto"/>
@@ -9531,7 +9418,7 @@
     <p:bg>
       <p:bgPr>
         <a:solidFill>
-          <a:srgbClr val="6739B7"/>
+          <a:srgbClr val="FF6600"/>
         </a:solidFill>
       </p:bgPr>
     </p:bg>
@@ -9613,8 +9500,8 @@
         </p:blipFill>
         <p:spPr>
           <a:xfrm>
-            <a:off x="1135288" y="696025"/>
-            <a:ext cx="6873426" cy="4297674"/>
+            <a:off x="1689650" y="754850"/>
+            <a:ext cx="5604751" cy="4146800"/>
           </a:xfrm>
           <a:prstGeom prst="rect">
             <a:avLst/>
@@ -9639,7 +9526,7 @@
     <p:bg>
       <p:bgPr>
         <a:solidFill>
-          <a:srgbClr val="6739B7"/>
+          <a:srgbClr val="FF6600"/>
         </a:solidFill>
       </p:bgPr>
     </p:bg>
@@ -9721,8 +9608,8 @@
         </p:blipFill>
         <p:spPr>
           <a:xfrm>
-            <a:off x="152400" y="1100725"/>
-            <a:ext cx="8839199" cy="3115868"/>
+            <a:off x="-8275" y="690220"/>
+            <a:ext cx="9143998" cy="4480510"/>
           </a:xfrm>
           <a:prstGeom prst="rect">
             <a:avLst/>
@@ -9747,7 +9634,7 @@
     <p:bg>
       <p:bgPr>
         <a:solidFill>
-          <a:srgbClr val="6739B7"/>
+          <a:srgbClr val="FF6600"/>
         </a:solidFill>
       </p:bgPr>
     </p:bg>
@@ -9798,14 +9685,14 @@
               <a:buNone/>
             </a:pPr>
             <a:r>
-              <a:rPr b="1" lang="en" sz="3200">
+              <a:rPr lang="en" sz="3200">
                 <a:solidFill>
                   <a:srgbClr val="212121"/>
                 </a:solidFill>
               </a:rPr>
               <a:t>Why do we need this?</a:t>
             </a:r>
-            <a:endParaRPr b="1" sz="3200">
+            <a:endParaRPr sz="3200">
               <a:solidFill>
                 <a:srgbClr val="212121"/>
               </a:solidFill>
@@ -9847,22 +9734,14 @@
               <a:buNone/>
             </a:pPr>
             <a:r>
-              <a:rPr b="1" lang="en" sz="1400">
+              <a:rPr lang="en" sz="1400">
                 <a:solidFill>
                   <a:srgbClr val="212121"/>
                 </a:solidFill>
               </a:rPr>
-              <a:t>This project is essential to provide users with a comprehensive and user-friendly tool for visualizing and exploring PhonePe Pulse data. With the exponential growth of digital transactions and the increasing complexity of financial data, there is a growing demand for intuitive tools that enable users to understand and analyze data effectively. By developing this project, we aim to empower users to gain actionable insights from PhonePe Pulse data, facilitating informed decision-making and enhancing their overall experience with financial data analysis.</a:t>
+              <a:t>This project is crucial for addressing real-world challenges by harnessing the power of machine learning. In an era where data is abundant, machine learning enables organizations to extract valuable insights, make data-driven decisions, and gain a competitive advantage. Through automation and optimization, machine learning streamlines processes, increases efficiency, and empowers businesses to innovate and adapt. Moreover, by personalizing experiences for users, machine learning fosters customer satisfaction and loyalty, driving sustainable growth and success in today's dynamic marketplace.</a:t>
             </a:r>
-            <a:r>
-              <a:rPr b="1" lang="en" sz="1400">
-                <a:solidFill>
-                  <a:srgbClr val="212121"/>
-                </a:solidFill>
-              </a:rPr>
-              <a:t> </a:t>
-            </a:r>
-            <a:endParaRPr b="1" sz="1400">
+            <a:endParaRPr sz="1400">
               <a:solidFill>
                 <a:srgbClr val="212121"/>
               </a:solidFill>
@@ -10001,14 +9880,14 @@
               <a:buNone/>
             </a:pPr>
             <a:r>
-              <a:rPr b="1" lang="en" sz="3200">
+              <a:rPr lang="en" sz="3200">
                 <a:solidFill>
                   <a:srgbClr val="212121"/>
                 </a:solidFill>
               </a:rPr>
               <a:t>Future trends of this project</a:t>
             </a:r>
-            <a:endParaRPr b="1" sz="3200">
+            <a:endParaRPr sz="3200">
               <a:solidFill>
                 <a:srgbClr val="212121"/>
               </a:solidFill>
@@ -10050,14 +9929,14 @@
               <a:buNone/>
             </a:pPr>
             <a:r>
-              <a:rPr b="1" lang="en" sz="1400">
+              <a:rPr lang="en" sz="1400">
                 <a:solidFill>
                   <a:srgbClr val="212121"/>
                 </a:solidFill>
               </a:rPr>
-              <a:t>In the future, this project will advance with more sophisticated visualization tools, predictive analytics, and mobile integration for on-the-go access. Real-time data streaming and machine learning algorithms will enable up-to-the-minute analysis and trend identification. Cross-platform compatibility, customization options, and robust security measures will ensure continued user satisfaction. The project will expand its scope to include emerging fintech trends, such as blockchain integration and AI-powered financial services, positioning itself as a leading tool for comprehensive financial data exploration and analysis.</a:t>
+              <a:t>The future of machine learning is poised for exponential growth, fueled by advancements in technology and increasing adoption across industries. As algorithms become more sophisticated and data sets grow larger, machine learning will revolutionize various sectors, from healthcare and finance to transportation and entertainment. Additionally, the integration of machine learning with emerging technologies like IoT, edge computing, and quantum computing will unlock new possibilities, paving the way for innovative applications and transformative breakthroughs in the years to come.</a:t>
             </a:r>
-            <a:endParaRPr b="1" sz="1400">
+            <a:endParaRPr sz="1400">
               <a:solidFill>
                 <a:srgbClr val="212121"/>
               </a:solidFill>
@@ -10079,7 +9958,7 @@
     <p:bg>
       <p:bgPr>
         <a:solidFill>
-          <a:srgbClr val="6739B7"/>
+          <a:srgbClr val="FF6600"/>
         </a:solidFill>
       </p:bgPr>
     </p:bg>
@@ -10135,7 +10014,7 @@
                   <a:schemeClr val="lt1"/>
                 </a:solidFill>
               </a:rPr>
-              <a:t>3</a:t>
+              <a:t>70</a:t>
             </a:r>
             <a:r>
               <a:rPr lang="en">
@@ -10143,7 +10022,7 @@
                   <a:schemeClr val="lt1"/>
                 </a:solidFill>
               </a:rPr>
-              <a:t>0-50</a:t>
+              <a:t>-80</a:t>
             </a:r>
             <a:r>
               <a:rPr lang="en">
@@ -10194,32 +10073,16 @@
               <a:buNone/>
             </a:pPr>
             <a:r>
-              <a:rPr b="1" lang="en">
-                <a:solidFill>
-                  <a:srgbClr val="000000"/>
+              <a:rPr lang="en">
+                <a:solidFill>
+                  <a:schemeClr val="accent5"/>
                 </a:solidFill>
               </a:rPr>
-              <a:t>This is by how much </a:t>
+              <a:t>This is how much percentage of businesses can benefit from this worldwide.</a:t>
             </a:r>
-            <a:r>
-              <a:rPr b="1" lang="en">
-                <a:solidFill>
-                  <a:srgbClr val="000000"/>
-                </a:solidFill>
-              </a:rPr>
-              <a:t>potentially enhance a fintech app's overall value proposition</a:t>
-            </a:r>
-            <a:r>
-              <a:rPr b="1" lang="en">
-                <a:solidFill>
-                  <a:srgbClr val="000000"/>
-                </a:solidFill>
-              </a:rPr>
-              <a:t>.</a:t>
-            </a:r>
-            <a:endParaRPr b="1">
+            <a:endParaRPr>
               <a:solidFill>
-                <a:srgbClr val="000000"/>
+                <a:schemeClr val="accent5"/>
               </a:solidFill>
             </a:endParaRPr>
           </a:p>
